--- a/Presentations/2025_CoFor_CGE_2024_2025.pptx
+++ b/Presentations/2025_CoFor_CGE_2024_2025.pptx
@@ -527,7 +527,7 @@
               </a14:hiddenFill>
             </a:ext>
             <a:ext uri="{FAA26D3D-D897-4be2-8F04-BA451C77F1D7}">
-              <ma14:placeholderFlag xmlns:ma14="http://schemas.microsoft.com/office/mac/drawingml/2011/main" xmlns="" val="1"/>
+              <ma14:placeholderFlag xmlns="" xmlns:ma14="http://schemas.microsoft.com/office/mac/drawingml/2011/main" val="1"/>
             </a:ext>
           </a:extLst>
         </p:spPr>
@@ -6404,7 +6404,7 @@
           <a:effectLst/>
           <a:extLst>
             <a:ext uri="{AF507438-7753-43e0-B8FC-AC1667EBCBE1}">
-              <a14:hiddenEffects xmlns="" xmlns:a14="http://schemas.microsoft.com/office/drawing/2010/main">
+              <a14:hiddenEffects xmlns:a14="http://schemas.microsoft.com/office/drawing/2010/main" xmlns="">
                 <a:effectLst>
                   <a:outerShdw dist="35921" dir="2700000" algn="ctr" rotWithShape="0">
                     <a:schemeClr val="bg2"/>
@@ -6706,7 +6706,7 @@
           </a:effectLst>
           <a:extLst>
             <a:ext uri="{AF507438-7753-43e0-B8FC-AC1667EBCBE1}">
-              <a14:hiddenEffects xmlns:a14="http://schemas.microsoft.com/office/drawing/2010/main" xmlns="">
+              <a14:hiddenEffects xmlns="" xmlns:a14="http://schemas.microsoft.com/office/drawing/2010/main">
                 <a:effectLst>
                   <a:outerShdw dist="35921" dir="2700000" algn="ctr" rotWithShape="0">
                     <a:schemeClr val="bg2"/>
@@ -6799,7 +6799,7 @@
           </a:effectLst>
           <a:extLst>
             <a:ext uri="{AF507438-7753-43e0-B8FC-AC1667EBCBE1}">
-              <a14:hiddenEffects xmlns:a14="http://schemas.microsoft.com/office/drawing/2010/main" xmlns="">
+              <a14:hiddenEffects xmlns="" xmlns:a14="http://schemas.microsoft.com/office/drawing/2010/main">
                 <a:effectLst>
                   <a:outerShdw dist="35921" dir="2700000" algn="ctr" rotWithShape="0">
                     <a:schemeClr val="bg2"/>
@@ -6890,7 +6890,7 @@
           </a:effectLst>
           <a:extLst>
             <a:ext uri="{AF507438-7753-43e0-B8FC-AC1667EBCBE1}">
-              <a14:hiddenEffects xmlns:a14="http://schemas.microsoft.com/office/drawing/2010/main" xmlns="">
+              <a14:hiddenEffects xmlns="" xmlns:a14="http://schemas.microsoft.com/office/drawing/2010/main">
                 <a:effectLst>
                   <a:outerShdw dist="35921" dir="2700000" algn="ctr" rotWithShape="0">
                     <a:schemeClr val="bg2"/>
@@ -6983,7 +6983,7 @@
           </a:effectLst>
           <a:extLst>
             <a:ext uri="{AF507438-7753-43e0-B8FC-AC1667EBCBE1}">
-              <a14:hiddenEffects xmlns:a14="http://schemas.microsoft.com/office/drawing/2010/main" xmlns="">
+              <a14:hiddenEffects xmlns="" xmlns:a14="http://schemas.microsoft.com/office/drawing/2010/main">
                 <a:effectLst>
                   <a:outerShdw dist="35921" dir="2700000" algn="ctr" rotWithShape="0">
                     <a:schemeClr val="bg2"/>
@@ -7055,6 +7055,87 @@
           </a:prstGeom>
           <a:solidFill>
             <a:schemeClr val="bg1"/>
+          </a:solidFill>
+          <a:ln w="9525" cap="flat" cmpd="sng" algn="ctr">
+            <a:noFill/>
+            <a:prstDash val="solid"/>
+            <a:round/>
+            <a:headEnd type="none" w="med" len="med"/>
+            <a:tailEnd type="none" w="med" len="med"/>
+          </a:ln>
+          <a:effectLst/>
+          <a:extLst>
+            <a:ext uri="{AF507438-7753-43e0-B8FC-AC1667EBCBE1}">
+              <a14:hiddenEffects xmlns="" xmlns:a14="http://schemas.microsoft.com/office/drawing/2010/main">
+                <a:effectLst>
+                  <a:outerShdw dist="35921" dir="2700000" algn="ctr" rotWithShape="0">
+                    <a:schemeClr val="bg2"/>
+                  </a:outerShdw>
+                </a:effectLst>
+              </a14:hiddenEffects>
+            </a:ext>
+          </a:extLst>
+        </p:spPr>
+        <p:txBody>
+          <a:bodyPr vert="horz" wrap="square" lIns="91440" tIns="45720" rIns="91440" bIns="45720" numCol="1" rtlCol="0" anchor="t" anchorCtr="0" compatLnSpc="1">
+            <a:prstTxWarp prst="textNoShape">
+              <a:avLst/>
+            </a:prstTxWarp>
+          </a:bodyPr>
+          <a:lstStyle/>
+          <a:p>
+            <a:pPr marL="0" marR="0" indent="0" algn="l" defTabSz="914400" rtl="0" eaLnBrk="0" fontAlgn="base" latinLnBrk="0" hangingPunct="0">
+              <a:lnSpc>
+                <a:spcPct val="100000"/>
+              </a:lnSpc>
+              <a:spcBef>
+                <a:spcPct val="0"/>
+              </a:spcBef>
+              <a:spcAft>
+                <a:spcPct val="0"/>
+              </a:spcAft>
+              <a:buClrTx/>
+              <a:buSzTx/>
+              <a:buFontTx/>
+              <a:buNone/>
+              <a:tabLst/>
+            </a:pPr>
+            <a:endParaRPr kumimoji="0" lang="fr-FR" sz="1600" b="0" i="0" u="none" strike="noStrike" cap="none" normalizeH="0" baseline="0">
+              <a:ln>
+                <a:noFill/>
+              </a:ln>
+              <a:solidFill>
+                <a:schemeClr val="tx1"/>
+              </a:solidFill>
+              <a:effectLst/>
+              <a:latin typeface="Arial" charset="0"/>
+              <a:ea typeface="ＭＳ Ｐゴシック" pitchFamily="1" charset="-128"/>
+            </a:endParaRPr>
+          </a:p>
+        </p:txBody>
+      </p:sp>
+      <p:sp>
+        <p:nvSpPr>
+          <p:cNvPr id="10" name="Flèche : pentagone 9">
+            <a:extLst>
+              <a:ext uri="{FF2B5EF4-FFF2-40B4-BE49-F238E27FC236}">
+                <a16:creationId xmlns:a16="http://schemas.microsoft.com/office/drawing/2014/main" id="{D1BFEC11-4C3E-6816-822C-8F27171E3DC0}"/>
+              </a:ext>
+            </a:extLst>
+          </p:cNvPr>
+          <p:cNvSpPr/>
+          <p:nvPr/>
+        </p:nvSpPr>
+        <p:spPr bwMode="auto">
+          <a:xfrm>
+            <a:off x="995250" y="2915718"/>
+            <a:ext cx="1728216" cy="255140"/>
+          </a:xfrm>
+          <a:prstGeom prst="homePlate">
+            <a:avLst/>
+          </a:prstGeom>
+          <a:solidFill>
+            <a:srgbClr val="0A3250"/>
           </a:solidFill>
           <a:ln w="9525" cap="flat" cmpd="sng" algn="ctr">
             <a:noFill/>
@@ -7084,87 +7165,6 @@
           </a:bodyPr>
           <a:lstStyle/>
           <a:p>
-            <a:pPr marL="0" marR="0" indent="0" algn="l" defTabSz="914400" rtl="0" eaLnBrk="0" fontAlgn="base" latinLnBrk="0" hangingPunct="0">
-              <a:lnSpc>
-                <a:spcPct val="100000"/>
-              </a:lnSpc>
-              <a:spcBef>
-                <a:spcPct val="0"/>
-              </a:spcBef>
-              <a:spcAft>
-                <a:spcPct val="0"/>
-              </a:spcAft>
-              <a:buClrTx/>
-              <a:buSzTx/>
-              <a:buFontTx/>
-              <a:buNone/>
-              <a:tabLst/>
-            </a:pPr>
-            <a:endParaRPr kumimoji="0" lang="fr-FR" sz="1600" b="0" i="0" u="none" strike="noStrike" cap="none" normalizeH="0" baseline="0">
-              <a:ln>
-                <a:noFill/>
-              </a:ln>
-              <a:solidFill>
-                <a:schemeClr val="tx1"/>
-              </a:solidFill>
-              <a:effectLst/>
-              <a:latin typeface="Arial" charset="0"/>
-              <a:ea typeface="ＭＳ Ｐゴシック" pitchFamily="1" charset="-128"/>
-            </a:endParaRPr>
-          </a:p>
-        </p:txBody>
-      </p:sp>
-      <p:sp>
-        <p:nvSpPr>
-          <p:cNvPr id="10" name="Flèche : pentagone 9">
-            <a:extLst>
-              <a:ext uri="{FF2B5EF4-FFF2-40B4-BE49-F238E27FC236}">
-                <a16:creationId xmlns:a16="http://schemas.microsoft.com/office/drawing/2014/main" id="{D1BFEC11-4C3E-6816-822C-8F27171E3DC0}"/>
-              </a:ext>
-            </a:extLst>
-          </p:cNvPr>
-          <p:cNvSpPr/>
-          <p:nvPr/>
-        </p:nvSpPr>
-        <p:spPr bwMode="auto">
-          <a:xfrm>
-            <a:off x="995250" y="2915718"/>
-            <a:ext cx="1728216" cy="255140"/>
-          </a:xfrm>
-          <a:prstGeom prst="homePlate">
-            <a:avLst/>
-          </a:prstGeom>
-          <a:solidFill>
-            <a:srgbClr val="0A3250"/>
-          </a:solidFill>
-          <a:ln w="9525" cap="flat" cmpd="sng" algn="ctr">
-            <a:noFill/>
-            <a:prstDash val="solid"/>
-            <a:round/>
-            <a:headEnd type="none" w="med" len="med"/>
-            <a:tailEnd type="none" w="med" len="med"/>
-          </a:ln>
-          <a:effectLst/>
-          <a:extLst>
-            <a:ext uri="{AF507438-7753-43e0-B8FC-AC1667EBCBE1}">
-              <a14:hiddenEffects xmlns="" xmlns:a14="http://schemas.microsoft.com/office/drawing/2010/main">
-                <a:effectLst>
-                  <a:outerShdw dist="35921" dir="2700000" algn="ctr" rotWithShape="0">
-                    <a:schemeClr val="bg2"/>
-                  </a:outerShdw>
-                </a:effectLst>
-              </a14:hiddenEffects>
-            </a:ext>
-          </a:extLst>
-        </p:spPr>
-        <p:txBody>
-          <a:bodyPr vert="horz" wrap="square" lIns="91440" tIns="45720" rIns="91440" bIns="45720" numCol="1" rtlCol="0" anchor="t" anchorCtr="0" compatLnSpc="1">
-            <a:prstTxWarp prst="textNoShape">
-              <a:avLst/>
-            </a:prstTxWarp>
-          </a:bodyPr>
-          <a:lstStyle/>
-          <a:p>
             <a:pPr marL="0" marR="0" indent="0" algn="ctr" defTabSz="914400" rtl="0" eaLnBrk="0" fontAlgn="base" latinLnBrk="0" hangingPunct="0">
               <a:lnSpc>
                 <a:spcPct val="100000"/>
@@ -7231,7 +7231,7 @@
           <a:effectLst/>
           <a:extLst>
             <a:ext uri="{AF507438-7753-43e0-B8FC-AC1667EBCBE1}">
-              <a14:hiddenEffects xmlns="" xmlns:a14="http://schemas.microsoft.com/office/drawing/2010/main">
+              <a14:hiddenEffects xmlns:a14="http://schemas.microsoft.com/office/drawing/2010/main" xmlns="">
                 <a:effectLst>
                   <a:outerShdw dist="35921" dir="2700000" algn="ctr" rotWithShape="0">
                     <a:schemeClr val="bg2"/>
@@ -7315,7 +7315,7 @@
           <a:effectLst/>
           <a:extLst>
             <a:ext uri="{AF507438-7753-43e0-B8FC-AC1667EBCBE1}">
-              <a14:hiddenEffects xmlns="" xmlns:a14="http://schemas.microsoft.com/office/drawing/2010/main">
+              <a14:hiddenEffects xmlns:a14="http://schemas.microsoft.com/office/drawing/2010/main" xmlns="">
                 <a:effectLst>
                   <a:outerShdw dist="35921" dir="2700000" algn="ctr" rotWithShape="0">
                     <a:schemeClr val="bg2"/>
@@ -7399,7 +7399,7 @@
           <a:effectLst/>
           <a:extLst>
             <a:ext uri="{AF507438-7753-43e0-B8FC-AC1667EBCBE1}">
-              <a14:hiddenEffects xmlns="" xmlns:a14="http://schemas.microsoft.com/office/drawing/2010/main">
+              <a14:hiddenEffects xmlns:a14="http://schemas.microsoft.com/office/drawing/2010/main" xmlns="">
                 <a:effectLst>
                   <a:outerShdw dist="35921" dir="2700000" algn="ctr" rotWithShape="0">
                     <a:schemeClr val="bg2"/>
@@ -8163,7 +8163,7 @@
           <a:effectLst/>
           <a:extLst>
             <a:ext uri="{AF507438-7753-43e0-B8FC-AC1667EBCBE1}">
-              <a14:hiddenEffects xmlns:a14="http://schemas.microsoft.com/office/drawing/2010/main" xmlns="">
+              <a14:hiddenEffects xmlns="" xmlns:a14="http://schemas.microsoft.com/office/drawing/2010/main">
                 <a:effectLst>
                   <a:outerShdw dist="35921" dir="2700000" algn="ctr" rotWithShape="0">
                     <a:schemeClr val="bg2"/>
@@ -8211,7 +8211,7 @@
           <a:effectLst/>
           <a:extLst>
             <a:ext uri="{AF507438-7753-43e0-B8FC-AC1667EBCBE1}">
-              <a14:hiddenEffects xmlns:a14="http://schemas.microsoft.com/office/drawing/2010/main" xmlns="">
+              <a14:hiddenEffects xmlns="" xmlns:a14="http://schemas.microsoft.com/office/drawing/2010/main">
                 <a:effectLst>
                   <a:outerShdw dist="35921" dir="2700000" algn="ctr" rotWithShape="0">
                     <a:schemeClr val="bg2"/>
@@ -9725,7 +9725,7 @@
           <a:effectLst/>
           <a:extLst>
             <a:ext uri="{AF507438-7753-43e0-B8FC-AC1667EBCBE1}">
-              <a14:hiddenEffects xmlns:a14="http://schemas.microsoft.com/office/drawing/2010/main" xmlns="">
+              <a14:hiddenEffects xmlns="" xmlns:a14="http://schemas.microsoft.com/office/drawing/2010/main">
                 <a:effectLst>
                   <a:outerShdw dist="35921" dir="2700000" algn="ctr" rotWithShape="0">
                     <a:schemeClr val="bg2"/>
@@ -10275,7 +10275,7 @@
           <a:effectLst/>
           <a:extLst>
             <a:ext uri="{AF507438-7753-43e0-B8FC-AC1667EBCBE1}">
-              <a14:hiddenEffects xmlns="" xmlns:a14="http://schemas.microsoft.com/office/drawing/2010/main">
+              <a14:hiddenEffects xmlns:a14="http://schemas.microsoft.com/office/drawing/2010/main" xmlns="">
                 <a:effectLst>
                   <a:outerShdw dist="35921" dir="2700000" algn="ctr" rotWithShape="0">
                     <a:schemeClr val="bg2"/>
@@ -10658,7 +10658,7 @@
           <a:effectLst/>
           <a:extLst>
             <a:ext uri="{AF507438-7753-43e0-B8FC-AC1667EBCBE1}">
-              <a14:hiddenEffects xmlns:a14="http://schemas.microsoft.com/office/drawing/2010/main" xmlns="">
+              <a14:hiddenEffects xmlns="" xmlns:a14="http://schemas.microsoft.com/office/drawing/2010/main">
                 <a:effectLst>
                   <a:outerShdw dist="35921" dir="2700000" algn="ctr" rotWithShape="0">
                     <a:schemeClr val="bg2"/>
@@ -10833,6 +10833,53 @@
           <a:chExt cx="0" cy="0"/>
         </a:xfrm>
       </p:grpSpPr>
+      <p:pic>
+        <p:nvPicPr>
+          <p:cNvPr id="13" name="Picture 2">
+            <a:extLst>
+              <a:ext uri="{FF2B5EF4-FFF2-40B4-BE49-F238E27FC236}">
+                <a16:creationId xmlns:a16="http://schemas.microsoft.com/office/drawing/2014/main" id="{810DA8F7-248C-F343-D113-0366C1AEE115}"/>
+              </a:ext>
+            </a:extLst>
+          </p:cNvPr>
+          <p:cNvPicPr>
+            <a:picLocks noChangeAspect="1" noChangeArrowheads="1"/>
+          </p:cNvPicPr>
+          <p:nvPr/>
+        </p:nvPicPr>
+        <p:blipFill>
+          <a:blip r:embed="rId2">
+            <a:extLst>
+              <a:ext uri="{28A0092B-C50C-407E-A947-70E740481C1C}">
+                <a14:useLocalDpi xmlns:a14="http://schemas.microsoft.com/office/drawing/2010/main" val="0"/>
+              </a:ext>
+            </a:extLst>
+          </a:blip>
+          <a:srcRect/>
+          <a:stretch>
+            <a:fillRect/>
+          </a:stretch>
+        </p:blipFill>
+        <p:spPr bwMode="auto">
+          <a:xfrm>
+            <a:off x="7464152" y="1459538"/>
+            <a:ext cx="4086133" cy="2041470"/>
+          </a:xfrm>
+          <a:prstGeom prst="rect">
+            <a:avLst/>
+          </a:prstGeom>
+          <a:noFill/>
+          <a:extLst>
+            <a:ext uri="{909E8E84-426E-40DD-AFC4-6F175D3DCCD1}">
+              <a14:hiddenFill xmlns:a14="http://schemas.microsoft.com/office/drawing/2010/main">
+                <a:solidFill>
+                  <a:srgbClr val="FFFFFF"/>
+                </a:solidFill>
+              </a14:hiddenFill>
+            </a:ext>
+          </a:extLst>
+        </p:spPr>
+      </p:pic>
       <p:sp>
         <p:nvSpPr>
           <p:cNvPr id="2" name="Titre 1">
@@ -10861,36 +10908,6 @@
           </a:p>
         </p:txBody>
       </p:sp>
-      <p:pic>
-        <p:nvPicPr>
-          <p:cNvPr id="5" name="Image 4">
-            <a:extLst>
-              <a:ext uri="{FF2B5EF4-FFF2-40B4-BE49-F238E27FC236}">
-                <a16:creationId xmlns:a16="http://schemas.microsoft.com/office/drawing/2014/main" id="{59E34623-F5D7-4590-E857-D27443C8C94E}"/>
-              </a:ext>
-            </a:extLst>
-          </p:cNvPr>
-          <p:cNvPicPr>
-            <a:picLocks noChangeAspect="1"/>
-          </p:cNvPicPr>
-          <p:nvPr/>
-        </p:nvPicPr>
-        <p:blipFill>
-          <a:blip r:embed="rId2"/>
-          <a:stretch>
-            <a:fillRect/>
-          </a:stretch>
-        </p:blipFill>
-        <p:spPr>
-          <a:xfrm>
-            <a:off x="7302786" y="1720181"/>
-            <a:ext cx="4121806" cy="2078767"/>
-          </a:xfrm>
-          <a:prstGeom prst="rect">
-            <a:avLst/>
-          </a:prstGeom>
-        </p:spPr>
-      </p:pic>
       <p:sp>
         <p:nvSpPr>
           <p:cNvPr id="7" name="Flèche : chevron 6">
@@ -10924,7 +10941,7 @@
           <a:effectLst/>
           <a:extLst>
             <a:ext uri="{AF507438-7753-43e0-B8FC-AC1667EBCBE1}">
-              <a14:hiddenEffects xmlns:a14="http://schemas.microsoft.com/office/drawing/2010/main" xmlns="">
+              <a14:hiddenEffects xmlns="" xmlns:a14="http://schemas.microsoft.com/office/drawing/2010/main">
                 <a:effectLst>
                   <a:outerShdw dist="35921" dir="2700000" algn="ctr" rotWithShape="0">
                     <a:schemeClr val="bg2"/>
@@ -11730,7 +11747,7 @@
           <a:effectLst/>
           <a:extLst>
             <a:ext uri="{AF507438-7753-43e0-B8FC-AC1667EBCBE1}">
-              <a14:hiddenEffects xmlns:a14="http://schemas.microsoft.com/office/drawing/2010/main" xmlns="">
+              <a14:hiddenEffects xmlns="" xmlns:a14="http://schemas.microsoft.com/office/drawing/2010/main">
                 <a:effectLst>
                   <a:outerShdw dist="35921" dir="2700000" algn="ctr" rotWithShape="0">
                     <a:schemeClr val="bg2"/>
@@ -11878,7 +11895,7 @@
           <a:effectLst/>
           <a:extLst>
             <a:ext uri="{AF507438-7753-43e0-B8FC-AC1667EBCBE1}">
-              <a14:hiddenEffects xmlns="" xmlns:a14="http://schemas.microsoft.com/office/drawing/2010/main">
+              <a14:hiddenEffects xmlns:a14="http://schemas.microsoft.com/office/drawing/2010/main" xmlns="">
                 <a:effectLst>
                   <a:outerShdw dist="35921" dir="2700000" algn="ctr" rotWithShape="0">
                     <a:schemeClr val="bg2"/>
@@ -12200,7 +12217,7 @@
           <a:effectLst/>
           <a:extLst>
             <a:ext uri="{AF507438-7753-43e0-B8FC-AC1667EBCBE1}">
-              <a14:hiddenEffects xmlns:a14="http://schemas.microsoft.com/office/drawing/2010/main" xmlns="">
+              <a14:hiddenEffects xmlns="" xmlns:a14="http://schemas.microsoft.com/office/drawing/2010/main">
                 <a:effectLst>
                   <a:outerShdw dist="35921" dir="2700000" algn="ctr" rotWithShape="0">
                     <a:schemeClr val="bg2"/>

--- a/Presentations/2025_CoFor_CGE_2024_2025.pptx
+++ b/Presentations/2025_CoFor_CGE_2024_2025.pptx
@@ -6,10 +6,10 @@
     <p:sldMasterId id="2147483664" r:id="rId2"/>
   </p:sldMasterIdLst>
   <p:notesMasterIdLst>
-    <p:notesMasterId r:id="rId13"/>
+    <p:notesMasterId r:id="rId14"/>
   </p:notesMasterIdLst>
   <p:handoutMasterIdLst>
-    <p:handoutMasterId r:id="rId14"/>
+    <p:handoutMasterId r:id="rId15"/>
   </p:handoutMasterIdLst>
   <p:sldIdLst>
     <p:sldId id="314" r:id="rId3"/>
@@ -18,10 +18,11 @@
     <p:sldId id="329" r:id="rId6"/>
     <p:sldId id="327" r:id="rId7"/>
     <p:sldId id="325" r:id="rId8"/>
-    <p:sldId id="328" r:id="rId9"/>
-    <p:sldId id="330" r:id="rId10"/>
-    <p:sldId id="331" r:id="rId11"/>
-    <p:sldId id="332" r:id="rId12"/>
+    <p:sldId id="333" r:id="rId9"/>
+    <p:sldId id="328" r:id="rId10"/>
+    <p:sldId id="330" r:id="rId11"/>
+    <p:sldId id="331" r:id="rId12"/>
+    <p:sldId id="332" r:id="rId13"/>
   </p:sldIdLst>
   <p:sldSz cx="12192000" cy="6858000"/>
   <p:notesSz cx="6797675" cy="9928225"/>
@@ -161,6 +162,7 @@
             <p14:sldId id="329"/>
             <p14:sldId id="327"/>
             <p14:sldId id="325"/>
+            <p14:sldId id="333"/>
             <p14:sldId id="328"/>
             <p14:sldId id="330"/>
             <p14:sldId id="331"/>
@@ -485,7 +487,7 @@
             <a:fld id="{9202EF97-A5BF-E644-B5D7-99A720C3808E}" type="datetimeFigureOut">
               <a:rPr lang="fr-FR"/>
               <a:pPr/>
-              <a:t>14/06/2025</a:t>
+              <a:t>26/06/2025</a:t>
             </a:fld>
             <a:endParaRPr lang="fr-FR"/>
           </a:p>
@@ -527,7 +529,7 @@
               </a14:hiddenFill>
             </a:ext>
             <a:ext uri="{FAA26D3D-D897-4be2-8F04-BA451C77F1D7}">
-              <ma14:placeholderFlag xmlns="" xmlns:ma14="http://schemas.microsoft.com/office/mac/drawingml/2011/main" val="1"/>
+              <ma14:placeholderFlag xmlns:ma14="http://schemas.microsoft.com/office/mac/drawingml/2011/main" xmlns="" val="1"/>
             </a:ext>
           </a:extLst>
         </p:spPr>
@@ -849,7 +851,7 @@
             <a:fld id="{C5D8CFC6-2EE8-4043-8C44-71F3876B9617}" type="slidenum">
               <a:rPr lang="fr-FR" smtClean="0"/>
               <a:pPr/>
-              <a:t>9</a:t>
+              <a:t>10</a:t>
             </a:fld>
             <a:endParaRPr lang="fr-FR"/>
           </a:p>
@@ -958,7 +960,7 @@
             <a:fld id="{C5D8CFC6-2EE8-4043-8C44-71F3876B9617}" type="slidenum">
               <a:rPr lang="fr-FR" smtClean="0"/>
               <a:pPr/>
-              <a:t>10</a:t>
+              <a:t>11</a:t>
             </a:fld>
             <a:endParaRPr lang="fr-FR"/>
           </a:p>
@@ -6328,6 +6330,298 @@
         <p:cNvPr id="1" name="">
           <a:extLst>
             <a:ext uri="{FF2B5EF4-FFF2-40B4-BE49-F238E27FC236}">
+              <a16:creationId xmlns:a16="http://schemas.microsoft.com/office/drawing/2014/main" id="{B99C7A6B-25F1-8A81-A738-5B913CD7B6C3}"/>
+            </a:ext>
+          </a:extLst>
+        </p:cNvPr>
+        <p:cNvGrpSpPr/>
+        <p:nvPr/>
+      </p:nvGrpSpPr>
+      <p:grpSpPr>
+        <a:xfrm>
+          <a:off x="0" y="0"/>
+          <a:ext cx="0" cy="0"/>
+          <a:chOff x="0" y="0"/>
+          <a:chExt cx="0" cy="0"/>
+        </a:xfrm>
+      </p:grpSpPr>
+      <p:sp>
+        <p:nvSpPr>
+          <p:cNvPr id="2" name="Titre 1">
+            <a:extLst>
+              <a:ext uri="{FF2B5EF4-FFF2-40B4-BE49-F238E27FC236}">
+                <a16:creationId xmlns:a16="http://schemas.microsoft.com/office/drawing/2014/main" id="{4EA00DEE-C22F-33FE-F07B-4EE96DE2C194}"/>
+              </a:ext>
+            </a:extLst>
+          </p:cNvPr>
+          <p:cNvSpPr>
+            <a:spLocks noGrp="1"/>
+          </p:cNvSpPr>
+          <p:nvPr>
+            <p:ph type="title"/>
+          </p:nvPr>
+        </p:nvSpPr>
+        <p:spPr/>
+        <p:txBody>
+          <a:bodyPr/>
+          <a:lstStyle/>
+          <a:p>
+            <a:r>
+              <a:rPr lang="fr-FR" dirty="0"/>
+              <a:t>Enquête CGE / Chiffres clefs</a:t>
+            </a:r>
+          </a:p>
+        </p:txBody>
+      </p:sp>
+      <p:sp>
+        <p:nvSpPr>
+          <p:cNvPr id="7" name="Flèche : chevron 6">
+            <a:extLst>
+              <a:ext uri="{FF2B5EF4-FFF2-40B4-BE49-F238E27FC236}">
+                <a16:creationId xmlns:a16="http://schemas.microsoft.com/office/drawing/2014/main" id="{780EF0C3-7563-428D-D529-FF58B0110316}"/>
+              </a:ext>
+            </a:extLst>
+          </p:cNvPr>
+          <p:cNvSpPr/>
+          <p:nvPr/>
+        </p:nvSpPr>
+        <p:spPr bwMode="auto">
+          <a:xfrm>
+            <a:off x="767407" y="1720181"/>
+            <a:ext cx="3312369" cy="307777"/>
+          </a:xfrm>
+          <a:prstGeom prst="chevron">
+            <a:avLst/>
+          </a:prstGeom>
+          <a:solidFill>
+            <a:srgbClr val="00305E"/>
+          </a:solidFill>
+          <a:ln w="9525" cap="flat" cmpd="sng" algn="ctr">
+            <a:noFill/>
+            <a:prstDash val="solid"/>
+            <a:round/>
+            <a:headEnd type="none" w="med" len="med"/>
+            <a:tailEnd type="none" w="med" len="med"/>
+          </a:ln>
+          <a:effectLst/>
+          <a:extLst>
+            <a:ext uri="{AF507438-7753-43e0-B8FC-AC1667EBCBE1}">
+              <a14:hiddenEffects xmlns:a14="http://schemas.microsoft.com/office/drawing/2010/main" xmlns="">
+                <a:effectLst>
+                  <a:outerShdw dist="35921" dir="2700000" algn="ctr" rotWithShape="0">
+                    <a:schemeClr val="bg2"/>
+                  </a:outerShdw>
+                </a:effectLst>
+              </a14:hiddenEffects>
+            </a:ext>
+          </a:extLst>
+        </p:spPr>
+        <p:txBody>
+          <a:bodyPr vert="horz" wrap="square" lIns="91440" tIns="45720" rIns="91440" bIns="45720" numCol="1" rtlCol="0" anchor="t" anchorCtr="0" compatLnSpc="1">
+            <a:prstTxWarp prst="textNoShape">
+              <a:avLst/>
+            </a:prstTxWarp>
+          </a:bodyPr>
+          <a:lstStyle/>
+          <a:p>
+            <a:pPr marL="0" marR="0" indent="0" algn="ctr" defTabSz="914400" rtl="0" eaLnBrk="0" fontAlgn="base" latinLnBrk="0" hangingPunct="0">
+              <a:lnSpc>
+                <a:spcPct val="100000"/>
+              </a:lnSpc>
+              <a:spcBef>
+                <a:spcPct val="0"/>
+              </a:spcBef>
+              <a:spcAft>
+                <a:spcPct val="0"/>
+              </a:spcAft>
+              <a:buClrTx/>
+              <a:buSzTx/>
+              <a:buFontTx/>
+              <a:buNone/>
+              <a:tabLst/>
+            </a:pPr>
+            <a:r>
+              <a:rPr kumimoji="0" lang="fr-FR" b="1" i="0" u="none" strike="noStrike" cap="none" normalizeH="0" baseline="0" dirty="0">
+                <a:ln>
+                  <a:noFill/>
+                </a:ln>
+                <a:solidFill>
+                  <a:schemeClr val="bg1"/>
+                </a:solidFill>
+                <a:effectLst/>
+                <a:latin typeface="Arial" charset="0"/>
+                <a:ea typeface="ＭＳ Ｐゴシック" pitchFamily="1" charset="-128"/>
+              </a:rPr>
+              <a:t>RSE</a:t>
+            </a:r>
+          </a:p>
+        </p:txBody>
+      </p:sp>
+      <p:sp>
+        <p:nvSpPr>
+          <p:cNvPr id="17" name="Rectangle : coins arrondis 16">
+            <a:extLst>
+              <a:ext uri="{FF2B5EF4-FFF2-40B4-BE49-F238E27FC236}">
+                <a16:creationId xmlns:a16="http://schemas.microsoft.com/office/drawing/2014/main" id="{2BFBCB5B-C8BA-8032-F9B5-B47991EFD838}"/>
+              </a:ext>
+            </a:extLst>
+          </p:cNvPr>
+          <p:cNvSpPr/>
+          <p:nvPr/>
+        </p:nvSpPr>
+        <p:spPr bwMode="auto">
+          <a:xfrm>
+            <a:off x="9048328" y="1585795"/>
+            <a:ext cx="2214377" cy="461665"/>
+          </a:xfrm>
+          <a:prstGeom prst="roundRect">
+            <a:avLst/>
+          </a:prstGeom>
+          <a:solidFill>
+            <a:srgbClr val="FF960A"/>
+          </a:solidFill>
+          <a:ln w="9525" cap="flat" cmpd="sng" algn="ctr">
+            <a:noFill/>
+            <a:prstDash val="solid"/>
+            <a:round/>
+            <a:headEnd type="none" w="med" len="med"/>
+            <a:tailEnd type="none" w="med" len="med"/>
+          </a:ln>
+          <a:effectLst/>
+        </p:spPr>
+        <p:txBody>
+          <a:bodyPr vert="horz" wrap="square" lIns="91440" tIns="45720" rIns="91440" bIns="45720" numCol="1" rtlCol="0" anchor="ctr" anchorCtr="0" compatLnSpc="1">
+            <a:prstTxWarp prst="textNoShape">
+              <a:avLst/>
+            </a:prstTxWarp>
+          </a:bodyPr>
+          <a:lstStyle/>
+          <a:p>
+            <a:pPr marL="0" marR="0" indent="0" algn="ctr" defTabSz="914400" rtl="0" eaLnBrk="0" fontAlgn="base" latinLnBrk="0" hangingPunct="0">
+              <a:lnSpc>
+                <a:spcPct val="100000"/>
+              </a:lnSpc>
+              <a:spcBef>
+                <a:spcPct val="0"/>
+              </a:spcBef>
+              <a:spcAft>
+                <a:spcPct val="0"/>
+              </a:spcAft>
+              <a:buClrTx/>
+              <a:buSzTx/>
+              <a:buFontTx/>
+              <a:buNone/>
+              <a:tabLst/>
+            </a:pPr>
+            <a:r>
+              <a:rPr kumimoji="0" lang="fr-FR" sz="1800" b="0" i="0" u="none" strike="noStrike" cap="none" normalizeH="0" baseline="0" dirty="0">
+                <a:ln>
+                  <a:noFill/>
+                </a:ln>
+                <a:solidFill>
+                  <a:srgbClr val="FFFFFF"/>
+                </a:solidFill>
+                <a:effectLst/>
+                <a:latin typeface="Calibri" panose="020F0502020204030204" pitchFamily="34" charset="0"/>
+                <a:ea typeface="MS PGothic" pitchFamily="34" charset="-128"/>
+              </a:rPr>
+              <a:t>Rapport CGE 2025</a:t>
+            </a:r>
+            <a:endParaRPr kumimoji="0" lang="fr-FR" sz="1800" b="0" i="0" u="none" strike="noStrike" cap="none" normalizeH="0" baseline="0" dirty="0">
+              <a:ln>
+                <a:noFill/>
+              </a:ln>
+              <a:solidFill>
+                <a:srgbClr val="FFFFFF"/>
+              </a:solidFill>
+              <a:effectLst/>
+              <a:latin typeface="Arial" charset="0"/>
+              <a:ea typeface="MS PGothic" pitchFamily="34" charset="-128"/>
+            </a:endParaRPr>
+          </a:p>
+        </p:txBody>
+      </p:sp>
+      <p:pic>
+        <p:nvPicPr>
+          <p:cNvPr id="4" name="Image 3">
+            <a:extLst>
+              <a:ext uri="{FF2B5EF4-FFF2-40B4-BE49-F238E27FC236}">
+                <a16:creationId xmlns:a16="http://schemas.microsoft.com/office/drawing/2014/main" id="{06913197-25A0-F59D-9AC3-940E4E7B584C}"/>
+              </a:ext>
+            </a:extLst>
+          </p:cNvPr>
+          <p:cNvPicPr>
+            <a:picLocks noChangeAspect="1"/>
+          </p:cNvPicPr>
+          <p:nvPr/>
+        </p:nvPicPr>
+        <p:blipFill>
+          <a:blip r:embed="rId3"/>
+          <a:stretch>
+            <a:fillRect/>
+          </a:stretch>
+        </p:blipFill>
+        <p:spPr>
+          <a:xfrm>
+            <a:off x="671562" y="2348880"/>
+            <a:ext cx="3289524" cy="3312368"/>
+          </a:xfrm>
+          <a:prstGeom prst="rect">
+            <a:avLst/>
+          </a:prstGeom>
+        </p:spPr>
+      </p:pic>
+      <p:pic>
+        <p:nvPicPr>
+          <p:cNvPr id="6" name="Image 5">
+            <a:extLst>
+              <a:ext uri="{FF2B5EF4-FFF2-40B4-BE49-F238E27FC236}">
+                <a16:creationId xmlns:a16="http://schemas.microsoft.com/office/drawing/2014/main" id="{EA235823-1BA4-D3FF-64B1-B32795D35DF5}"/>
+              </a:ext>
+            </a:extLst>
+          </p:cNvPr>
+          <p:cNvPicPr>
+            <a:picLocks noChangeAspect="1"/>
+          </p:cNvPicPr>
+          <p:nvPr/>
+        </p:nvPicPr>
+        <p:blipFill>
+          <a:blip r:embed="rId4"/>
+          <a:stretch>
+            <a:fillRect/>
+          </a:stretch>
+        </p:blipFill>
+        <p:spPr>
+          <a:xfrm>
+            <a:off x="4035678" y="5157192"/>
+            <a:ext cx="8070874" cy="1599443"/>
+          </a:xfrm>
+          <a:prstGeom prst="rect">
+            <a:avLst/>
+          </a:prstGeom>
+        </p:spPr>
+      </p:pic>
+    </p:spTree>
+    <p:extLst>
+      <p:ext uri="{BB962C8B-B14F-4D97-AF65-F5344CB8AC3E}">
+        <p14:creationId xmlns:p14="http://schemas.microsoft.com/office/powerpoint/2010/main" val="3723600018"/>
+      </p:ext>
+    </p:extLst>
+  </p:cSld>
+  <p:clrMapOvr>
+    <a:masterClrMapping/>
+  </p:clrMapOvr>
+</p:sld>
+</file>
+
+<file path=ppt/slides/slide11.xml><?xml version="1.0" encoding="utf-8"?>
+<p:sld xmlns:a="http://schemas.openxmlformats.org/drawingml/2006/main" xmlns:r="http://schemas.openxmlformats.org/officeDocument/2006/relationships" xmlns:p="http://schemas.openxmlformats.org/presentationml/2006/main">
+  <p:cSld>
+    <p:spTree>
+      <p:nvGrpSpPr>
+        <p:cNvPr id="1" name="">
+          <a:extLst>
+            <a:ext uri="{FF2B5EF4-FFF2-40B4-BE49-F238E27FC236}">
               <a16:creationId xmlns:a16="http://schemas.microsoft.com/office/drawing/2014/main" id="{8B71A789-F895-7374-6FEF-FDD3C8C2711A}"/>
             </a:ext>
           </a:extLst>
@@ -6404,7 +6698,7 @@
           <a:effectLst/>
           <a:extLst>
             <a:ext uri="{AF507438-7753-43e0-B8FC-AC1667EBCBE1}">
-              <a14:hiddenEffects xmlns:a14="http://schemas.microsoft.com/office/drawing/2010/main" xmlns="">
+              <a14:hiddenEffects xmlns="" xmlns:a14="http://schemas.microsoft.com/office/drawing/2010/main">
                 <a:effectLst>
                   <a:outerShdw dist="35921" dir="2700000" algn="ctr" rotWithShape="0">
                     <a:schemeClr val="bg2"/>
@@ -6706,7 +7000,7 @@
           </a:effectLst>
           <a:extLst>
             <a:ext uri="{AF507438-7753-43e0-B8FC-AC1667EBCBE1}">
-              <a14:hiddenEffects xmlns="" xmlns:a14="http://schemas.microsoft.com/office/drawing/2010/main">
+              <a14:hiddenEffects xmlns:a14="http://schemas.microsoft.com/office/drawing/2010/main" xmlns="">
                 <a:effectLst>
                   <a:outerShdw dist="35921" dir="2700000" algn="ctr" rotWithShape="0">
                     <a:schemeClr val="bg2"/>
@@ -6799,7 +7093,7 @@
           </a:effectLst>
           <a:extLst>
             <a:ext uri="{AF507438-7753-43e0-B8FC-AC1667EBCBE1}">
-              <a14:hiddenEffects xmlns="" xmlns:a14="http://schemas.microsoft.com/office/drawing/2010/main">
+              <a14:hiddenEffects xmlns:a14="http://schemas.microsoft.com/office/drawing/2010/main" xmlns="">
                 <a:effectLst>
                   <a:outerShdw dist="35921" dir="2700000" algn="ctr" rotWithShape="0">
                     <a:schemeClr val="bg2"/>
@@ -6890,7 +7184,7 @@
           </a:effectLst>
           <a:extLst>
             <a:ext uri="{AF507438-7753-43e0-B8FC-AC1667EBCBE1}">
-              <a14:hiddenEffects xmlns="" xmlns:a14="http://schemas.microsoft.com/office/drawing/2010/main">
+              <a14:hiddenEffects xmlns:a14="http://schemas.microsoft.com/office/drawing/2010/main" xmlns="">
                 <a:effectLst>
                   <a:outerShdw dist="35921" dir="2700000" algn="ctr" rotWithShape="0">
                     <a:schemeClr val="bg2"/>
@@ -6983,7 +7277,7 @@
           </a:effectLst>
           <a:extLst>
             <a:ext uri="{AF507438-7753-43e0-B8FC-AC1667EBCBE1}">
-              <a14:hiddenEffects xmlns="" xmlns:a14="http://schemas.microsoft.com/office/drawing/2010/main">
+              <a14:hiddenEffects xmlns:a14="http://schemas.microsoft.com/office/drawing/2010/main" xmlns="">
                 <a:effectLst>
                   <a:outerShdw dist="35921" dir="2700000" algn="ctr" rotWithShape="0">
                     <a:schemeClr val="bg2"/>
@@ -7055,6 +7349,87 @@
           </a:prstGeom>
           <a:solidFill>
             <a:schemeClr val="bg1"/>
+          </a:solidFill>
+          <a:ln w="9525" cap="flat" cmpd="sng" algn="ctr">
+            <a:noFill/>
+            <a:prstDash val="solid"/>
+            <a:round/>
+            <a:headEnd type="none" w="med" len="med"/>
+            <a:tailEnd type="none" w="med" len="med"/>
+          </a:ln>
+          <a:effectLst/>
+          <a:extLst>
+            <a:ext uri="{AF507438-7753-43e0-B8FC-AC1667EBCBE1}">
+              <a14:hiddenEffects xmlns:a14="http://schemas.microsoft.com/office/drawing/2010/main" xmlns="">
+                <a:effectLst>
+                  <a:outerShdw dist="35921" dir="2700000" algn="ctr" rotWithShape="0">
+                    <a:schemeClr val="bg2"/>
+                  </a:outerShdw>
+                </a:effectLst>
+              </a14:hiddenEffects>
+            </a:ext>
+          </a:extLst>
+        </p:spPr>
+        <p:txBody>
+          <a:bodyPr vert="horz" wrap="square" lIns="91440" tIns="45720" rIns="91440" bIns="45720" numCol="1" rtlCol="0" anchor="t" anchorCtr="0" compatLnSpc="1">
+            <a:prstTxWarp prst="textNoShape">
+              <a:avLst/>
+            </a:prstTxWarp>
+          </a:bodyPr>
+          <a:lstStyle/>
+          <a:p>
+            <a:pPr marL="0" marR="0" indent="0" algn="l" defTabSz="914400" rtl="0" eaLnBrk="0" fontAlgn="base" latinLnBrk="0" hangingPunct="0">
+              <a:lnSpc>
+                <a:spcPct val="100000"/>
+              </a:lnSpc>
+              <a:spcBef>
+                <a:spcPct val="0"/>
+              </a:spcBef>
+              <a:spcAft>
+                <a:spcPct val="0"/>
+              </a:spcAft>
+              <a:buClrTx/>
+              <a:buSzTx/>
+              <a:buFontTx/>
+              <a:buNone/>
+              <a:tabLst/>
+            </a:pPr>
+            <a:endParaRPr kumimoji="0" lang="fr-FR" sz="1600" b="0" i="0" u="none" strike="noStrike" cap="none" normalizeH="0" baseline="0">
+              <a:ln>
+                <a:noFill/>
+              </a:ln>
+              <a:solidFill>
+                <a:schemeClr val="tx1"/>
+              </a:solidFill>
+              <a:effectLst/>
+              <a:latin typeface="Arial" charset="0"/>
+              <a:ea typeface="ＭＳ Ｐゴシック" pitchFamily="1" charset="-128"/>
+            </a:endParaRPr>
+          </a:p>
+        </p:txBody>
+      </p:sp>
+      <p:sp>
+        <p:nvSpPr>
+          <p:cNvPr id="10" name="Flèche : pentagone 9">
+            <a:extLst>
+              <a:ext uri="{FF2B5EF4-FFF2-40B4-BE49-F238E27FC236}">
+                <a16:creationId xmlns:a16="http://schemas.microsoft.com/office/drawing/2014/main" id="{D1BFEC11-4C3E-6816-822C-8F27171E3DC0}"/>
+              </a:ext>
+            </a:extLst>
+          </p:cNvPr>
+          <p:cNvSpPr/>
+          <p:nvPr/>
+        </p:nvSpPr>
+        <p:spPr bwMode="auto">
+          <a:xfrm>
+            <a:off x="995250" y="2915718"/>
+            <a:ext cx="1728216" cy="255140"/>
+          </a:xfrm>
+          <a:prstGeom prst="homePlate">
+            <a:avLst/>
+          </a:prstGeom>
+          <a:solidFill>
+            <a:srgbClr val="0A3250"/>
           </a:solidFill>
           <a:ln w="9525" cap="flat" cmpd="sng" algn="ctr">
             <a:noFill/>
@@ -7084,87 +7459,6 @@
           </a:bodyPr>
           <a:lstStyle/>
           <a:p>
-            <a:pPr marL="0" marR="0" indent="0" algn="l" defTabSz="914400" rtl="0" eaLnBrk="0" fontAlgn="base" latinLnBrk="0" hangingPunct="0">
-              <a:lnSpc>
-                <a:spcPct val="100000"/>
-              </a:lnSpc>
-              <a:spcBef>
-                <a:spcPct val="0"/>
-              </a:spcBef>
-              <a:spcAft>
-                <a:spcPct val="0"/>
-              </a:spcAft>
-              <a:buClrTx/>
-              <a:buSzTx/>
-              <a:buFontTx/>
-              <a:buNone/>
-              <a:tabLst/>
-            </a:pPr>
-            <a:endParaRPr kumimoji="0" lang="fr-FR" sz="1600" b="0" i="0" u="none" strike="noStrike" cap="none" normalizeH="0" baseline="0">
-              <a:ln>
-                <a:noFill/>
-              </a:ln>
-              <a:solidFill>
-                <a:schemeClr val="tx1"/>
-              </a:solidFill>
-              <a:effectLst/>
-              <a:latin typeface="Arial" charset="0"/>
-              <a:ea typeface="ＭＳ Ｐゴシック" pitchFamily="1" charset="-128"/>
-            </a:endParaRPr>
-          </a:p>
-        </p:txBody>
-      </p:sp>
-      <p:sp>
-        <p:nvSpPr>
-          <p:cNvPr id="10" name="Flèche : pentagone 9">
-            <a:extLst>
-              <a:ext uri="{FF2B5EF4-FFF2-40B4-BE49-F238E27FC236}">
-                <a16:creationId xmlns:a16="http://schemas.microsoft.com/office/drawing/2014/main" id="{D1BFEC11-4C3E-6816-822C-8F27171E3DC0}"/>
-              </a:ext>
-            </a:extLst>
-          </p:cNvPr>
-          <p:cNvSpPr/>
-          <p:nvPr/>
-        </p:nvSpPr>
-        <p:spPr bwMode="auto">
-          <a:xfrm>
-            <a:off x="995250" y="2915718"/>
-            <a:ext cx="1728216" cy="255140"/>
-          </a:xfrm>
-          <a:prstGeom prst="homePlate">
-            <a:avLst/>
-          </a:prstGeom>
-          <a:solidFill>
-            <a:srgbClr val="0A3250"/>
-          </a:solidFill>
-          <a:ln w="9525" cap="flat" cmpd="sng" algn="ctr">
-            <a:noFill/>
-            <a:prstDash val="solid"/>
-            <a:round/>
-            <a:headEnd type="none" w="med" len="med"/>
-            <a:tailEnd type="none" w="med" len="med"/>
-          </a:ln>
-          <a:effectLst/>
-          <a:extLst>
-            <a:ext uri="{AF507438-7753-43e0-B8FC-AC1667EBCBE1}">
-              <a14:hiddenEffects xmlns:a14="http://schemas.microsoft.com/office/drawing/2010/main" xmlns="">
-                <a:effectLst>
-                  <a:outerShdw dist="35921" dir="2700000" algn="ctr" rotWithShape="0">
-                    <a:schemeClr val="bg2"/>
-                  </a:outerShdw>
-                </a:effectLst>
-              </a14:hiddenEffects>
-            </a:ext>
-          </a:extLst>
-        </p:spPr>
-        <p:txBody>
-          <a:bodyPr vert="horz" wrap="square" lIns="91440" tIns="45720" rIns="91440" bIns="45720" numCol="1" rtlCol="0" anchor="t" anchorCtr="0" compatLnSpc="1">
-            <a:prstTxWarp prst="textNoShape">
-              <a:avLst/>
-            </a:prstTxWarp>
-          </a:bodyPr>
-          <a:lstStyle/>
-          <a:p>
             <a:pPr marL="0" marR="0" indent="0" algn="ctr" defTabSz="914400" rtl="0" eaLnBrk="0" fontAlgn="base" latinLnBrk="0" hangingPunct="0">
               <a:lnSpc>
                 <a:spcPct val="100000"/>
@@ -7231,7 +7525,7 @@
           <a:effectLst/>
           <a:extLst>
             <a:ext uri="{AF507438-7753-43e0-B8FC-AC1667EBCBE1}">
-              <a14:hiddenEffects xmlns:a14="http://schemas.microsoft.com/office/drawing/2010/main" xmlns="">
+              <a14:hiddenEffects xmlns="" xmlns:a14="http://schemas.microsoft.com/office/drawing/2010/main">
                 <a:effectLst>
                   <a:outerShdw dist="35921" dir="2700000" algn="ctr" rotWithShape="0">
                     <a:schemeClr val="bg2"/>
@@ -7315,7 +7609,7 @@
           <a:effectLst/>
           <a:extLst>
             <a:ext uri="{AF507438-7753-43e0-B8FC-AC1667EBCBE1}">
-              <a14:hiddenEffects xmlns:a14="http://schemas.microsoft.com/office/drawing/2010/main" xmlns="">
+              <a14:hiddenEffects xmlns="" xmlns:a14="http://schemas.microsoft.com/office/drawing/2010/main">
                 <a:effectLst>
                   <a:outerShdw dist="35921" dir="2700000" algn="ctr" rotWithShape="0">
                     <a:schemeClr val="bg2"/>
@@ -7399,7 +7693,7 @@
           <a:effectLst/>
           <a:extLst>
             <a:ext uri="{AF507438-7753-43e0-B8FC-AC1667EBCBE1}">
-              <a14:hiddenEffects xmlns:a14="http://schemas.microsoft.com/office/drawing/2010/main" xmlns="">
+              <a14:hiddenEffects xmlns="" xmlns:a14="http://schemas.microsoft.com/office/drawing/2010/main">
                 <a:effectLst>
                   <a:outerShdw dist="35921" dir="2700000" algn="ctr" rotWithShape="0">
                     <a:schemeClr val="bg2"/>
@@ -8163,7 +8457,7 @@
           <a:effectLst/>
           <a:extLst>
             <a:ext uri="{AF507438-7753-43e0-B8FC-AC1667EBCBE1}">
-              <a14:hiddenEffects xmlns="" xmlns:a14="http://schemas.microsoft.com/office/drawing/2010/main">
+              <a14:hiddenEffects xmlns:a14="http://schemas.microsoft.com/office/drawing/2010/main" xmlns="">
                 <a:effectLst>
                   <a:outerShdw dist="35921" dir="2700000" algn="ctr" rotWithShape="0">
                     <a:schemeClr val="bg2"/>
@@ -8211,7 +8505,7 @@
           <a:effectLst/>
           <a:extLst>
             <a:ext uri="{AF507438-7753-43e0-B8FC-AC1667EBCBE1}">
-              <a14:hiddenEffects xmlns="" xmlns:a14="http://schemas.microsoft.com/office/drawing/2010/main">
+              <a14:hiddenEffects xmlns:a14="http://schemas.microsoft.com/office/drawing/2010/main" xmlns="">
                 <a:effectLst>
                   <a:outerShdw dist="35921" dir="2700000" algn="ctr" rotWithShape="0">
                     <a:schemeClr val="bg2"/>
@@ -9725,7 +10019,7 @@
           <a:effectLst/>
           <a:extLst>
             <a:ext uri="{AF507438-7753-43e0-B8FC-AC1667EBCBE1}">
-              <a14:hiddenEffects xmlns="" xmlns:a14="http://schemas.microsoft.com/office/drawing/2010/main">
+              <a14:hiddenEffects xmlns:a14="http://schemas.microsoft.com/office/drawing/2010/main" xmlns="">
                 <a:effectLst>
                   <a:outerShdw dist="35921" dir="2700000" algn="ctr" rotWithShape="0">
                     <a:schemeClr val="bg2"/>
@@ -10275,7 +10569,7 @@
           <a:effectLst/>
           <a:extLst>
             <a:ext uri="{AF507438-7753-43e0-B8FC-AC1667EBCBE1}">
-              <a14:hiddenEffects xmlns:a14="http://schemas.microsoft.com/office/drawing/2010/main" xmlns="">
+              <a14:hiddenEffects xmlns="" xmlns:a14="http://schemas.microsoft.com/office/drawing/2010/main">
                 <a:effectLst>
                   <a:outerShdw dist="35921" dir="2700000" algn="ctr" rotWithShape="0">
                     <a:schemeClr val="bg2"/>
@@ -10658,7 +10952,7 @@
           <a:effectLst/>
           <a:extLst>
             <a:ext uri="{AF507438-7753-43e0-B8FC-AC1667EBCBE1}">
-              <a14:hiddenEffects xmlns="" xmlns:a14="http://schemas.microsoft.com/office/drawing/2010/main">
+              <a14:hiddenEffects xmlns:a14="http://schemas.microsoft.com/office/drawing/2010/main" xmlns="">
                 <a:effectLst>
                   <a:outerShdw dist="35921" dir="2700000" algn="ctr" rotWithShape="0">
                     <a:schemeClr val="bg2"/>
@@ -10811,6 +11105,296 @@
 </file>
 
 <file path=ppt/slides/slide7.xml><?xml version="1.0" encoding="utf-8"?>
+<p:sld xmlns:a="http://schemas.openxmlformats.org/drawingml/2006/main" xmlns:r="http://schemas.openxmlformats.org/officeDocument/2006/relationships" xmlns:p="http://schemas.openxmlformats.org/presentationml/2006/main">
+  <p:cSld>
+    <p:spTree>
+      <p:nvGrpSpPr>
+        <p:cNvPr id="1" name="">
+          <a:extLst>
+            <a:ext uri="{FF2B5EF4-FFF2-40B4-BE49-F238E27FC236}">
+              <a16:creationId xmlns:a16="http://schemas.microsoft.com/office/drawing/2014/main" id="{8F0FFAA3-8069-C63D-EA58-3A67DBDB4407}"/>
+            </a:ext>
+          </a:extLst>
+        </p:cNvPr>
+        <p:cNvGrpSpPr/>
+        <p:nvPr/>
+      </p:nvGrpSpPr>
+      <p:grpSpPr>
+        <a:xfrm>
+          <a:off x="0" y="0"/>
+          <a:ext cx="0" cy="0"/>
+          <a:chOff x="0" y="0"/>
+          <a:chExt cx="0" cy="0"/>
+        </a:xfrm>
+      </p:grpSpPr>
+      <p:sp>
+        <p:nvSpPr>
+          <p:cNvPr id="2" name="Titre 1">
+            <a:extLst>
+              <a:ext uri="{FF2B5EF4-FFF2-40B4-BE49-F238E27FC236}">
+                <a16:creationId xmlns:a16="http://schemas.microsoft.com/office/drawing/2014/main" id="{5630F4B3-54BE-EBEA-FC79-E410082385B8}"/>
+              </a:ext>
+            </a:extLst>
+          </p:cNvPr>
+          <p:cNvSpPr>
+            <a:spLocks noGrp="1"/>
+          </p:cNvSpPr>
+          <p:nvPr>
+            <p:ph type="title"/>
+          </p:nvPr>
+        </p:nvSpPr>
+        <p:spPr/>
+        <p:txBody>
+          <a:bodyPr/>
+          <a:lstStyle/>
+          <a:p>
+            <a:r>
+              <a:rPr lang="fr-FR" dirty="0"/>
+              <a:t>Enquête CGE / Chiffres clefs</a:t>
+            </a:r>
+          </a:p>
+        </p:txBody>
+      </p:sp>
+      <p:sp>
+        <p:nvSpPr>
+          <p:cNvPr id="6" name="Flèche : chevron 5">
+            <a:extLst>
+              <a:ext uri="{FF2B5EF4-FFF2-40B4-BE49-F238E27FC236}">
+                <a16:creationId xmlns:a16="http://schemas.microsoft.com/office/drawing/2014/main" id="{301D189B-6B32-F133-B619-7ED25ED671C0}"/>
+              </a:ext>
+            </a:extLst>
+          </p:cNvPr>
+          <p:cNvSpPr/>
+          <p:nvPr/>
+        </p:nvSpPr>
+        <p:spPr bwMode="auto">
+          <a:xfrm>
+            <a:off x="767408" y="1720181"/>
+            <a:ext cx="2952328" cy="307777"/>
+          </a:xfrm>
+          <a:prstGeom prst="chevron">
+            <a:avLst/>
+          </a:prstGeom>
+          <a:solidFill>
+            <a:srgbClr val="FF960A"/>
+          </a:solidFill>
+          <a:ln w="9525" cap="flat" cmpd="sng" algn="ctr">
+            <a:noFill/>
+            <a:prstDash val="solid"/>
+            <a:round/>
+            <a:headEnd type="none" w="med" len="med"/>
+            <a:tailEnd type="none" w="med" len="med"/>
+          </a:ln>
+          <a:effectLst/>
+          <a:extLst>
+            <a:ext uri="{AF507438-7753-43e0-B8FC-AC1667EBCBE1}">
+              <a14:hiddenEffects xmlns="" xmlns:a14="http://schemas.microsoft.com/office/drawing/2010/main">
+                <a:effectLst>
+                  <a:outerShdw dist="35921" dir="2700000" algn="ctr" rotWithShape="0">
+                    <a:schemeClr val="bg2"/>
+                  </a:outerShdw>
+                </a:effectLst>
+              </a14:hiddenEffects>
+            </a:ext>
+          </a:extLst>
+        </p:spPr>
+        <p:txBody>
+          <a:bodyPr vert="horz" wrap="square" lIns="91440" tIns="45720" rIns="91440" bIns="45720" numCol="1" rtlCol="0" anchor="t" anchorCtr="0" compatLnSpc="1">
+            <a:prstTxWarp prst="textNoShape">
+              <a:avLst/>
+            </a:prstTxWarp>
+          </a:bodyPr>
+          <a:lstStyle/>
+          <a:p>
+            <a:pPr marL="0" marR="0" indent="0" algn="ctr" defTabSz="914400" rtl="0" eaLnBrk="0" fontAlgn="base" latinLnBrk="0" hangingPunct="0">
+              <a:lnSpc>
+                <a:spcPct val="100000"/>
+              </a:lnSpc>
+              <a:spcBef>
+                <a:spcPct val="0"/>
+              </a:spcBef>
+              <a:spcAft>
+                <a:spcPct val="0"/>
+              </a:spcAft>
+              <a:buClrTx/>
+              <a:buSzTx/>
+              <a:buFontTx/>
+              <a:buNone/>
+              <a:tabLst/>
+            </a:pPr>
+            <a:r>
+              <a:rPr kumimoji="0" lang="fr-FR" b="1" i="0" u="none" strike="noStrike" cap="none" normalizeH="0" baseline="0" dirty="0">
+                <a:ln>
+                  <a:noFill/>
+                </a:ln>
+                <a:solidFill>
+                  <a:schemeClr val="bg1"/>
+                </a:solidFill>
+                <a:effectLst/>
+                <a:latin typeface="Arial" charset="0"/>
+                <a:ea typeface="ＭＳ Ｐゴシック" pitchFamily="1" charset="-128"/>
+              </a:rPr>
+              <a:t>Taux net d’emploi</a:t>
+            </a:r>
+          </a:p>
+        </p:txBody>
+      </p:sp>
+      <p:pic>
+        <p:nvPicPr>
+          <p:cNvPr id="5" name="Image 4">
+            <a:extLst>
+              <a:ext uri="{FF2B5EF4-FFF2-40B4-BE49-F238E27FC236}">
+                <a16:creationId xmlns:a16="http://schemas.microsoft.com/office/drawing/2014/main" id="{C6E307D8-A9A3-7F33-B8F9-2DCE04001E55}"/>
+              </a:ext>
+            </a:extLst>
+          </p:cNvPr>
+          <p:cNvPicPr>
+            <a:picLocks noChangeAspect="1"/>
+          </p:cNvPicPr>
+          <p:nvPr/>
+        </p:nvPicPr>
+        <p:blipFill>
+          <a:blip r:embed="rId2"/>
+          <a:stretch>
+            <a:fillRect/>
+          </a:stretch>
+        </p:blipFill>
+        <p:spPr>
+          <a:xfrm>
+            <a:off x="3143672" y="2321306"/>
+            <a:ext cx="7060027" cy="2215388"/>
+          </a:xfrm>
+          <a:prstGeom prst="rect">
+            <a:avLst/>
+          </a:prstGeom>
+        </p:spPr>
+      </p:pic>
+      <p:pic>
+        <p:nvPicPr>
+          <p:cNvPr id="7" name="Image 6">
+            <a:extLst>
+              <a:ext uri="{FF2B5EF4-FFF2-40B4-BE49-F238E27FC236}">
+                <a16:creationId xmlns:a16="http://schemas.microsoft.com/office/drawing/2014/main" id="{0B3C753D-5B8B-DAD7-0F69-D6CA91296CEB}"/>
+              </a:ext>
+            </a:extLst>
+          </p:cNvPr>
+          <p:cNvPicPr>
+            <a:picLocks noChangeAspect="1"/>
+          </p:cNvPicPr>
+          <p:nvPr/>
+        </p:nvPicPr>
+        <p:blipFill>
+          <a:blip r:embed="rId3"/>
+          <a:stretch>
+            <a:fillRect/>
+          </a:stretch>
+        </p:blipFill>
+        <p:spPr>
+          <a:xfrm>
+            <a:off x="3863752" y="5229200"/>
+            <a:ext cx="7919508" cy="1314742"/>
+          </a:xfrm>
+          <a:prstGeom prst="rect">
+            <a:avLst/>
+          </a:prstGeom>
+        </p:spPr>
+      </p:pic>
+      <p:sp>
+        <p:nvSpPr>
+          <p:cNvPr id="9" name="ZoneTexte 8">
+            <a:extLst>
+              <a:ext uri="{FF2B5EF4-FFF2-40B4-BE49-F238E27FC236}">
+                <a16:creationId xmlns:a16="http://schemas.microsoft.com/office/drawing/2014/main" id="{44F979F8-01EA-6C89-60DE-30983E65F17D}"/>
+              </a:ext>
+            </a:extLst>
+          </p:cNvPr>
+          <p:cNvSpPr txBox="1"/>
+          <p:nvPr/>
+        </p:nvSpPr>
+        <p:spPr>
+          <a:xfrm>
+            <a:off x="1559496" y="2182806"/>
+            <a:ext cx="6097554" cy="369332"/>
+          </a:xfrm>
+          <a:prstGeom prst="rect">
+            <a:avLst/>
+          </a:prstGeom>
+          <a:noFill/>
+        </p:spPr>
+        <p:txBody>
+          <a:bodyPr wrap="square">
+            <a:spAutoFit/>
+          </a:bodyPr>
+          <a:lstStyle/>
+          <a:p>
+            <a:r>
+              <a:rPr lang="fr-FR" sz="1800" dirty="0">
+                <a:solidFill>
+                  <a:srgbClr val="333333"/>
+                </a:solidFill>
+                <a:latin typeface="Calibri" panose="020F0502020204030204" pitchFamily="34" charset="0"/>
+              </a:rPr>
+              <a:t>Le Monde – 25/06/2025</a:t>
+            </a:r>
+            <a:endParaRPr lang="fr-FR" sz="1800" dirty="0"/>
+          </a:p>
+        </p:txBody>
+      </p:sp>
+      <p:sp>
+        <p:nvSpPr>
+          <p:cNvPr id="10" name="ZoneTexte 9">
+            <a:extLst>
+              <a:ext uri="{FF2B5EF4-FFF2-40B4-BE49-F238E27FC236}">
+                <a16:creationId xmlns:a16="http://schemas.microsoft.com/office/drawing/2014/main" id="{14D5219E-8898-72C0-DBB4-CE215B6A5161}"/>
+              </a:ext>
+            </a:extLst>
+          </p:cNvPr>
+          <p:cNvSpPr txBox="1"/>
+          <p:nvPr/>
+        </p:nvSpPr>
+        <p:spPr>
+          <a:xfrm>
+            <a:off x="1559496" y="4941168"/>
+            <a:ext cx="6097554" cy="369332"/>
+          </a:xfrm>
+          <a:prstGeom prst="rect">
+            <a:avLst/>
+          </a:prstGeom>
+          <a:noFill/>
+        </p:spPr>
+        <p:txBody>
+          <a:bodyPr wrap="square">
+            <a:spAutoFit/>
+          </a:bodyPr>
+          <a:lstStyle/>
+          <a:p>
+            <a:r>
+              <a:rPr lang="fr-FR" sz="1800" dirty="0">
+                <a:solidFill>
+                  <a:srgbClr val="333333"/>
+                </a:solidFill>
+                <a:latin typeface="Calibri" panose="020F0502020204030204" pitchFamily="34" charset="0"/>
+              </a:rPr>
+              <a:t>Rapport CGE - 2025</a:t>
+            </a:r>
+            <a:endParaRPr lang="fr-FR" sz="1800" dirty="0"/>
+          </a:p>
+        </p:txBody>
+      </p:sp>
+    </p:spTree>
+    <p:extLst>
+      <p:ext uri="{BB962C8B-B14F-4D97-AF65-F5344CB8AC3E}">
+        <p14:creationId xmlns:p14="http://schemas.microsoft.com/office/powerpoint/2010/main" val="3121338051"/>
+      </p:ext>
+    </p:extLst>
+  </p:cSld>
+  <p:clrMapOvr>
+    <a:masterClrMapping/>
+  </p:clrMapOvr>
+</p:sld>
+</file>
+
+<file path=ppt/slides/slide8.xml><?xml version="1.0" encoding="utf-8"?>
 <p:sld xmlns:a="http://schemas.openxmlformats.org/drawingml/2006/main" xmlns:r="http://schemas.openxmlformats.org/officeDocument/2006/relationships" xmlns:p="http://schemas.openxmlformats.org/presentationml/2006/main">
   <p:cSld>
     <p:spTree>
@@ -10941,7 +11525,7 @@
           <a:effectLst/>
           <a:extLst>
             <a:ext uri="{AF507438-7753-43e0-B8FC-AC1667EBCBE1}">
-              <a14:hiddenEffects xmlns="" xmlns:a14="http://schemas.microsoft.com/office/drawing/2010/main">
+              <a14:hiddenEffects xmlns:a14="http://schemas.microsoft.com/office/drawing/2010/main" xmlns="">
                 <a:effectLst>
                   <a:outerShdw dist="35921" dir="2700000" algn="ctr" rotWithShape="0">
                     <a:schemeClr val="bg2"/>
@@ -11747,7 +12331,7 @@
           <a:effectLst/>
           <a:extLst>
             <a:ext uri="{AF507438-7753-43e0-B8FC-AC1667EBCBE1}">
-              <a14:hiddenEffects xmlns="" xmlns:a14="http://schemas.microsoft.com/office/drawing/2010/main">
+              <a14:hiddenEffects xmlns:a14="http://schemas.microsoft.com/office/drawing/2010/main" xmlns="">
                 <a:effectLst>
                   <a:outerShdw dist="35921" dir="2700000" algn="ctr" rotWithShape="0">
                     <a:schemeClr val="bg2"/>
@@ -11811,7 +12395,7 @@
 </p:sld>
 </file>
 
-<file path=ppt/slides/slide8.xml><?xml version="1.0" encoding="utf-8"?>
+<file path=ppt/slides/slide9.xml><?xml version="1.0" encoding="utf-8"?>
 <p:sld xmlns:a="http://schemas.openxmlformats.org/drawingml/2006/main" xmlns:r="http://schemas.openxmlformats.org/officeDocument/2006/relationships" xmlns:p="http://schemas.openxmlformats.org/presentationml/2006/main">
   <p:cSld>
     <p:spTree>
@@ -11895,7 +12479,7 @@
           <a:effectLst/>
           <a:extLst>
             <a:ext uri="{AF507438-7753-43e0-B8FC-AC1667EBCBE1}">
-              <a14:hiddenEffects xmlns:a14="http://schemas.microsoft.com/office/drawing/2010/main" xmlns="">
+              <a14:hiddenEffects xmlns="" xmlns:a14="http://schemas.microsoft.com/office/drawing/2010/main">
                 <a:effectLst>
                   <a:outerShdw dist="35921" dir="2700000" algn="ctr" rotWithShape="0">
                     <a:schemeClr val="bg2"/>
@@ -12124,298 +12708,6 @@
     <p:extLst>
       <p:ext uri="{BB962C8B-B14F-4D97-AF65-F5344CB8AC3E}">
         <p14:creationId xmlns:p14="http://schemas.microsoft.com/office/powerpoint/2010/main" val="745504754"/>
-      </p:ext>
-    </p:extLst>
-  </p:cSld>
-  <p:clrMapOvr>
-    <a:masterClrMapping/>
-  </p:clrMapOvr>
-</p:sld>
-</file>
-
-<file path=ppt/slides/slide9.xml><?xml version="1.0" encoding="utf-8"?>
-<p:sld xmlns:a="http://schemas.openxmlformats.org/drawingml/2006/main" xmlns:r="http://schemas.openxmlformats.org/officeDocument/2006/relationships" xmlns:p="http://schemas.openxmlformats.org/presentationml/2006/main">
-  <p:cSld>
-    <p:spTree>
-      <p:nvGrpSpPr>
-        <p:cNvPr id="1" name="">
-          <a:extLst>
-            <a:ext uri="{FF2B5EF4-FFF2-40B4-BE49-F238E27FC236}">
-              <a16:creationId xmlns:a16="http://schemas.microsoft.com/office/drawing/2014/main" id="{B99C7A6B-25F1-8A81-A738-5B913CD7B6C3}"/>
-            </a:ext>
-          </a:extLst>
-        </p:cNvPr>
-        <p:cNvGrpSpPr/>
-        <p:nvPr/>
-      </p:nvGrpSpPr>
-      <p:grpSpPr>
-        <a:xfrm>
-          <a:off x="0" y="0"/>
-          <a:ext cx="0" cy="0"/>
-          <a:chOff x="0" y="0"/>
-          <a:chExt cx="0" cy="0"/>
-        </a:xfrm>
-      </p:grpSpPr>
-      <p:sp>
-        <p:nvSpPr>
-          <p:cNvPr id="2" name="Titre 1">
-            <a:extLst>
-              <a:ext uri="{FF2B5EF4-FFF2-40B4-BE49-F238E27FC236}">
-                <a16:creationId xmlns:a16="http://schemas.microsoft.com/office/drawing/2014/main" id="{4EA00DEE-C22F-33FE-F07B-4EE96DE2C194}"/>
-              </a:ext>
-            </a:extLst>
-          </p:cNvPr>
-          <p:cNvSpPr>
-            <a:spLocks noGrp="1"/>
-          </p:cNvSpPr>
-          <p:nvPr>
-            <p:ph type="title"/>
-          </p:nvPr>
-        </p:nvSpPr>
-        <p:spPr/>
-        <p:txBody>
-          <a:bodyPr/>
-          <a:lstStyle/>
-          <a:p>
-            <a:r>
-              <a:rPr lang="fr-FR" dirty="0"/>
-              <a:t>Enquête CGE / Chiffres clefs</a:t>
-            </a:r>
-          </a:p>
-        </p:txBody>
-      </p:sp>
-      <p:sp>
-        <p:nvSpPr>
-          <p:cNvPr id="7" name="Flèche : chevron 6">
-            <a:extLst>
-              <a:ext uri="{FF2B5EF4-FFF2-40B4-BE49-F238E27FC236}">
-                <a16:creationId xmlns:a16="http://schemas.microsoft.com/office/drawing/2014/main" id="{780EF0C3-7563-428D-D529-FF58B0110316}"/>
-              </a:ext>
-            </a:extLst>
-          </p:cNvPr>
-          <p:cNvSpPr/>
-          <p:nvPr/>
-        </p:nvSpPr>
-        <p:spPr bwMode="auto">
-          <a:xfrm>
-            <a:off x="767407" y="1720181"/>
-            <a:ext cx="3312369" cy="307777"/>
-          </a:xfrm>
-          <a:prstGeom prst="chevron">
-            <a:avLst/>
-          </a:prstGeom>
-          <a:solidFill>
-            <a:srgbClr val="00305E"/>
-          </a:solidFill>
-          <a:ln w="9525" cap="flat" cmpd="sng" algn="ctr">
-            <a:noFill/>
-            <a:prstDash val="solid"/>
-            <a:round/>
-            <a:headEnd type="none" w="med" len="med"/>
-            <a:tailEnd type="none" w="med" len="med"/>
-          </a:ln>
-          <a:effectLst/>
-          <a:extLst>
-            <a:ext uri="{AF507438-7753-43e0-B8FC-AC1667EBCBE1}">
-              <a14:hiddenEffects xmlns="" xmlns:a14="http://schemas.microsoft.com/office/drawing/2010/main">
-                <a:effectLst>
-                  <a:outerShdw dist="35921" dir="2700000" algn="ctr" rotWithShape="0">
-                    <a:schemeClr val="bg2"/>
-                  </a:outerShdw>
-                </a:effectLst>
-              </a14:hiddenEffects>
-            </a:ext>
-          </a:extLst>
-        </p:spPr>
-        <p:txBody>
-          <a:bodyPr vert="horz" wrap="square" lIns="91440" tIns="45720" rIns="91440" bIns="45720" numCol="1" rtlCol="0" anchor="t" anchorCtr="0" compatLnSpc="1">
-            <a:prstTxWarp prst="textNoShape">
-              <a:avLst/>
-            </a:prstTxWarp>
-          </a:bodyPr>
-          <a:lstStyle/>
-          <a:p>
-            <a:pPr marL="0" marR="0" indent="0" algn="ctr" defTabSz="914400" rtl="0" eaLnBrk="0" fontAlgn="base" latinLnBrk="0" hangingPunct="0">
-              <a:lnSpc>
-                <a:spcPct val="100000"/>
-              </a:lnSpc>
-              <a:spcBef>
-                <a:spcPct val="0"/>
-              </a:spcBef>
-              <a:spcAft>
-                <a:spcPct val="0"/>
-              </a:spcAft>
-              <a:buClrTx/>
-              <a:buSzTx/>
-              <a:buFontTx/>
-              <a:buNone/>
-              <a:tabLst/>
-            </a:pPr>
-            <a:r>
-              <a:rPr kumimoji="0" lang="fr-FR" b="1" i="0" u="none" strike="noStrike" cap="none" normalizeH="0" baseline="0" dirty="0">
-                <a:ln>
-                  <a:noFill/>
-                </a:ln>
-                <a:solidFill>
-                  <a:schemeClr val="bg1"/>
-                </a:solidFill>
-                <a:effectLst/>
-                <a:latin typeface="Arial" charset="0"/>
-                <a:ea typeface="ＭＳ Ｐゴシック" pitchFamily="1" charset="-128"/>
-              </a:rPr>
-              <a:t>RSE</a:t>
-            </a:r>
-          </a:p>
-        </p:txBody>
-      </p:sp>
-      <p:sp>
-        <p:nvSpPr>
-          <p:cNvPr id="17" name="Rectangle : coins arrondis 16">
-            <a:extLst>
-              <a:ext uri="{FF2B5EF4-FFF2-40B4-BE49-F238E27FC236}">
-                <a16:creationId xmlns:a16="http://schemas.microsoft.com/office/drawing/2014/main" id="{2BFBCB5B-C8BA-8032-F9B5-B47991EFD838}"/>
-              </a:ext>
-            </a:extLst>
-          </p:cNvPr>
-          <p:cNvSpPr/>
-          <p:nvPr/>
-        </p:nvSpPr>
-        <p:spPr bwMode="auto">
-          <a:xfrm>
-            <a:off x="9048328" y="1585795"/>
-            <a:ext cx="2214377" cy="461665"/>
-          </a:xfrm>
-          <a:prstGeom prst="roundRect">
-            <a:avLst/>
-          </a:prstGeom>
-          <a:solidFill>
-            <a:srgbClr val="FF960A"/>
-          </a:solidFill>
-          <a:ln w="9525" cap="flat" cmpd="sng" algn="ctr">
-            <a:noFill/>
-            <a:prstDash val="solid"/>
-            <a:round/>
-            <a:headEnd type="none" w="med" len="med"/>
-            <a:tailEnd type="none" w="med" len="med"/>
-          </a:ln>
-          <a:effectLst/>
-        </p:spPr>
-        <p:txBody>
-          <a:bodyPr vert="horz" wrap="square" lIns="91440" tIns="45720" rIns="91440" bIns="45720" numCol="1" rtlCol="0" anchor="ctr" anchorCtr="0" compatLnSpc="1">
-            <a:prstTxWarp prst="textNoShape">
-              <a:avLst/>
-            </a:prstTxWarp>
-          </a:bodyPr>
-          <a:lstStyle/>
-          <a:p>
-            <a:pPr marL="0" marR="0" indent="0" algn="ctr" defTabSz="914400" rtl="0" eaLnBrk="0" fontAlgn="base" latinLnBrk="0" hangingPunct="0">
-              <a:lnSpc>
-                <a:spcPct val="100000"/>
-              </a:lnSpc>
-              <a:spcBef>
-                <a:spcPct val="0"/>
-              </a:spcBef>
-              <a:spcAft>
-                <a:spcPct val="0"/>
-              </a:spcAft>
-              <a:buClrTx/>
-              <a:buSzTx/>
-              <a:buFontTx/>
-              <a:buNone/>
-              <a:tabLst/>
-            </a:pPr>
-            <a:r>
-              <a:rPr kumimoji="0" lang="fr-FR" sz="1800" b="0" i="0" u="none" strike="noStrike" cap="none" normalizeH="0" baseline="0" dirty="0">
-                <a:ln>
-                  <a:noFill/>
-                </a:ln>
-                <a:solidFill>
-                  <a:srgbClr val="FFFFFF"/>
-                </a:solidFill>
-                <a:effectLst/>
-                <a:latin typeface="Calibri" panose="020F0502020204030204" pitchFamily="34" charset="0"/>
-                <a:ea typeface="MS PGothic" pitchFamily="34" charset="-128"/>
-              </a:rPr>
-              <a:t>Rapport CGE 2025</a:t>
-            </a:r>
-            <a:endParaRPr kumimoji="0" lang="fr-FR" sz="1800" b="0" i="0" u="none" strike="noStrike" cap="none" normalizeH="0" baseline="0" dirty="0">
-              <a:ln>
-                <a:noFill/>
-              </a:ln>
-              <a:solidFill>
-                <a:srgbClr val="FFFFFF"/>
-              </a:solidFill>
-              <a:effectLst/>
-              <a:latin typeface="Arial" charset="0"/>
-              <a:ea typeface="MS PGothic" pitchFamily="34" charset="-128"/>
-            </a:endParaRPr>
-          </a:p>
-        </p:txBody>
-      </p:sp>
-      <p:pic>
-        <p:nvPicPr>
-          <p:cNvPr id="4" name="Image 3">
-            <a:extLst>
-              <a:ext uri="{FF2B5EF4-FFF2-40B4-BE49-F238E27FC236}">
-                <a16:creationId xmlns:a16="http://schemas.microsoft.com/office/drawing/2014/main" id="{06913197-25A0-F59D-9AC3-940E4E7B584C}"/>
-              </a:ext>
-            </a:extLst>
-          </p:cNvPr>
-          <p:cNvPicPr>
-            <a:picLocks noChangeAspect="1"/>
-          </p:cNvPicPr>
-          <p:nvPr/>
-        </p:nvPicPr>
-        <p:blipFill>
-          <a:blip r:embed="rId3"/>
-          <a:stretch>
-            <a:fillRect/>
-          </a:stretch>
-        </p:blipFill>
-        <p:spPr>
-          <a:xfrm>
-            <a:off x="671562" y="2348880"/>
-            <a:ext cx="3289524" cy="3312368"/>
-          </a:xfrm>
-          <a:prstGeom prst="rect">
-            <a:avLst/>
-          </a:prstGeom>
-        </p:spPr>
-      </p:pic>
-      <p:pic>
-        <p:nvPicPr>
-          <p:cNvPr id="6" name="Image 5">
-            <a:extLst>
-              <a:ext uri="{FF2B5EF4-FFF2-40B4-BE49-F238E27FC236}">
-                <a16:creationId xmlns:a16="http://schemas.microsoft.com/office/drawing/2014/main" id="{EA235823-1BA4-D3FF-64B1-B32795D35DF5}"/>
-              </a:ext>
-            </a:extLst>
-          </p:cNvPr>
-          <p:cNvPicPr>
-            <a:picLocks noChangeAspect="1"/>
-          </p:cNvPicPr>
-          <p:nvPr/>
-        </p:nvPicPr>
-        <p:blipFill>
-          <a:blip r:embed="rId4"/>
-          <a:stretch>
-            <a:fillRect/>
-          </a:stretch>
-        </p:blipFill>
-        <p:spPr>
-          <a:xfrm>
-            <a:off x="4035678" y="5157192"/>
-            <a:ext cx="8070874" cy="1599443"/>
-          </a:xfrm>
-          <a:prstGeom prst="rect">
-            <a:avLst/>
-          </a:prstGeom>
-        </p:spPr>
-      </p:pic>
-    </p:spTree>
-    <p:extLst>
-      <p:ext uri="{BB962C8B-B14F-4D97-AF65-F5344CB8AC3E}">
-        <p14:creationId xmlns:p14="http://schemas.microsoft.com/office/powerpoint/2010/main" val="3723600018"/>
       </p:ext>
     </p:extLst>
   </p:cSld>

--- a/Presentations/2025_CoFor_CGE_2024_2025.pptx
+++ b/Presentations/2025_CoFor_CGE_2024_2025.pptx
@@ -6,10 +6,10 @@
     <p:sldMasterId id="2147483664" r:id="rId2"/>
   </p:sldMasterIdLst>
   <p:notesMasterIdLst>
-    <p:notesMasterId r:id="rId14"/>
+    <p:notesMasterId r:id="rId15"/>
   </p:notesMasterIdLst>
   <p:handoutMasterIdLst>
-    <p:handoutMasterId r:id="rId15"/>
+    <p:handoutMasterId r:id="rId16"/>
   </p:handoutMasterIdLst>
   <p:sldIdLst>
     <p:sldId id="314" r:id="rId3"/>
@@ -21,8 +21,9 @@
     <p:sldId id="333" r:id="rId9"/>
     <p:sldId id="328" r:id="rId10"/>
     <p:sldId id="330" r:id="rId11"/>
-    <p:sldId id="331" r:id="rId12"/>
-    <p:sldId id="332" r:id="rId13"/>
+    <p:sldId id="335" r:id="rId12"/>
+    <p:sldId id="331" r:id="rId13"/>
+    <p:sldId id="332" r:id="rId14"/>
   </p:sldIdLst>
   <p:sldSz cx="12192000" cy="6858000"/>
   <p:notesSz cx="6797675" cy="9928225"/>
@@ -165,6 +166,7 @@
             <p14:sldId id="333"/>
             <p14:sldId id="328"/>
             <p14:sldId id="330"/>
+            <p14:sldId id="335"/>
             <p14:sldId id="331"/>
             <p14:sldId id="332"/>
           </p14:sldIdLst>
@@ -529,7 +531,7 @@
               </a14:hiddenFill>
             </a:ext>
             <a:ext uri="{FAA26D3D-D897-4be2-8F04-BA451C77F1D7}">
-              <ma14:placeholderFlag xmlns:ma14="http://schemas.microsoft.com/office/mac/drawingml/2011/main" xmlns="" val="1"/>
+              <ma14:placeholderFlag xmlns="" xmlns:ma14="http://schemas.microsoft.com/office/mac/drawingml/2011/main" val="1"/>
             </a:ext>
           </a:extLst>
         </p:spPr>
@@ -851,7 +853,7 @@
             <a:fld id="{C5D8CFC6-2EE8-4043-8C44-71F3876B9617}" type="slidenum">
               <a:rPr lang="fr-FR" smtClean="0"/>
               <a:pPr/>
-              <a:t>10</a:t>
+              <a:t>11</a:t>
             </a:fld>
             <a:endParaRPr lang="fr-FR"/>
           </a:p>
@@ -960,7 +962,7 @@
             <a:fld id="{C5D8CFC6-2EE8-4043-8C44-71F3876B9617}" type="slidenum">
               <a:rPr lang="fr-FR" smtClean="0"/>
               <a:pPr/>
-              <a:t>11</a:t>
+              <a:t>12</a:t>
             </a:fld>
             <a:endParaRPr lang="fr-FR"/>
           </a:p>
@@ -6330,7 +6332,7 @@
         <p:cNvPr id="1" name="">
           <a:extLst>
             <a:ext uri="{FF2B5EF4-FFF2-40B4-BE49-F238E27FC236}">
-              <a16:creationId xmlns:a16="http://schemas.microsoft.com/office/drawing/2014/main" id="{B99C7A6B-25F1-8A81-A738-5B913CD7B6C3}"/>
+              <a16:creationId xmlns:a16="http://schemas.microsoft.com/office/drawing/2014/main" id="{24A01512-AFF4-EBFD-6687-F24BC11423F1}"/>
             </a:ext>
           </a:extLst>
         </p:cNvPr>
@@ -6350,7 +6352,7 @@
           <p:cNvPr id="2" name="Titre 1">
             <a:extLst>
               <a:ext uri="{FF2B5EF4-FFF2-40B4-BE49-F238E27FC236}">
-                <a16:creationId xmlns:a16="http://schemas.microsoft.com/office/drawing/2014/main" id="{4EA00DEE-C22F-33FE-F07B-4EE96DE2C194}"/>
+                <a16:creationId xmlns:a16="http://schemas.microsoft.com/office/drawing/2014/main" id="{7C9D3050-BF33-8142-37EF-39811DF9200A}"/>
               </a:ext>
             </a:extLst>
           </p:cNvPr>
@@ -6378,7 +6380,7 @@
           <p:cNvPr id="7" name="Flèche : chevron 6">
             <a:extLst>
               <a:ext uri="{FF2B5EF4-FFF2-40B4-BE49-F238E27FC236}">
-                <a16:creationId xmlns:a16="http://schemas.microsoft.com/office/drawing/2014/main" id="{780EF0C3-7563-428D-D529-FF58B0110316}"/>
+                <a16:creationId xmlns:a16="http://schemas.microsoft.com/office/drawing/2014/main" id="{337524C9-C744-5D4D-6C04-18B1020A8FD8}"/>
               </a:ext>
             </a:extLst>
           </p:cNvPr>
@@ -6452,17 +6454,47 @@
                 <a:latin typeface="Arial" charset="0"/>
                 <a:ea typeface="ＭＳ Ｐゴシック" pitchFamily="1" charset="-128"/>
               </a:rPr>
-              <a:t>RSE</a:t>
-            </a:r>
-          </a:p>
-        </p:txBody>
-      </p:sp>
-      <p:sp>
-        <p:nvSpPr>
-          <p:cNvPr id="17" name="Rectangle : coins arrondis 16">
-            <a:extLst>
-              <a:ext uri="{FF2B5EF4-FFF2-40B4-BE49-F238E27FC236}">
-                <a16:creationId xmlns:a16="http://schemas.microsoft.com/office/drawing/2014/main" id="{2BFBCB5B-C8BA-8032-F9B5-B47991EFD838}"/>
+              <a:t>Apprentis</a:t>
+            </a:r>
+          </a:p>
+        </p:txBody>
+      </p:sp>
+      <p:pic>
+        <p:nvPicPr>
+          <p:cNvPr id="4" name="Image 3">
+            <a:extLst>
+              <a:ext uri="{FF2B5EF4-FFF2-40B4-BE49-F238E27FC236}">
+                <a16:creationId xmlns:a16="http://schemas.microsoft.com/office/drawing/2014/main" id="{A491F0FC-C933-445B-ACC4-1B44F5D45C19}"/>
+              </a:ext>
+            </a:extLst>
+          </p:cNvPr>
+          <p:cNvPicPr>
+            <a:picLocks noChangeAspect="1"/>
+          </p:cNvPicPr>
+          <p:nvPr/>
+        </p:nvPicPr>
+        <p:blipFill>
+          <a:blip r:embed="rId2"/>
+          <a:stretch>
+            <a:fillRect/>
+          </a:stretch>
+        </p:blipFill>
+        <p:spPr>
+          <a:xfrm>
+            <a:off x="8525276" y="1828231"/>
+            <a:ext cx="3354685" cy="2604569"/>
+          </a:xfrm>
+          <a:prstGeom prst="rect">
+            <a:avLst/>
+          </a:prstGeom>
+        </p:spPr>
+      </p:pic>
+      <p:sp>
+        <p:nvSpPr>
+          <p:cNvPr id="5" name="Rectangle : coins arrondis 4">
+            <a:extLst>
+              <a:ext uri="{FF2B5EF4-FFF2-40B4-BE49-F238E27FC236}">
+                <a16:creationId xmlns:a16="http://schemas.microsoft.com/office/drawing/2014/main" id="{75530B23-D754-3773-1D76-695B1B73C3C5}"/>
               </a:ext>
             </a:extLst>
           </p:cNvPr>
@@ -6471,8 +6503,8 @@
         </p:nvSpPr>
         <p:spPr bwMode="auto">
           <a:xfrm>
-            <a:off x="9048328" y="1585795"/>
-            <a:ext cx="2214377" cy="461665"/>
+            <a:off x="3903987" y="2204864"/>
+            <a:ext cx="1683040" cy="307777"/>
           </a:xfrm>
           <a:prstGeom prst="roundRect">
             <a:avLst/>
@@ -6525,6 +6557,1170 @@
                 <a:latin typeface="Calibri" panose="020F0502020204030204" pitchFamily="34" charset="0"/>
                 <a:ea typeface="MS PGothic" pitchFamily="34" charset="-128"/>
               </a:rPr>
+              <a:t>FISA</a:t>
+            </a:r>
+            <a:endParaRPr kumimoji="0" lang="fr-FR" sz="1800" b="0" i="0" u="none" strike="noStrike" cap="none" normalizeH="0" baseline="0" dirty="0">
+              <a:ln>
+                <a:noFill/>
+              </a:ln>
+              <a:solidFill>
+                <a:srgbClr val="FFFFFF"/>
+              </a:solidFill>
+              <a:effectLst/>
+              <a:latin typeface="Arial" charset="0"/>
+              <a:ea typeface="MS PGothic" pitchFamily="34" charset="-128"/>
+            </a:endParaRPr>
+          </a:p>
+        </p:txBody>
+      </p:sp>
+      <p:sp>
+        <p:nvSpPr>
+          <p:cNvPr id="8" name="ZoneTexte 7">
+            <a:extLst>
+              <a:ext uri="{FF2B5EF4-FFF2-40B4-BE49-F238E27FC236}">
+                <a16:creationId xmlns:a16="http://schemas.microsoft.com/office/drawing/2014/main" id="{63ECD837-BB02-3682-5C40-FD0A8F5CCE2F}"/>
+              </a:ext>
+            </a:extLst>
+          </p:cNvPr>
+          <p:cNvSpPr txBox="1"/>
+          <p:nvPr/>
+        </p:nvSpPr>
+        <p:spPr>
+          <a:xfrm>
+            <a:off x="1487488" y="2693504"/>
+            <a:ext cx="1728192" cy="338554"/>
+          </a:xfrm>
+          <a:prstGeom prst="rect">
+            <a:avLst/>
+          </a:prstGeom>
+          <a:noFill/>
+        </p:spPr>
+        <p:txBody>
+          <a:bodyPr wrap="square">
+            <a:spAutoFit/>
+          </a:bodyPr>
+          <a:lstStyle/>
+          <a:p>
+            <a:r>
+              <a:rPr lang="fr-FR" dirty="0">
+                <a:solidFill>
+                  <a:srgbClr val="333333"/>
+                </a:solidFill>
+                <a:latin typeface="Calibri" panose="020F0502020204030204" pitchFamily="34" charset="0"/>
+              </a:rPr>
+              <a:t>En activité</a:t>
+            </a:r>
+            <a:endParaRPr lang="fr-FR" dirty="0"/>
+          </a:p>
+        </p:txBody>
+      </p:sp>
+      <p:sp>
+        <p:nvSpPr>
+          <p:cNvPr id="9" name="ZoneTexte 8">
+            <a:extLst>
+              <a:ext uri="{FF2B5EF4-FFF2-40B4-BE49-F238E27FC236}">
+                <a16:creationId xmlns:a16="http://schemas.microsoft.com/office/drawing/2014/main" id="{A6E9CF98-99D8-D552-7E5D-A415B26737A5}"/>
+              </a:ext>
+            </a:extLst>
+          </p:cNvPr>
+          <p:cNvSpPr txBox="1"/>
+          <p:nvPr/>
+        </p:nvSpPr>
+        <p:spPr>
+          <a:xfrm>
+            <a:off x="1487488" y="3109623"/>
+            <a:ext cx="2160240" cy="338554"/>
+          </a:xfrm>
+          <a:prstGeom prst="rect">
+            <a:avLst/>
+          </a:prstGeom>
+          <a:noFill/>
+        </p:spPr>
+        <p:txBody>
+          <a:bodyPr wrap="square">
+            <a:spAutoFit/>
+          </a:bodyPr>
+          <a:lstStyle/>
+          <a:p>
+            <a:r>
+              <a:rPr lang="fr-FR" dirty="0">
+                <a:solidFill>
+                  <a:srgbClr val="333333"/>
+                </a:solidFill>
+                <a:latin typeface="Calibri" panose="020F0502020204030204" pitchFamily="34" charset="0"/>
+              </a:rPr>
+              <a:t>En recherche emploi</a:t>
+            </a:r>
+            <a:endParaRPr lang="fr-FR" dirty="0"/>
+          </a:p>
+        </p:txBody>
+      </p:sp>
+      <p:sp>
+        <p:nvSpPr>
+          <p:cNvPr id="10" name="ZoneTexte 9">
+            <a:extLst>
+              <a:ext uri="{FF2B5EF4-FFF2-40B4-BE49-F238E27FC236}">
+                <a16:creationId xmlns:a16="http://schemas.microsoft.com/office/drawing/2014/main" id="{462411E9-4359-0328-BD60-365109B028CE}"/>
+              </a:ext>
+            </a:extLst>
+          </p:cNvPr>
+          <p:cNvSpPr txBox="1"/>
+          <p:nvPr/>
+        </p:nvSpPr>
+        <p:spPr>
+          <a:xfrm>
+            <a:off x="1487488" y="3469070"/>
+            <a:ext cx="2160240" cy="338554"/>
+          </a:xfrm>
+          <a:prstGeom prst="rect">
+            <a:avLst/>
+          </a:prstGeom>
+          <a:noFill/>
+        </p:spPr>
+        <p:txBody>
+          <a:bodyPr wrap="square">
+            <a:spAutoFit/>
+          </a:bodyPr>
+          <a:lstStyle/>
+          <a:p>
+            <a:r>
+              <a:rPr lang="fr-FR" dirty="0">
+                <a:solidFill>
+                  <a:srgbClr val="333333"/>
+                </a:solidFill>
+                <a:latin typeface="Calibri" panose="020F0502020204030204" pitchFamily="34" charset="0"/>
+              </a:rPr>
+              <a:t>En thèse</a:t>
+            </a:r>
+            <a:endParaRPr lang="fr-FR" dirty="0"/>
+          </a:p>
+        </p:txBody>
+      </p:sp>
+      <p:sp>
+        <p:nvSpPr>
+          <p:cNvPr id="11" name="ZoneTexte 10">
+            <a:extLst>
+              <a:ext uri="{FF2B5EF4-FFF2-40B4-BE49-F238E27FC236}">
+                <a16:creationId xmlns:a16="http://schemas.microsoft.com/office/drawing/2014/main" id="{AB20AB41-461B-19D3-C7EE-EA408B5C92A8}"/>
+              </a:ext>
+            </a:extLst>
+          </p:cNvPr>
+          <p:cNvSpPr txBox="1"/>
+          <p:nvPr/>
+        </p:nvSpPr>
+        <p:spPr>
+          <a:xfrm>
+            <a:off x="1487488" y="3828517"/>
+            <a:ext cx="2160240" cy="338554"/>
+          </a:xfrm>
+          <a:prstGeom prst="rect">
+            <a:avLst/>
+          </a:prstGeom>
+          <a:noFill/>
+        </p:spPr>
+        <p:txBody>
+          <a:bodyPr wrap="square">
+            <a:spAutoFit/>
+          </a:bodyPr>
+          <a:lstStyle/>
+          <a:p>
+            <a:r>
+              <a:rPr lang="fr-FR" dirty="0">
+                <a:solidFill>
+                  <a:srgbClr val="333333"/>
+                </a:solidFill>
+                <a:latin typeface="Calibri" panose="020F0502020204030204" pitchFamily="34" charset="0"/>
+              </a:rPr>
+              <a:t>En études</a:t>
+            </a:r>
+            <a:endParaRPr lang="fr-FR" dirty="0"/>
+          </a:p>
+        </p:txBody>
+      </p:sp>
+      <p:sp>
+        <p:nvSpPr>
+          <p:cNvPr id="13" name="ZoneTexte 12">
+            <a:extLst>
+              <a:ext uri="{FF2B5EF4-FFF2-40B4-BE49-F238E27FC236}">
+                <a16:creationId xmlns:a16="http://schemas.microsoft.com/office/drawing/2014/main" id="{E16B1552-0940-3EDB-617C-D9EDDCE69138}"/>
+              </a:ext>
+            </a:extLst>
+          </p:cNvPr>
+          <p:cNvSpPr txBox="1"/>
+          <p:nvPr/>
+        </p:nvSpPr>
+        <p:spPr>
+          <a:xfrm>
+            <a:off x="1127448" y="2032920"/>
+            <a:ext cx="3096344" cy="307777"/>
+          </a:xfrm>
+          <a:prstGeom prst="rect">
+            <a:avLst/>
+          </a:prstGeom>
+          <a:noFill/>
+        </p:spPr>
+        <p:txBody>
+          <a:bodyPr wrap="square">
+            <a:spAutoFit/>
+          </a:bodyPr>
+          <a:lstStyle/>
+          <a:p>
+            <a:r>
+              <a:rPr lang="fr-FR" sz="1400" b="1" dirty="0">
+                <a:solidFill>
+                  <a:srgbClr val="333333"/>
+                </a:solidFill>
+                <a:latin typeface="Calibri" panose="020F0502020204030204" pitchFamily="34" charset="0"/>
+              </a:rPr>
+              <a:t>11 réponses / 84        -  13 %</a:t>
+            </a:r>
+            <a:endParaRPr lang="fr-FR" sz="1400" b="1" dirty="0"/>
+          </a:p>
+        </p:txBody>
+      </p:sp>
+      <p:sp>
+        <p:nvSpPr>
+          <p:cNvPr id="14" name="ZoneTexte 13">
+            <a:extLst>
+              <a:ext uri="{FF2B5EF4-FFF2-40B4-BE49-F238E27FC236}">
+                <a16:creationId xmlns:a16="http://schemas.microsoft.com/office/drawing/2014/main" id="{B1BCEF54-DE03-C923-7EBC-CBD077C1443E}"/>
+              </a:ext>
+            </a:extLst>
+          </p:cNvPr>
+          <p:cNvSpPr txBox="1"/>
+          <p:nvPr/>
+        </p:nvSpPr>
+        <p:spPr>
+          <a:xfrm>
+            <a:off x="3935760" y="2636912"/>
+            <a:ext cx="1728192" cy="338554"/>
+          </a:xfrm>
+          <a:prstGeom prst="rect">
+            <a:avLst/>
+          </a:prstGeom>
+          <a:noFill/>
+        </p:spPr>
+        <p:txBody>
+          <a:bodyPr wrap="square">
+            <a:spAutoFit/>
+          </a:bodyPr>
+          <a:lstStyle/>
+          <a:p>
+            <a:r>
+              <a:rPr lang="fr-FR" dirty="0">
+                <a:solidFill>
+                  <a:srgbClr val="333333"/>
+                </a:solidFill>
+                <a:latin typeface="Calibri" panose="020F0502020204030204" pitchFamily="34" charset="0"/>
+              </a:rPr>
+              <a:t>4 / 11         36 %</a:t>
+            </a:r>
+            <a:endParaRPr lang="fr-FR" dirty="0"/>
+          </a:p>
+        </p:txBody>
+      </p:sp>
+      <p:sp>
+        <p:nvSpPr>
+          <p:cNvPr id="15" name="ZoneTexte 14">
+            <a:extLst>
+              <a:ext uri="{FF2B5EF4-FFF2-40B4-BE49-F238E27FC236}">
+                <a16:creationId xmlns:a16="http://schemas.microsoft.com/office/drawing/2014/main" id="{084D1305-FB7D-9901-0C64-3EB16298EDF8}"/>
+              </a:ext>
+            </a:extLst>
+          </p:cNvPr>
+          <p:cNvSpPr txBox="1"/>
+          <p:nvPr/>
+        </p:nvSpPr>
+        <p:spPr>
+          <a:xfrm>
+            <a:off x="3935760" y="3130516"/>
+            <a:ext cx="1728192" cy="338554"/>
+          </a:xfrm>
+          <a:prstGeom prst="rect">
+            <a:avLst/>
+          </a:prstGeom>
+          <a:noFill/>
+        </p:spPr>
+        <p:txBody>
+          <a:bodyPr wrap="square">
+            <a:spAutoFit/>
+          </a:bodyPr>
+          <a:lstStyle/>
+          <a:p>
+            <a:r>
+              <a:rPr lang="fr-FR" dirty="0">
+                <a:solidFill>
+                  <a:srgbClr val="333333"/>
+                </a:solidFill>
+                <a:latin typeface="Calibri" panose="020F0502020204030204" pitchFamily="34" charset="0"/>
+              </a:rPr>
+              <a:t>2 / 11         18 %</a:t>
+            </a:r>
+            <a:endParaRPr lang="fr-FR" dirty="0"/>
+          </a:p>
+        </p:txBody>
+      </p:sp>
+      <p:sp>
+        <p:nvSpPr>
+          <p:cNvPr id="16" name="ZoneTexte 15">
+            <a:extLst>
+              <a:ext uri="{FF2B5EF4-FFF2-40B4-BE49-F238E27FC236}">
+                <a16:creationId xmlns:a16="http://schemas.microsoft.com/office/drawing/2014/main" id="{D285AA45-802F-0804-5E37-CC75AFA64442}"/>
+              </a:ext>
+            </a:extLst>
+          </p:cNvPr>
+          <p:cNvSpPr txBox="1"/>
+          <p:nvPr/>
+        </p:nvSpPr>
+        <p:spPr>
+          <a:xfrm>
+            <a:off x="3935760" y="3489963"/>
+            <a:ext cx="1728192" cy="338554"/>
+          </a:xfrm>
+          <a:prstGeom prst="rect">
+            <a:avLst/>
+          </a:prstGeom>
+          <a:noFill/>
+        </p:spPr>
+        <p:txBody>
+          <a:bodyPr wrap="square">
+            <a:spAutoFit/>
+          </a:bodyPr>
+          <a:lstStyle/>
+          <a:p>
+            <a:r>
+              <a:rPr lang="fr-FR" dirty="0">
+                <a:solidFill>
+                  <a:srgbClr val="333333"/>
+                </a:solidFill>
+                <a:latin typeface="Calibri" panose="020F0502020204030204" pitchFamily="34" charset="0"/>
+              </a:rPr>
+              <a:t>4 / 11 	36 %</a:t>
+            </a:r>
+            <a:endParaRPr lang="fr-FR" dirty="0"/>
+          </a:p>
+        </p:txBody>
+      </p:sp>
+      <p:sp>
+        <p:nvSpPr>
+          <p:cNvPr id="17" name="ZoneTexte 16">
+            <a:extLst>
+              <a:ext uri="{FF2B5EF4-FFF2-40B4-BE49-F238E27FC236}">
+                <a16:creationId xmlns:a16="http://schemas.microsoft.com/office/drawing/2014/main" id="{D60DFADF-C1D0-7CC1-A422-4D0AB6464E15}"/>
+              </a:ext>
+            </a:extLst>
+          </p:cNvPr>
+          <p:cNvSpPr txBox="1"/>
+          <p:nvPr/>
+        </p:nvSpPr>
+        <p:spPr>
+          <a:xfrm>
+            <a:off x="3935760" y="3868509"/>
+            <a:ext cx="1728192" cy="338554"/>
+          </a:xfrm>
+          <a:prstGeom prst="rect">
+            <a:avLst/>
+          </a:prstGeom>
+          <a:noFill/>
+        </p:spPr>
+        <p:txBody>
+          <a:bodyPr wrap="square">
+            <a:spAutoFit/>
+          </a:bodyPr>
+          <a:lstStyle/>
+          <a:p>
+            <a:r>
+              <a:rPr lang="fr-FR" dirty="0">
+                <a:solidFill>
+                  <a:srgbClr val="333333"/>
+                </a:solidFill>
+                <a:latin typeface="Calibri" panose="020F0502020204030204" pitchFamily="34" charset="0"/>
+              </a:rPr>
+              <a:t>1 / 11	9%</a:t>
+            </a:r>
+            <a:endParaRPr lang="fr-FR" dirty="0"/>
+          </a:p>
+        </p:txBody>
+      </p:sp>
+      <p:sp>
+        <p:nvSpPr>
+          <p:cNvPr id="18" name="Rectangle : coins arrondis 17">
+            <a:extLst>
+              <a:ext uri="{FF2B5EF4-FFF2-40B4-BE49-F238E27FC236}">
+                <a16:creationId xmlns:a16="http://schemas.microsoft.com/office/drawing/2014/main" id="{1DE9C475-8533-0ED6-EA2A-6E6A9B34260F}"/>
+              </a:ext>
+            </a:extLst>
+          </p:cNvPr>
+          <p:cNvSpPr/>
+          <p:nvPr/>
+        </p:nvSpPr>
+        <p:spPr bwMode="auto">
+          <a:xfrm>
+            <a:off x="6114323" y="2204864"/>
+            <a:ext cx="1683040" cy="307777"/>
+          </a:xfrm>
+          <a:prstGeom prst="roundRect">
+            <a:avLst/>
+          </a:prstGeom>
+          <a:solidFill>
+            <a:srgbClr val="FF960A"/>
+          </a:solidFill>
+          <a:ln w="9525" cap="flat" cmpd="sng" algn="ctr">
+            <a:noFill/>
+            <a:prstDash val="solid"/>
+            <a:round/>
+            <a:headEnd type="none" w="med" len="med"/>
+            <a:tailEnd type="none" w="med" len="med"/>
+          </a:ln>
+          <a:effectLst/>
+        </p:spPr>
+        <p:txBody>
+          <a:bodyPr vert="horz" wrap="square" lIns="91440" tIns="45720" rIns="91440" bIns="45720" numCol="1" rtlCol="0" anchor="ctr" anchorCtr="0" compatLnSpc="1">
+            <a:prstTxWarp prst="textNoShape">
+              <a:avLst/>
+            </a:prstTxWarp>
+          </a:bodyPr>
+          <a:lstStyle/>
+          <a:p>
+            <a:pPr marL="0" marR="0" indent="0" algn="ctr" defTabSz="914400" rtl="0" eaLnBrk="0" fontAlgn="base" latinLnBrk="0" hangingPunct="0">
+              <a:lnSpc>
+                <a:spcPct val="100000"/>
+              </a:lnSpc>
+              <a:spcBef>
+                <a:spcPct val="0"/>
+              </a:spcBef>
+              <a:spcAft>
+                <a:spcPct val="0"/>
+              </a:spcAft>
+              <a:buClrTx/>
+              <a:buSzTx/>
+              <a:buFontTx/>
+              <a:buNone/>
+              <a:tabLst/>
+            </a:pPr>
+            <a:r>
+              <a:rPr kumimoji="0" lang="fr-FR" sz="1800" b="0" i="0" u="none" strike="noStrike" cap="none" normalizeH="0" baseline="0" dirty="0">
+                <a:ln>
+                  <a:noFill/>
+                </a:ln>
+                <a:solidFill>
+                  <a:srgbClr val="FFFFFF"/>
+                </a:solidFill>
+                <a:effectLst/>
+                <a:latin typeface="Calibri" panose="020F0502020204030204" pitchFamily="34" charset="0"/>
+                <a:ea typeface="MS PGothic" pitchFamily="34" charset="-128"/>
+              </a:rPr>
+              <a:t>FISE</a:t>
+            </a:r>
+            <a:endParaRPr kumimoji="0" lang="fr-FR" sz="1800" b="0" i="0" u="none" strike="noStrike" cap="none" normalizeH="0" baseline="0" dirty="0">
+              <a:ln>
+                <a:noFill/>
+              </a:ln>
+              <a:solidFill>
+                <a:srgbClr val="FFFFFF"/>
+              </a:solidFill>
+              <a:effectLst/>
+              <a:latin typeface="Arial" charset="0"/>
+              <a:ea typeface="MS PGothic" pitchFamily="34" charset="-128"/>
+            </a:endParaRPr>
+          </a:p>
+        </p:txBody>
+      </p:sp>
+      <p:sp>
+        <p:nvSpPr>
+          <p:cNvPr id="19" name="ZoneTexte 18">
+            <a:extLst>
+              <a:ext uri="{FF2B5EF4-FFF2-40B4-BE49-F238E27FC236}">
+                <a16:creationId xmlns:a16="http://schemas.microsoft.com/office/drawing/2014/main" id="{0877A7E1-38B4-E6DC-B21A-7AAA6B9C95A4}"/>
+              </a:ext>
+            </a:extLst>
+          </p:cNvPr>
+          <p:cNvSpPr txBox="1"/>
+          <p:nvPr/>
+        </p:nvSpPr>
+        <p:spPr>
+          <a:xfrm>
+            <a:off x="6101138" y="2637819"/>
+            <a:ext cx="1728192" cy="338554"/>
+          </a:xfrm>
+          <a:prstGeom prst="rect">
+            <a:avLst/>
+          </a:prstGeom>
+          <a:noFill/>
+        </p:spPr>
+        <p:txBody>
+          <a:bodyPr wrap="square">
+            <a:spAutoFit/>
+          </a:bodyPr>
+          <a:lstStyle/>
+          <a:p>
+            <a:r>
+              <a:rPr lang="fr-FR" dirty="0">
+                <a:solidFill>
+                  <a:srgbClr val="333333"/>
+                </a:solidFill>
+                <a:latin typeface="Calibri" panose="020F0502020204030204" pitchFamily="34" charset="0"/>
+              </a:rPr>
+              <a:t>27 / 73         37 %</a:t>
+            </a:r>
+            <a:endParaRPr lang="fr-FR" dirty="0"/>
+          </a:p>
+        </p:txBody>
+      </p:sp>
+      <p:sp>
+        <p:nvSpPr>
+          <p:cNvPr id="20" name="ZoneTexte 19">
+            <a:extLst>
+              <a:ext uri="{FF2B5EF4-FFF2-40B4-BE49-F238E27FC236}">
+                <a16:creationId xmlns:a16="http://schemas.microsoft.com/office/drawing/2014/main" id="{DE3F092C-5DB9-1F0B-1597-F6805A201070}"/>
+              </a:ext>
+            </a:extLst>
+          </p:cNvPr>
+          <p:cNvSpPr txBox="1"/>
+          <p:nvPr/>
+        </p:nvSpPr>
+        <p:spPr>
+          <a:xfrm>
+            <a:off x="6096000" y="3109623"/>
+            <a:ext cx="1728192" cy="338554"/>
+          </a:xfrm>
+          <a:prstGeom prst="rect">
+            <a:avLst/>
+          </a:prstGeom>
+          <a:noFill/>
+        </p:spPr>
+        <p:txBody>
+          <a:bodyPr wrap="square">
+            <a:spAutoFit/>
+          </a:bodyPr>
+          <a:lstStyle/>
+          <a:p>
+            <a:r>
+              <a:rPr lang="fr-FR" dirty="0">
+                <a:solidFill>
+                  <a:srgbClr val="333333"/>
+                </a:solidFill>
+                <a:latin typeface="Calibri" panose="020F0502020204030204" pitchFamily="34" charset="0"/>
+              </a:rPr>
+              <a:t>10 / 73         14 %</a:t>
+            </a:r>
+            <a:endParaRPr lang="fr-FR" dirty="0"/>
+          </a:p>
+        </p:txBody>
+      </p:sp>
+      <p:sp>
+        <p:nvSpPr>
+          <p:cNvPr id="21" name="ZoneTexte 20">
+            <a:extLst>
+              <a:ext uri="{FF2B5EF4-FFF2-40B4-BE49-F238E27FC236}">
+                <a16:creationId xmlns:a16="http://schemas.microsoft.com/office/drawing/2014/main" id="{9CBB299B-6596-6D44-5FBF-5532E0C99F37}"/>
+              </a:ext>
+            </a:extLst>
+          </p:cNvPr>
+          <p:cNvSpPr txBox="1"/>
+          <p:nvPr/>
+        </p:nvSpPr>
+        <p:spPr>
+          <a:xfrm>
+            <a:off x="6114323" y="3494831"/>
+            <a:ext cx="1728192" cy="338554"/>
+          </a:xfrm>
+          <a:prstGeom prst="rect">
+            <a:avLst/>
+          </a:prstGeom>
+          <a:noFill/>
+        </p:spPr>
+        <p:txBody>
+          <a:bodyPr wrap="square">
+            <a:spAutoFit/>
+          </a:bodyPr>
+          <a:lstStyle/>
+          <a:p>
+            <a:r>
+              <a:rPr lang="fr-FR" dirty="0">
+                <a:solidFill>
+                  <a:srgbClr val="333333"/>
+                </a:solidFill>
+                <a:latin typeface="Calibri" panose="020F0502020204030204" pitchFamily="34" charset="0"/>
+              </a:rPr>
+              <a:t>26 / 73         36 %</a:t>
+            </a:r>
+            <a:endParaRPr lang="fr-FR" dirty="0"/>
+          </a:p>
+        </p:txBody>
+      </p:sp>
+      <p:sp>
+        <p:nvSpPr>
+          <p:cNvPr id="22" name="ZoneTexte 21">
+            <a:extLst>
+              <a:ext uri="{FF2B5EF4-FFF2-40B4-BE49-F238E27FC236}">
+                <a16:creationId xmlns:a16="http://schemas.microsoft.com/office/drawing/2014/main" id="{230CEF54-18EB-A43B-0BB3-6E470E7C33E5}"/>
+              </a:ext>
+            </a:extLst>
+          </p:cNvPr>
+          <p:cNvSpPr txBox="1"/>
+          <p:nvPr/>
+        </p:nvSpPr>
+        <p:spPr>
+          <a:xfrm>
+            <a:off x="6102099" y="3880947"/>
+            <a:ext cx="1728192" cy="338554"/>
+          </a:xfrm>
+          <a:prstGeom prst="rect">
+            <a:avLst/>
+          </a:prstGeom>
+          <a:noFill/>
+        </p:spPr>
+        <p:txBody>
+          <a:bodyPr wrap="square">
+            <a:spAutoFit/>
+          </a:bodyPr>
+          <a:lstStyle/>
+          <a:p>
+            <a:r>
+              <a:rPr lang="fr-FR" dirty="0">
+                <a:solidFill>
+                  <a:srgbClr val="333333"/>
+                </a:solidFill>
+                <a:latin typeface="Calibri" panose="020F0502020204030204" pitchFamily="34" charset="0"/>
+              </a:rPr>
+              <a:t>9 / 73         	  12 %</a:t>
+            </a:r>
+            <a:endParaRPr lang="fr-FR" dirty="0"/>
+          </a:p>
+        </p:txBody>
+      </p:sp>
+      <p:sp>
+        <p:nvSpPr>
+          <p:cNvPr id="23" name="Flèche : chevron 22">
+            <a:extLst>
+              <a:ext uri="{FF2B5EF4-FFF2-40B4-BE49-F238E27FC236}">
+                <a16:creationId xmlns:a16="http://schemas.microsoft.com/office/drawing/2014/main" id="{C4C1AA5B-08FD-B444-C062-C87F610DE724}"/>
+              </a:ext>
+            </a:extLst>
+          </p:cNvPr>
+          <p:cNvSpPr/>
+          <p:nvPr/>
+        </p:nvSpPr>
+        <p:spPr bwMode="auto">
+          <a:xfrm>
+            <a:off x="767406" y="4797152"/>
+            <a:ext cx="3312369" cy="307777"/>
+          </a:xfrm>
+          <a:prstGeom prst="chevron">
+            <a:avLst/>
+          </a:prstGeom>
+          <a:solidFill>
+            <a:srgbClr val="00305E"/>
+          </a:solidFill>
+          <a:ln w="9525" cap="flat" cmpd="sng" algn="ctr">
+            <a:noFill/>
+            <a:prstDash val="solid"/>
+            <a:round/>
+            <a:headEnd type="none" w="med" len="med"/>
+            <a:tailEnd type="none" w="med" len="med"/>
+          </a:ln>
+          <a:effectLst/>
+          <a:extLst>
+            <a:ext uri="{AF507438-7753-43e0-B8FC-AC1667EBCBE1}">
+              <a14:hiddenEffects xmlns="" xmlns:a14="http://schemas.microsoft.com/office/drawing/2010/main">
+                <a:effectLst>
+                  <a:outerShdw dist="35921" dir="2700000" algn="ctr" rotWithShape="0">
+                    <a:schemeClr val="bg2"/>
+                  </a:outerShdw>
+                </a:effectLst>
+              </a14:hiddenEffects>
+            </a:ext>
+          </a:extLst>
+        </p:spPr>
+        <p:txBody>
+          <a:bodyPr vert="horz" wrap="square" lIns="91440" tIns="45720" rIns="91440" bIns="45720" numCol="1" rtlCol="0" anchor="t" anchorCtr="0" compatLnSpc="1">
+            <a:prstTxWarp prst="textNoShape">
+              <a:avLst/>
+            </a:prstTxWarp>
+          </a:bodyPr>
+          <a:lstStyle/>
+          <a:p>
+            <a:pPr marL="0" marR="0" indent="0" algn="ctr" defTabSz="914400" rtl="0" eaLnBrk="0" fontAlgn="base" latinLnBrk="0" hangingPunct="0">
+              <a:lnSpc>
+                <a:spcPct val="100000"/>
+              </a:lnSpc>
+              <a:spcBef>
+                <a:spcPct val="0"/>
+              </a:spcBef>
+              <a:spcAft>
+                <a:spcPct val="0"/>
+              </a:spcAft>
+              <a:buClrTx/>
+              <a:buSzTx/>
+              <a:buFontTx/>
+              <a:buNone/>
+              <a:tabLst/>
+            </a:pPr>
+            <a:r>
+              <a:rPr kumimoji="0" lang="fr-FR" b="1" i="0" u="none" strike="noStrike" cap="none" normalizeH="0" baseline="0" dirty="0">
+                <a:ln>
+                  <a:noFill/>
+                </a:ln>
+                <a:solidFill>
+                  <a:schemeClr val="bg1"/>
+                </a:solidFill>
+                <a:effectLst/>
+                <a:latin typeface="Arial" charset="0"/>
+                <a:ea typeface="ＭＳ Ｐゴシック" pitchFamily="1" charset="-128"/>
+              </a:rPr>
+              <a:t>Thèses</a:t>
+            </a:r>
+          </a:p>
+        </p:txBody>
+      </p:sp>
+      <p:sp>
+        <p:nvSpPr>
+          <p:cNvPr id="24" name="ZoneTexte 23">
+            <a:extLst>
+              <a:ext uri="{FF2B5EF4-FFF2-40B4-BE49-F238E27FC236}">
+                <a16:creationId xmlns:a16="http://schemas.microsoft.com/office/drawing/2014/main" id="{45394560-3665-1B94-E47C-65C98D57F842}"/>
+              </a:ext>
+            </a:extLst>
+          </p:cNvPr>
+          <p:cNvSpPr txBox="1"/>
+          <p:nvPr/>
+        </p:nvSpPr>
+        <p:spPr>
+          <a:xfrm>
+            <a:off x="4566151" y="1686406"/>
+            <a:ext cx="3096344" cy="307777"/>
+          </a:xfrm>
+          <a:prstGeom prst="rect">
+            <a:avLst/>
+          </a:prstGeom>
+          <a:noFill/>
+        </p:spPr>
+        <p:txBody>
+          <a:bodyPr wrap="square">
+            <a:spAutoFit/>
+          </a:bodyPr>
+          <a:lstStyle/>
+          <a:p>
+            <a:r>
+              <a:rPr lang="fr-FR" sz="1400" dirty="0">
+                <a:solidFill>
+                  <a:srgbClr val="333333"/>
+                </a:solidFill>
+                <a:latin typeface="Calibri" panose="020F0502020204030204" pitchFamily="34" charset="0"/>
+              </a:rPr>
+              <a:t>100% en France (thèses et activité prof.)</a:t>
+            </a:r>
+            <a:endParaRPr lang="fr-FR" sz="1400" dirty="0"/>
+          </a:p>
+        </p:txBody>
+      </p:sp>
+      <p:sp>
+        <p:nvSpPr>
+          <p:cNvPr id="25" name="ZoneTexte 24">
+            <a:extLst>
+              <a:ext uri="{FF2B5EF4-FFF2-40B4-BE49-F238E27FC236}">
+                <a16:creationId xmlns:a16="http://schemas.microsoft.com/office/drawing/2014/main" id="{37DD2768-28F1-E5D6-23B4-60934FC70C50}"/>
+              </a:ext>
+            </a:extLst>
+          </p:cNvPr>
+          <p:cNvSpPr txBox="1"/>
+          <p:nvPr/>
+        </p:nvSpPr>
+        <p:spPr>
+          <a:xfrm>
+            <a:off x="1559494" y="5949280"/>
+            <a:ext cx="8136906" cy="338554"/>
+          </a:xfrm>
+          <a:prstGeom prst="rect">
+            <a:avLst/>
+          </a:prstGeom>
+          <a:noFill/>
+        </p:spPr>
+        <p:txBody>
+          <a:bodyPr wrap="square">
+            <a:spAutoFit/>
+          </a:bodyPr>
+          <a:lstStyle/>
+          <a:p>
+            <a:r>
+              <a:rPr lang="fr-FR" dirty="0">
+                <a:solidFill>
+                  <a:srgbClr val="333333"/>
+                </a:solidFill>
+                <a:latin typeface="Calibri" panose="020F0502020204030204" pitchFamily="34" charset="0"/>
+              </a:rPr>
+              <a:t>3 / 30 	à l’</a:t>
+            </a:r>
+            <a:r>
+              <a:rPr lang="fr-FR" b="1" dirty="0">
+                <a:solidFill>
+                  <a:srgbClr val="333333"/>
+                </a:solidFill>
+                <a:latin typeface="Calibri" panose="020F0502020204030204" pitchFamily="34" charset="0"/>
+              </a:rPr>
+              <a:t>étranger</a:t>
+            </a:r>
+            <a:r>
+              <a:rPr lang="fr-FR" dirty="0">
+                <a:solidFill>
+                  <a:srgbClr val="333333"/>
+                </a:solidFill>
+                <a:latin typeface="Calibri" panose="020F0502020204030204" pitchFamily="34" charset="0"/>
+              </a:rPr>
+              <a:t>   (2x Japon, 1x Danemark)		</a:t>
+            </a:r>
+            <a:r>
+              <a:rPr lang="fr-FR" b="1" dirty="0">
+                <a:solidFill>
+                  <a:schemeClr val="bg1"/>
+                </a:solidFill>
+                <a:highlight>
+                  <a:srgbClr val="222268"/>
+                </a:highlight>
+                <a:latin typeface="Calibri" panose="020F0502020204030204" pitchFamily="34" charset="0"/>
+              </a:rPr>
+              <a:t> 14,7 %     CGE 2025 </a:t>
+            </a:r>
+            <a:r>
+              <a:rPr lang="fr-FR" dirty="0">
+                <a:solidFill>
+                  <a:srgbClr val="333333"/>
+                </a:solidFill>
+                <a:latin typeface="Calibri" panose="020F0502020204030204" pitchFamily="34" charset="0"/>
+              </a:rPr>
+              <a:t>	</a:t>
+            </a:r>
+            <a:endParaRPr lang="fr-FR" dirty="0"/>
+          </a:p>
+        </p:txBody>
+      </p:sp>
+      <p:sp>
+        <p:nvSpPr>
+          <p:cNvPr id="26" name="ZoneTexte 25">
+            <a:extLst>
+              <a:ext uri="{FF2B5EF4-FFF2-40B4-BE49-F238E27FC236}">
+                <a16:creationId xmlns:a16="http://schemas.microsoft.com/office/drawing/2014/main" id="{223D78A2-4F52-C17D-D565-C4A7389ED652}"/>
+              </a:ext>
+            </a:extLst>
+          </p:cNvPr>
+          <p:cNvSpPr txBox="1"/>
+          <p:nvPr/>
+        </p:nvSpPr>
+        <p:spPr>
+          <a:xfrm>
+            <a:off x="1559494" y="6258798"/>
+            <a:ext cx="4752530" cy="338554"/>
+          </a:xfrm>
+          <a:prstGeom prst="rect">
+            <a:avLst/>
+          </a:prstGeom>
+          <a:noFill/>
+        </p:spPr>
+        <p:txBody>
+          <a:bodyPr wrap="square">
+            <a:spAutoFit/>
+          </a:bodyPr>
+          <a:lstStyle/>
+          <a:p>
+            <a:r>
+              <a:rPr lang="fr-FR" dirty="0">
+                <a:solidFill>
+                  <a:srgbClr val="333333"/>
+                </a:solidFill>
+                <a:latin typeface="Calibri" panose="020F0502020204030204" pitchFamily="34" charset="0"/>
+              </a:rPr>
+              <a:t>2 LCF, 1 LHC, 1 LP2N</a:t>
+            </a:r>
+            <a:endParaRPr lang="fr-FR" dirty="0"/>
+          </a:p>
+        </p:txBody>
+      </p:sp>
+      <p:sp>
+        <p:nvSpPr>
+          <p:cNvPr id="27" name="ZoneTexte 26">
+            <a:extLst>
+              <a:ext uri="{FF2B5EF4-FFF2-40B4-BE49-F238E27FC236}">
+                <a16:creationId xmlns:a16="http://schemas.microsoft.com/office/drawing/2014/main" id="{0B430199-A170-B95D-8909-0409B7FE0347}"/>
+              </a:ext>
+            </a:extLst>
+          </p:cNvPr>
+          <p:cNvSpPr txBox="1"/>
+          <p:nvPr/>
+        </p:nvSpPr>
+        <p:spPr>
+          <a:xfrm>
+            <a:off x="1559494" y="5217122"/>
+            <a:ext cx="4752530" cy="338554"/>
+          </a:xfrm>
+          <a:prstGeom prst="rect">
+            <a:avLst/>
+          </a:prstGeom>
+          <a:noFill/>
+        </p:spPr>
+        <p:txBody>
+          <a:bodyPr wrap="square">
+            <a:spAutoFit/>
+          </a:bodyPr>
+          <a:lstStyle/>
+          <a:p>
+            <a:r>
+              <a:rPr lang="fr-FR" dirty="0">
+                <a:solidFill>
+                  <a:srgbClr val="333333"/>
+                </a:solidFill>
+                <a:latin typeface="Calibri" panose="020F0502020204030204" pitchFamily="34" charset="0"/>
+              </a:rPr>
+              <a:t>30 / 84 	</a:t>
+            </a:r>
+            <a:r>
+              <a:rPr lang="fr-FR" b="1" dirty="0">
+                <a:solidFill>
+                  <a:srgbClr val="333333"/>
+                </a:solidFill>
+                <a:latin typeface="Calibri" panose="020F0502020204030204" pitchFamily="34" charset="0"/>
+              </a:rPr>
+              <a:t>36 %              	 </a:t>
+            </a:r>
+            <a:r>
+              <a:rPr lang="fr-FR" b="1" dirty="0">
+                <a:solidFill>
+                  <a:schemeClr val="bg1"/>
+                </a:solidFill>
+                <a:highlight>
+                  <a:srgbClr val="222268"/>
+                </a:highlight>
+                <a:latin typeface="Calibri" panose="020F0502020204030204" pitchFamily="34" charset="0"/>
+              </a:rPr>
+              <a:t> 5,6 %     CGE 2025</a:t>
+            </a:r>
+            <a:endParaRPr lang="fr-FR" b="1" dirty="0">
+              <a:solidFill>
+                <a:schemeClr val="bg1"/>
+              </a:solidFill>
+              <a:highlight>
+                <a:srgbClr val="222268"/>
+              </a:highlight>
+            </a:endParaRPr>
+          </a:p>
+        </p:txBody>
+      </p:sp>
+    </p:spTree>
+    <p:extLst>
+      <p:ext uri="{BB962C8B-B14F-4D97-AF65-F5344CB8AC3E}">
+        <p14:creationId xmlns:p14="http://schemas.microsoft.com/office/powerpoint/2010/main" val="880639409"/>
+      </p:ext>
+    </p:extLst>
+  </p:cSld>
+  <p:clrMapOvr>
+    <a:masterClrMapping/>
+  </p:clrMapOvr>
+</p:sld>
+</file>
+
+<file path=ppt/slides/slide11.xml><?xml version="1.0" encoding="utf-8"?>
+<p:sld xmlns:a="http://schemas.openxmlformats.org/drawingml/2006/main" xmlns:r="http://schemas.openxmlformats.org/officeDocument/2006/relationships" xmlns:p="http://schemas.openxmlformats.org/presentationml/2006/main">
+  <p:cSld>
+    <p:spTree>
+      <p:nvGrpSpPr>
+        <p:cNvPr id="1" name="">
+          <a:extLst>
+            <a:ext uri="{FF2B5EF4-FFF2-40B4-BE49-F238E27FC236}">
+              <a16:creationId xmlns:a16="http://schemas.microsoft.com/office/drawing/2014/main" id="{B99C7A6B-25F1-8A81-A738-5B913CD7B6C3}"/>
+            </a:ext>
+          </a:extLst>
+        </p:cNvPr>
+        <p:cNvGrpSpPr/>
+        <p:nvPr/>
+      </p:nvGrpSpPr>
+      <p:grpSpPr>
+        <a:xfrm>
+          <a:off x="0" y="0"/>
+          <a:ext cx="0" cy="0"/>
+          <a:chOff x="0" y="0"/>
+          <a:chExt cx="0" cy="0"/>
+        </a:xfrm>
+      </p:grpSpPr>
+      <p:sp>
+        <p:nvSpPr>
+          <p:cNvPr id="2" name="Titre 1">
+            <a:extLst>
+              <a:ext uri="{FF2B5EF4-FFF2-40B4-BE49-F238E27FC236}">
+                <a16:creationId xmlns:a16="http://schemas.microsoft.com/office/drawing/2014/main" id="{4EA00DEE-C22F-33FE-F07B-4EE96DE2C194}"/>
+              </a:ext>
+            </a:extLst>
+          </p:cNvPr>
+          <p:cNvSpPr>
+            <a:spLocks noGrp="1"/>
+          </p:cNvSpPr>
+          <p:nvPr>
+            <p:ph type="title"/>
+          </p:nvPr>
+        </p:nvSpPr>
+        <p:spPr/>
+        <p:txBody>
+          <a:bodyPr/>
+          <a:lstStyle/>
+          <a:p>
+            <a:r>
+              <a:rPr lang="fr-FR" dirty="0"/>
+              <a:t>Enquête CGE / Chiffres clefs</a:t>
+            </a:r>
+          </a:p>
+        </p:txBody>
+      </p:sp>
+      <p:sp>
+        <p:nvSpPr>
+          <p:cNvPr id="7" name="Flèche : chevron 6">
+            <a:extLst>
+              <a:ext uri="{FF2B5EF4-FFF2-40B4-BE49-F238E27FC236}">
+                <a16:creationId xmlns:a16="http://schemas.microsoft.com/office/drawing/2014/main" id="{780EF0C3-7563-428D-D529-FF58B0110316}"/>
+              </a:ext>
+            </a:extLst>
+          </p:cNvPr>
+          <p:cNvSpPr/>
+          <p:nvPr/>
+        </p:nvSpPr>
+        <p:spPr bwMode="auto">
+          <a:xfrm>
+            <a:off x="767407" y="1720181"/>
+            <a:ext cx="3312369" cy="307777"/>
+          </a:xfrm>
+          <a:prstGeom prst="chevron">
+            <a:avLst/>
+          </a:prstGeom>
+          <a:solidFill>
+            <a:srgbClr val="00305E"/>
+          </a:solidFill>
+          <a:ln w="9525" cap="flat" cmpd="sng" algn="ctr">
+            <a:noFill/>
+            <a:prstDash val="solid"/>
+            <a:round/>
+            <a:headEnd type="none" w="med" len="med"/>
+            <a:tailEnd type="none" w="med" len="med"/>
+          </a:ln>
+          <a:effectLst/>
+          <a:extLst>
+            <a:ext uri="{AF507438-7753-43e0-B8FC-AC1667EBCBE1}">
+              <a14:hiddenEffects xmlns="" xmlns:a14="http://schemas.microsoft.com/office/drawing/2010/main">
+                <a:effectLst>
+                  <a:outerShdw dist="35921" dir="2700000" algn="ctr" rotWithShape="0">
+                    <a:schemeClr val="bg2"/>
+                  </a:outerShdw>
+                </a:effectLst>
+              </a14:hiddenEffects>
+            </a:ext>
+          </a:extLst>
+        </p:spPr>
+        <p:txBody>
+          <a:bodyPr vert="horz" wrap="square" lIns="91440" tIns="45720" rIns="91440" bIns="45720" numCol="1" rtlCol="0" anchor="t" anchorCtr="0" compatLnSpc="1">
+            <a:prstTxWarp prst="textNoShape">
+              <a:avLst/>
+            </a:prstTxWarp>
+          </a:bodyPr>
+          <a:lstStyle/>
+          <a:p>
+            <a:pPr marL="0" marR="0" indent="0" algn="ctr" defTabSz="914400" rtl="0" eaLnBrk="0" fontAlgn="base" latinLnBrk="0" hangingPunct="0">
+              <a:lnSpc>
+                <a:spcPct val="100000"/>
+              </a:lnSpc>
+              <a:spcBef>
+                <a:spcPct val="0"/>
+              </a:spcBef>
+              <a:spcAft>
+                <a:spcPct val="0"/>
+              </a:spcAft>
+              <a:buClrTx/>
+              <a:buSzTx/>
+              <a:buFontTx/>
+              <a:buNone/>
+              <a:tabLst/>
+            </a:pPr>
+            <a:r>
+              <a:rPr kumimoji="0" lang="fr-FR" b="1" i="0" u="none" strike="noStrike" cap="none" normalizeH="0" baseline="0" dirty="0">
+                <a:ln>
+                  <a:noFill/>
+                </a:ln>
+                <a:solidFill>
+                  <a:schemeClr val="bg1"/>
+                </a:solidFill>
+                <a:effectLst/>
+                <a:latin typeface="Arial" charset="0"/>
+                <a:ea typeface="ＭＳ Ｐゴシック" pitchFamily="1" charset="-128"/>
+              </a:rPr>
+              <a:t>RSE</a:t>
+            </a:r>
+          </a:p>
+        </p:txBody>
+      </p:sp>
+      <p:sp>
+        <p:nvSpPr>
+          <p:cNvPr id="17" name="Rectangle : coins arrondis 16">
+            <a:extLst>
+              <a:ext uri="{FF2B5EF4-FFF2-40B4-BE49-F238E27FC236}">
+                <a16:creationId xmlns:a16="http://schemas.microsoft.com/office/drawing/2014/main" id="{2BFBCB5B-C8BA-8032-F9B5-B47991EFD838}"/>
+              </a:ext>
+            </a:extLst>
+          </p:cNvPr>
+          <p:cNvSpPr/>
+          <p:nvPr/>
+        </p:nvSpPr>
+        <p:spPr bwMode="auto">
+          <a:xfrm>
+            <a:off x="9048328" y="1585795"/>
+            <a:ext cx="2214377" cy="461665"/>
+          </a:xfrm>
+          <a:prstGeom prst="roundRect">
+            <a:avLst/>
+          </a:prstGeom>
+          <a:solidFill>
+            <a:srgbClr val="FF960A"/>
+          </a:solidFill>
+          <a:ln w="9525" cap="flat" cmpd="sng" algn="ctr">
+            <a:noFill/>
+            <a:prstDash val="solid"/>
+            <a:round/>
+            <a:headEnd type="none" w="med" len="med"/>
+            <a:tailEnd type="none" w="med" len="med"/>
+          </a:ln>
+          <a:effectLst/>
+        </p:spPr>
+        <p:txBody>
+          <a:bodyPr vert="horz" wrap="square" lIns="91440" tIns="45720" rIns="91440" bIns="45720" numCol="1" rtlCol="0" anchor="ctr" anchorCtr="0" compatLnSpc="1">
+            <a:prstTxWarp prst="textNoShape">
+              <a:avLst/>
+            </a:prstTxWarp>
+          </a:bodyPr>
+          <a:lstStyle/>
+          <a:p>
+            <a:pPr marL="0" marR="0" indent="0" algn="ctr" defTabSz="914400" rtl="0" eaLnBrk="0" fontAlgn="base" latinLnBrk="0" hangingPunct="0">
+              <a:lnSpc>
+                <a:spcPct val="100000"/>
+              </a:lnSpc>
+              <a:spcBef>
+                <a:spcPct val="0"/>
+              </a:spcBef>
+              <a:spcAft>
+                <a:spcPct val="0"/>
+              </a:spcAft>
+              <a:buClrTx/>
+              <a:buSzTx/>
+              <a:buFontTx/>
+              <a:buNone/>
+              <a:tabLst/>
+            </a:pPr>
+            <a:r>
+              <a:rPr kumimoji="0" lang="fr-FR" sz="1800" b="0" i="0" u="none" strike="noStrike" cap="none" normalizeH="0" baseline="0" dirty="0">
+                <a:ln>
+                  <a:noFill/>
+                </a:ln>
+                <a:solidFill>
+                  <a:srgbClr val="FFFFFF"/>
+                </a:solidFill>
+                <a:effectLst/>
+                <a:latin typeface="Calibri" panose="020F0502020204030204" pitchFamily="34" charset="0"/>
+                <a:ea typeface="MS PGothic" pitchFamily="34" charset="-128"/>
+              </a:rPr>
               <a:t>Rapport CGE 2025</a:t>
             </a:r>
             <a:endParaRPr kumimoji="0" lang="fr-FR" sz="1800" b="0" i="0" u="none" strike="noStrike" cap="none" normalizeH="0" baseline="0" dirty="0">
@@ -6614,7 +7810,7 @@
 </p:sld>
 </file>
 
-<file path=ppt/slides/slide11.xml><?xml version="1.0" encoding="utf-8"?>
+<file path=ppt/slides/slide12.xml><?xml version="1.0" encoding="utf-8"?>
 <p:sld xmlns:a="http://schemas.openxmlformats.org/drawingml/2006/main" xmlns:r="http://schemas.openxmlformats.org/officeDocument/2006/relationships" xmlns:p="http://schemas.openxmlformats.org/presentationml/2006/main">
   <p:cSld>
     <p:spTree>
@@ -6698,7 +7894,7 @@
           <a:effectLst/>
           <a:extLst>
             <a:ext uri="{AF507438-7753-43e0-B8FC-AC1667EBCBE1}">
-              <a14:hiddenEffects xmlns="" xmlns:a14="http://schemas.microsoft.com/office/drawing/2010/main">
+              <a14:hiddenEffects xmlns:a14="http://schemas.microsoft.com/office/drawing/2010/main" xmlns="">
                 <a:effectLst>
                   <a:outerShdw dist="35921" dir="2700000" algn="ctr" rotWithShape="0">
                     <a:schemeClr val="bg2"/>
@@ -7000,7 +8196,7 @@
           </a:effectLst>
           <a:extLst>
             <a:ext uri="{AF507438-7753-43e0-B8FC-AC1667EBCBE1}">
-              <a14:hiddenEffects xmlns:a14="http://schemas.microsoft.com/office/drawing/2010/main" xmlns="">
+              <a14:hiddenEffects xmlns="" xmlns:a14="http://schemas.microsoft.com/office/drawing/2010/main">
                 <a:effectLst>
                   <a:outerShdw dist="35921" dir="2700000" algn="ctr" rotWithShape="0">
                     <a:schemeClr val="bg2"/>
@@ -7093,7 +8289,7 @@
           </a:effectLst>
           <a:extLst>
             <a:ext uri="{AF507438-7753-43e0-B8FC-AC1667EBCBE1}">
-              <a14:hiddenEffects xmlns:a14="http://schemas.microsoft.com/office/drawing/2010/main" xmlns="">
+              <a14:hiddenEffects xmlns="" xmlns:a14="http://schemas.microsoft.com/office/drawing/2010/main">
                 <a:effectLst>
                   <a:outerShdw dist="35921" dir="2700000" algn="ctr" rotWithShape="0">
                     <a:schemeClr val="bg2"/>
@@ -7184,7 +8380,7 @@
           </a:effectLst>
           <a:extLst>
             <a:ext uri="{AF507438-7753-43e0-B8FC-AC1667EBCBE1}">
-              <a14:hiddenEffects xmlns:a14="http://schemas.microsoft.com/office/drawing/2010/main" xmlns="">
+              <a14:hiddenEffects xmlns="" xmlns:a14="http://schemas.microsoft.com/office/drawing/2010/main">
                 <a:effectLst>
                   <a:outerShdw dist="35921" dir="2700000" algn="ctr" rotWithShape="0">
                     <a:schemeClr val="bg2"/>
@@ -7277,7 +8473,7 @@
           </a:effectLst>
           <a:extLst>
             <a:ext uri="{AF507438-7753-43e0-B8FC-AC1667EBCBE1}">
-              <a14:hiddenEffects xmlns:a14="http://schemas.microsoft.com/office/drawing/2010/main" xmlns="">
+              <a14:hiddenEffects xmlns="" xmlns:a14="http://schemas.microsoft.com/office/drawing/2010/main">
                 <a:effectLst>
                   <a:outerShdw dist="35921" dir="2700000" algn="ctr" rotWithShape="0">
                     <a:schemeClr val="bg2"/>
@@ -7360,7 +8556,7 @@
           <a:effectLst/>
           <a:extLst>
             <a:ext uri="{AF507438-7753-43e0-B8FC-AC1667EBCBE1}">
-              <a14:hiddenEffects xmlns:a14="http://schemas.microsoft.com/office/drawing/2010/main" xmlns="">
+              <a14:hiddenEffects xmlns="" xmlns:a14="http://schemas.microsoft.com/office/drawing/2010/main">
                 <a:effectLst>
                   <a:outerShdw dist="35921" dir="2700000" algn="ctr" rotWithShape="0">
                     <a:schemeClr val="bg2"/>
@@ -7441,7 +8637,7 @@
           <a:effectLst/>
           <a:extLst>
             <a:ext uri="{AF507438-7753-43e0-B8FC-AC1667EBCBE1}">
-              <a14:hiddenEffects xmlns="" xmlns:a14="http://schemas.microsoft.com/office/drawing/2010/main">
+              <a14:hiddenEffects xmlns:a14="http://schemas.microsoft.com/office/drawing/2010/main" xmlns="">
                 <a:effectLst>
                   <a:outerShdw dist="35921" dir="2700000" algn="ctr" rotWithShape="0">
                     <a:schemeClr val="bg2"/>
@@ -7525,7 +8721,7 @@
           <a:effectLst/>
           <a:extLst>
             <a:ext uri="{AF507438-7753-43e0-B8FC-AC1667EBCBE1}">
-              <a14:hiddenEffects xmlns="" xmlns:a14="http://schemas.microsoft.com/office/drawing/2010/main">
+              <a14:hiddenEffects xmlns:a14="http://schemas.microsoft.com/office/drawing/2010/main" xmlns="">
                 <a:effectLst>
                   <a:outerShdw dist="35921" dir="2700000" algn="ctr" rotWithShape="0">
                     <a:schemeClr val="bg2"/>
@@ -7609,7 +8805,7 @@
           <a:effectLst/>
           <a:extLst>
             <a:ext uri="{AF507438-7753-43e0-B8FC-AC1667EBCBE1}">
-              <a14:hiddenEffects xmlns="" xmlns:a14="http://schemas.microsoft.com/office/drawing/2010/main">
+              <a14:hiddenEffects xmlns:a14="http://schemas.microsoft.com/office/drawing/2010/main" xmlns="">
                 <a:effectLst>
                   <a:outerShdw dist="35921" dir="2700000" algn="ctr" rotWithShape="0">
                     <a:schemeClr val="bg2"/>
@@ -7693,7 +8889,7 @@
           <a:effectLst/>
           <a:extLst>
             <a:ext uri="{AF507438-7753-43e0-B8FC-AC1667EBCBE1}">
-              <a14:hiddenEffects xmlns="" xmlns:a14="http://schemas.microsoft.com/office/drawing/2010/main">
+              <a14:hiddenEffects xmlns:a14="http://schemas.microsoft.com/office/drawing/2010/main" xmlns="">
                 <a:effectLst>
                   <a:outerShdw dist="35921" dir="2700000" algn="ctr" rotWithShape="0">
                     <a:schemeClr val="bg2"/>
@@ -8457,7 +9653,7 @@
           <a:effectLst/>
           <a:extLst>
             <a:ext uri="{AF507438-7753-43e0-B8FC-AC1667EBCBE1}">
-              <a14:hiddenEffects xmlns:a14="http://schemas.microsoft.com/office/drawing/2010/main" xmlns="">
+              <a14:hiddenEffects xmlns="" xmlns:a14="http://schemas.microsoft.com/office/drawing/2010/main">
                 <a:effectLst>
                   <a:outerShdw dist="35921" dir="2700000" algn="ctr" rotWithShape="0">
                     <a:schemeClr val="bg2"/>
@@ -8505,7 +9701,7 @@
           <a:effectLst/>
           <a:extLst>
             <a:ext uri="{AF507438-7753-43e0-B8FC-AC1667EBCBE1}">
-              <a14:hiddenEffects xmlns:a14="http://schemas.microsoft.com/office/drawing/2010/main" xmlns="">
+              <a14:hiddenEffects xmlns="" xmlns:a14="http://schemas.microsoft.com/office/drawing/2010/main">
                 <a:effectLst>
                   <a:outerShdw dist="35921" dir="2700000" algn="ctr" rotWithShape="0">
                     <a:schemeClr val="bg2"/>
@@ -9926,66 +11122,6 @@
           </a:p>
         </p:txBody>
       </p:sp>
-      <p:pic>
-        <p:nvPicPr>
-          <p:cNvPr id="5" name="Image 4">
-            <a:extLst>
-              <a:ext uri="{FF2B5EF4-FFF2-40B4-BE49-F238E27FC236}">
-                <a16:creationId xmlns:a16="http://schemas.microsoft.com/office/drawing/2014/main" id="{813F397A-4869-49A1-6C23-7A30B2E1EB30}"/>
-              </a:ext>
-            </a:extLst>
-          </p:cNvPr>
-          <p:cNvPicPr>
-            <a:picLocks noChangeAspect="1"/>
-          </p:cNvPicPr>
-          <p:nvPr/>
-        </p:nvPicPr>
-        <p:blipFill>
-          <a:blip r:embed="rId2"/>
-          <a:stretch>
-            <a:fillRect/>
-          </a:stretch>
-        </p:blipFill>
-        <p:spPr>
-          <a:xfrm>
-            <a:off x="623393" y="3067352"/>
-            <a:ext cx="5688632" cy="3529999"/>
-          </a:xfrm>
-          <a:prstGeom prst="rect">
-            <a:avLst/>
-          </a:prstGeom>
-        </p:spPr>
-      </p:pic>
-      <p:pic>
-        <p:nvPicPr>
-          <p:cNvPr id="7" name="Image 6">
-            <a:extLst>
-              <a:ext uri="{FF2B5EF4-FFF2-40B4-BE49-F238E27FC236}">
-                <a16:creationId xmlns:a16="http://schemas.microsoft.com/office/drawing/2014/main" id="{A0974AEF-DD0A-A501-7699-E69364EBC6F3}"/>
-              </a:ext>
-            </a:extLst>
-          </p:cNvPr>
-          <p:cNvPicPr>
-            <a:picLocks noChangeAspect="1"/>
-          </p:cNvPicPr>
-          <p:nvPr/>
-        </p:nvPicPr>
-        <p:blipFill>
-          <a:blip r:embed="rId3"/>
-          <a:stretch>
-            <a:fillRect/>
-          </a:stretch>
-        </p:blipFill>
-        <p:spPr>
-          <a:xfrm>
-            <a:off x="7490332" y="2140868"/>
-            <a:ext cx="4701668" cy="1833090"/>
-          </a:xfrm>
-          <a:prstGeom prst="rect">
-            <a:avLst/>
-          </a:prstGeom>
-        </p:spPr>
-      </p:pic>
       <p:sp>
         <p:nvSpPr>
           <p:cNvPr id="8" name="Flèche : chevron 7">
@@ -10019,7 +11155,7 @@
           <a:effectLst/>
           <a:extLst>
             <a:ext uri="{AF507438-7753-43e0-B8FC-AC1667EBCBE1}">
-              <a14:hiddenEffects xmlns:a14="http://schemas.microsoft.com/office/drawing/2010/main" xmlns="">
+              <a14:hiddenEffects xmlns="" xmlns:a14="http://schemas.microsoft.com/office/drawing/2010/main">
                 <a:effectLst>
                   <a:outerShdw dist="35921" dir="2700000" algn="ctr" rotWithShape="0">
                     <a:schemeClr val="bg2"/>
@@ -10070,12 +11206,176 @@
           </a:p>
         </p:txBody>
       </p:sp>
+      <p:sp>
+        <p:nvSpPr>
+          <p:cNvPr id="10" name="ZoneTexte 9">
+            <a:extLst>
+              <a:ext uri="{FF2B5EF4-FFF2-40B4-BE49-F238E27FC236}">
+                <a16:creationId xmlns:a16="http://schemas.microsoft.com/office/drawing/2014/main" id="{D0BFD7B0-A009-0640-A151-7F9FBFFD3DD0}"/>
+              </a:ext>
+            </a:extLst>
+          </p:cNvPr>
+          <p:cNvSpPr txBox="1"/>
+          <p:nvPr/>
+        </p:nvSpPr>
+        <p:spPr>
+          <a:xfrm>
+            <a:off x="3287688" y="2615423"/>
+            <a:ext cx="1294028" cy="461665"/>
+          </a:xfrm>
+          <a:prstGeom prst="rect">
+            <a:avLst/>
+          </a:prstGeom>
+          <a:noFill/>
+        </p:spPr>
+        <p:txBody>
+          <a:bodyPr wrap="square">
+            <a:spAutoFit/>
+          </a:bodyPr>
+          <a:lstStyle/>
+          <a:p>
+            <a:r>
+              <a:rPr lang="fr-FR" sz="1200" dirty="0">
+                <a:solidFill>
+                  <a:srgbClr val="333333"/>
+                </a:solidFill>
+                <a:latin typeface="Calibri" panose="020F0502020204030204" pitchFamily="34" charset="0"/>
+              </a:rPr>
+              <a:t>Enquête 2025</a:t>
+            </a:r>
+          </a:p>
+          <a:p>
+            <a:r>
+              <a:rPr lang="fr-FR" sz="1200" dirty="0">
+                <a:solidFill>
+                  <a:srgbClr val="333333"/>
+                </a:solidFill>
+                <a:latin typeface="Calibri" panose="020F0502020204030204" pitchFamily="34" charset="0"/>
+              </a:rPr>
+              <a:t>Promo 2024</a:t>
+            </a:r>
+            <a:endParaRPr lang="fr-FR" sz="1200" dirty="0"/>
+          </a:p>
+        </p:txBody>
+      </p:sp>
+      <p:sp>
+        <p:nvSpPr>
+          <p:cNvPr id="12" name="ZoneTexte 11">
+            <a:extLst>
+              <a:ext uri="{FF2B5EF4-FFF2-40B4-BE49-F238E27FC236}">
+                <a16:creationId xmlns:a16="http://schemas.microsoft.com/office/drawing/2014/main" id="{B2B09F46-3B5A-23B3-21AE-F566686C20A7}"/>
+              </a:ext>
+            </a:extLst>
+          </p:cNvPr>
+          <p:cNvSpPr txBox="1"/>
+          <p:nvPr/>
+        </p:nvSpPr>
+        <p:spPr>
+          <a:xfrm>
+            <a:off x="4852256" y="2595748"/>
+            <a:ext cx="1294028" cy="461665"/>
+          </a:xfrm>
+          <a:prstGeom prst="rect">
+            <a:avLst/>
+          </a:prstGeom>
+          <a:noFill/>
+        </p:spPr>
+        <p:txBody>
+          <a:bodyPr wrap="square">
+            <a:spAutoFit/>
+          </a:bodyPr>
+          <a:lstStyle/>
+          <a:p>
+            <a:r>
+              <a:rPr lang="fr-FR" sz="1200" dirty="0">
+                <a:solidFill>
+                  <a:srgbClr val="333333"/>
+                </a:solidFill>
+                <a:latin typeface="Calibri" panose="020F0502020204030204" pitchFamily="34" charset="0"/>
+              </a:rPr>
+              <a:t>Enquête 2025</a:t>
+            </a:r>
+          </a:p>
+          <a:p>
+            <a:r>
+              <a:rPr lang="fr-FR" sz="1200" dirty="0">
+                <a:solidFill>
+                  <a:srgbClr val="333333"/>
+                </a:solidFill>
+                <a:latin typeface="Calibri" panose="020F0502020204030204" pitchFamily="34" charset="0"/>
+              </a:rPr>
+              <a:t>CGE 2024</a:t>
+            </a:r>
+            <a:endParaRPr lang="fr-FR" sz="1200" dirty="0"/>
+          </a:p>
+        </p:txBody>
+      </p:sp>
       <p:pic>
         <p:nvPicPr>
-          <p:cNvPr id="11" name="Image 10">
-            <a:extLst>
-              <a:ext uri="{FF2B5EF4-FFF2-40B4-BE49-F238E27FC236}">
-                <a16:creationId xmlns:a16="http://schemas.microsoft.com/office/drawing/2014/main" id="{807DBD71-38F8-EF26-DC6F-1E8B9FF6A7C2}"/>
+          <p:cNvPr id="6" name="Image 5">
+            <a:extLst>
+              <a:ext uri="{FF2B5EF4-FFF2-40B4-BE49-F238E27FC236}">
+                <a16:creationId xmlns:a16="http://schemas.microsoft.com/office/drawing/2014/main" id="{86C48D87-4DB0-FC43-E0AE-4FF1A05C41D4}"/>
+              </a:ext>
+            </a:extLst>
+          </p:cNvPr>
+          <p:cNvPicPr>
+            <a:picLocks noChangeAspect="1"/>
+          </p:cNvPicPr>
+          <p:nvPr/>
+        </p:nvPicPr>
+        <p:blipFill>
+          <a:blip r:embed="rId2"/>
+          <a:stretch>
+            <a:fillRect/>
+          </a:stretch>
+        </p:blipFill>
+        <p:spPr>
+          <a:xfrm>
+            <a:off x="449912" y="3185396"/>
+            <a:ext cx="5646088" cy="3360361"/>
+          </a:xfrm>
+          <a:prstGeom prst="rect">
+            <a:avLst/>
+          </a:prstGeom>
+        </p:spPr>
+      </p:pic>
+      <p:pic>
+        <p:nvPicPr>
+          <p:cNvPr id="14" name="Image 13">
+            <a:extLst>
+              <a:ext uri="{FF2B5EF4-FFF2-40B4-BE49-F238E27FC236}">
+                <a16:creationId xmlns:a16="http://schemas.microsoft.com/office/drawing/2014/main" id="{9E8A7F66-1973-802D-1848-2CD8115808FA}"/>
+              </a:ext>
+            </a:extLst>
+          </p:cNvPr>
+          <p:cNvPicPr>
+            <a:picLocks noChangeAspect="1"/>
+          </p:cNvPicPr>
+          <p:nvPr/>
+        </p:nvPicPr>
+        <p:blipFill>
+          <a:blip r:embed="rId3"/>
+          <a:stretch>
+            <a:fillRect/>
+          </a:stretch>
+        </p:blipFill>
+        <p:spPr>
+          <a:xfrm>
+            <a:off x="7104112" y="5024362"/>
+            <a:ext cx="4925705" cy="1521395"/>
+          </a:xfrm>
+          <a:prstGeom prst="rect">
+            <a:avLst/>
+          </a:prstGeom>
+        </p:spPr>
+      </p:pic>
+      <p:pic>
+        <p:nvPicPr>
+          <p:cNvPr id="20" name="Image 19">
+            <a:extLst>
+              <a:ext uri="{FF2B5EF4-FFF2-40B4-BE49-F238E27FC236}">
+                <a16:creationId xmlns:a16="http://schemas.microsoft.com/office/drawing/2014/main" id="{C6F58489-E5F7-5F22-8233-55BA11D2F7E7}"/>
               </a:ext>
             </a:extLst>
           </p:cNvPr>
@@ -10092,50 +11392,20 @@
         </p:blipFill>
         <p:spPr>
           <a:xfrm>
-            <a:off x="6325936" y="3057413"/>
-            <a:ext cx="1463723" cy="1739739"/>
+            <a:off x="7104111" y="2615423"/>
+            <a:ext cx="4925706" cy="1977860"/>
           </a:xfrm>
           <a:prstGeom prst="rect">
             <a:avLst/>
           </a:prstGeom>
         </p:spPr>
       </p:pic>
-      <p:pic>
-        <p:nvPicPr>
-          <p:cNvPr id="4" name="Image 3">
-            <a:extLst>
-              <a:ext uri="{FF2B5EF4-FFF2-40B4-BE49-F238E27FC236}">
-                <a16:creationId xmlns:a16="http://schemas.microsoft.com/office/drawing/2014/main" id="{46EB10B7-EF70-7500-9492-5CA15F80FB3D}"/>
-              </a:ext>
-            </a:extLst>
-          </p:cNvPr>
-          <p:cNvPicPr>
-            <a:picLocks noChangeAspect="1"/>
-          </p:cNvPicPr>
-          <p:nvPr/>
-        </p:nvPicPr>
-        <p:blipFill>
-          <a:blip r:embed="rId5"/>
-          <a:stretch>
-            <a:fillRect/>
-          </a:stretch>
-        </p:blipFill>
-        <p:spPr>
-          <a:xfrm>
-            <a:off x="6338581" y="4869160"/>
-            <a:ext cx="1413604" cy="1670623"/>
-          </a:xfrm>
-          <a:prstGeom prst="rect">
-            <a:avLst/>
-          </a:prstGeom>
-        </p:spPr>
-      </p:pic>
-      <p:sp>
-        <p:nvSpPr>
-          <p:cNvPr id="10" name="ZoneTexte 9">
-            <a:extLst>
-              <a:ext uri="{FF2B5EF4-FFF2-40B4-BE49-F238E27FC236}">
-                <a16:creationId xmlns:a16="http://schemas.microsoft.com/office/drawing/2014/main" id="{D0BFD7B0-A009-0640-A151-7F9FBFFD3DD0}"/>
+      <p:sp>
+        <p:nvSpPr>
+          <p:cNvPr id="21" name="ZoneTexte 20">
+            <a:extLst>
+              <a:ext uri="{FF2B5EF4-FFF2-40B4-BE49-F238E27FC236}">
+                <a16:creationId xmlns:a16="http://schemas.microsoft.com/office/drawing/2014/main" id="{E70FDAB2-C9C3-1275-2807-A9A524A6CC95}"/>
               </a:ext>
             </a:extLst>
           </p:cNvPr>
@@ -10144,8 +11414,8 @@
         </p:nvSpPr>
         <p:spPr>
           <a:xfrm>
-            <a:off x="3287688" y="2615423"/>
-            <a:ext cx="1294028" cy="461665"/>
+            <a:off x="7085720" y="2001396"/>
+            <a:ext cx="2754695" cy="276999"/>
           </a:xfrm>
           <a:prstGeom prst="rect">
             <a:avLst/>
@@ -10165,308 +11435,7 @@
                 </a:solidFill>
                 <a:latin typeface="Calibri" panose="020F0502020204030204" pitchFamily="34" charset="0"/>
               </a:rPr>
-              <a:t>Enquête 2024</a:t>
-            </a:r>
-          </a:p>
-          <a:p>
-            <a:r>
-              <a:rPr lang="fr-FR" sz="1200" dirty="0">
-                <a:solidFill>
-                  <a:srgbClr val="333333"/>
-                </a:solidFill>
-                <a:latin typeface="Calibri" panose="020F0502020204030204" pitchFamily="34" charset="0"/>
-              </a:rPr>
-              <a:t>Promo 2023</a:t>
-            </a:r>
-            <a:endParaRPr lang="fr-FR" sz="1200" dirty="0"/>
-          </a:p>
-        </p:txBody>
-      </p:sp>
-      <p:sp>
-        <p:nvSpPr>
-          <p:cNvPr id="12" name="ZoneTexte 11">
-            <a:extLst>
-              <a:ext uri="{FF2B5EF4-FFF2-40B4-BE49-F238E27FC236}">
-                <a16:creationId xmlns:a16="http://schemas.microsoft.com/office/drawing/2014/main" id="{B2B09F46-3B5A-23B3-21AE-F566686C20A7}"/>
-              </a:ext>
-            </a:extLst>
-          </p:cNvPr>
-          <p:cNvSpPr txBox="1"/>
-          <p:nvPr/>
-        </p:nvSpPr>
-        <p:spPr>
-          <a:xfrm>
-            <a:off x="4852256" y="2595748"/>
-            <a:ext cx="1294028" cy="461665"/>
-          </a:xfrm>
-          <a:prstGeom prst="rect">
-            <a:avLst/>
-          </a:prstGeom>
-          <a:noFill/>
-        </p:spPr>
-        <p:txBody>
-          <a:bodyPr wrap="square">
-            <a:spAutoFit/>
-          </a:bodyPr>
-          <a:lstStyle/>
-          <a:p>
-            <a:r>
-              <a:rPr lang="fr-FR" sz="1200" dirty="0">
-                <a:solidFill>
-                  <a:srgbClr val="333333"/>
-                </a:solidFill>
-                <a:latin typeface="Calibri" panose="020F0502020204030204" pitchFamily="34" charset="0"/>
-              </a:rPr>
-              <a:t>Enquête 2024</a:t>
-            </a:r>
-          </a:p>
-          <a:p>
-            <a:r>
-              <a:rPr lang="fr-FR" sz="1200" dirty="0">
-                <a:solidFill>
-                  <a:srgbClr val="333333"/>
-                </a:solidFill>
-                <a:latin typeface="Calibri" panose="020F0502020204030204" pitchFamily="34" charset="0"/>
-              </a:rPr>
-              <a:t>CGE 2023</a:t>
-            </a:r>
-            <a:endParaRPr lang="fr-FR" sz="1200" dirty="0"/>
-          </a:p>
-        </p:txBody>
-      </p:sp>
-      <p:sp>
-        <p:nvSpPr>
-          <p:cNvPr id="13" name="ZoneTexte 12">
-            <a:extLst>
-              <a:ext uri="{FF2B5EF4-FFF2-40B4-BE49-F238E27FC236}">
-                <a16:creationId xmlns:a16="http://schemas.microsoft.com/office/drawing/2014/main" id="{543FCDF0-1687-48D2-A629-90F2D261E784}"/>
-              </a:ext>
-            </a:extLst>
-          </p:cNvPr>
-          <p:cNvSpPr txBox="1"/>
-          <p:nvPr/>
-        </p:nvSpPr>
-        <p:spPr>
-          <a:xfrm>
-            <a:off x="6416824" y="2595747"/>
-            <a:ext cx="1294028" cy="461665"/>
-          </a:xfrm>
-          <a:prstGeom prst="rect">
-            <a:avLst/>
-          </a:prstGeom>
-          <a:noFill/>
-        </p:spPr>
-        <p:txBody>
-          <a:bodyPr wrap="square">
-            <a:spAutoFit/>
-          </a:bodyPr>
-          <a:lstStyle/>
-          <a:p>
-            <a:r>
-              <a:rPr lang="fr-FR" sz="1200" b="1" dirty="0">
-                <a:solidFill>
-                  <a:srgbClr val="333333"/>
-                </a:solidFill>
-                <a:latin typeface="Calibri" panose="020F0502020204030204" pitchFamily="34" charset="0"/>
-              </a:rPr>
-              <a:t>Enquête 2025</a:t>
-            </a:r>
-          </a:p>
-          <a:p>
-            <a:r>
-              <a:rPr lang="fr-FR" sz="1200" dirty="0">
-                <a:solidFill>
-                  <a:srgbClr val="333333"/>
-                </a:solidFill>
-                <a:latin typeface="Calibri" panose="020F0502020204030204" pitchFamily="34" charset="0"/>
-              </a:rPr>
-              <a:t>Promo 2024</a:t>
-            </a:r>
-            <a:endParaRPr lang="fr-FR" sz="1200" dirty="0"/>
-          </a:p>
-        </p:txBody>
-      </p:sp>
-      <p:pic>
-        <p:nvPicPr>
-          <p:cNvPr id="15" name="Image 14">
-            <a:extLst>
-              <a:ext uri="{FF2B5EF4-FFF2-40B4-BE49-F238E27FC236}">
-                <a16:creationId xmlns:a16="http://schemas.microsoft.com/office/drawing/2014/main" id="{A324F6BB-D777-341D-D19A-B01F95EE6C9F}"/>
-              </a:ext>
-            </a:extLst>
-          </p:cNvPr>
-          <p:cNvPicPr>
-            <a:picLocks noChangeAspect="1"/>
-          </p:cNvPicPr>
-          <p:nvPr/>
-        </p:nvPicPr>
-        <p:blipFill>
-          <a:blip r:embed="rId6"/>
-          <a:stretch>
-            <a:fillRect/>
-          </a:stretch>
-        </p:blipFill>
-        <p:spPr>
-          <a:xfrm>
-            <a:off x="10373399" y="4670363"/>
-            <a:ext cx="1209001" cy="1866528"/>
-          </a:xfrm>
-          <a:prstGeom prst="rect">
-            <a:avLst/>
-          </a:prstGeom>
-        </p:spPr>
-      </p:pic>
-      <p:sp>
-        <p:nvSpPr>
-          <p:cNvPr id="16" name="ZoneTexte 15">
-            <a:extLst>
-              <a:ext uri="{FF2B5EF4-FFF2-40B4-BE49-F238E27FC236}">
-                <a16:creationId xmlns:a16="http://schemas.microsoft.com/office/drawing/2014/main" id="{ED0FF9F4-E50C-8350-B196-3422B8A2EF14}"/>
-              </a:ext>
-            </a:extLst>
-          </p:cNvPr>
-          <p:cNvSpPr txBox="1"/>
-          <p:nvPr/>
-        </p:nvSpPr>
-        <p:spPr>
-          <a:xfrm>
-            <a:off x="9683871" y="1679203"/>
-            <a:ext cx="1294028" cy="461665"/>
-          </a:xfrm>
-          <a:prstGeom prst="rect">
-            <a:avLst/>
-          </a:prstGeom>
-          <a:noFill/>
-        </p:spPr>
-        <p:txBody>
-          <a:bodyPr wrap="square">
-            <a:spAutoFit/>
-          </a:bodyPr>
-          <a:lstStyle/>
-          <a:p>
-            <a:r>
-              <a:rPr lang="fr-FR" sz="1200" dirty="0">
-                <a:solidFill>
-                  <a:srgbClr val="333333"/>
-                </a:solidFill>
-                <a:latin typeface="Calibri" panose="020F0502020204030204" pitchFamily="34" charset="0"/>
-              </a:rPr>
-              <a:t>Enquête 2024</a:t>
-            </a:r>
-          </a:p>
-          <a:p>
-            <a:r>
-              <a:rPr lang="fr-FR" sz="1200" dirty="0">
-                <a:solidFill>
-                  <a:srgbClr val="333333"/>
-                </a:solidFill>
-                <a:latin typeface="Calibri" panose="020F0502020204030204" pitchFamily="34" charset="0"/>
-              </a:rPr>
-              <a:t>Promo 2023</a:t>
-            </a:r>
-            <a:endParaRPr lang="fr-FR" sz="1200" dirty="0"/>
-          </a:p>
-        </p:txBody>
-      </p:sp>
-      <p:sp>
-        <p:nvSpPr>
-          <p:cNvPr id="17" name="ZoneTexte 16">
-            <a:extLst>
-              <a:ext uri="{FF2B5EF4-FFF2-40B4-BE49-F238E27FC236}">
-                <a16:creationId xmlns:a16="http://schemas.microsoft.com/office/drawing/2014/main" id="{9BBA96EE-8769-5F39-538E-57D353B9AFDE}"/>
-              </a:ext>
-            </a:extLst>
-          </p:cNvPr>
-          <p:cNvSpPr txBox="1"/>
-          <p:nvPr/>
-        </p:nvSpPr>
-        <p:spPr>
-          <a:xfrm>
-            <a:off x="11020413" y="1679203"/>
-            <a:ext cx="1294028" cy="461665"/>
-          </a:xfrm>
-          <a:prstGeom prst="rect">
-            <a:avLst/>
-          </a:prstGeom>
-          <a:noFill/>
-        </p:spPr>
-        <p:txBody>
-          <a:bodyPr wrap="square">
-            <a:spAutoFit/>
-          </a:bodyPr>
-          <a:lstStyle/>
-          <a:p>
-            <a:r>
-              <a:rPr lang="fr-FR" sz="1200" dirty="0">
-                <a:solidFill>
-                  <a:srgbClr val="333333"/>
-                </a:solidFill>
-                <a:latin typeface="Calibri" panose="020F0502020204030204" pitchFamily="34" charset="0"/>
-              </a:rPr>
-              <a:t>Enquête 2024</a:t>
-            </a:r>
-          </a:p>
-          <a:p>
-            <a:r>
-              <a:rPr lang="fr-FR" sz="1200" dirty="0">
-                <a:solidFill>
-                  <a:srgbClr val="333333"/>
-                </a:solidFill>
-                <a:latin typeface="Calibri" panose="020F0502020204030204" pitchFamily="34" charset="0"/>
-              </a:rPr>
-              <a:t>CGE 2023</a:t>
-            </a:r>
-            <a:endParaRPr lang="fr-FR" sz="1200" dirty="0"/>
-          </a:p>
-        </p:txBody>
-      </p:sp>
-      <p:sp>
-        <p:nvSpPr>
-          <p:cNvPr id="18" name="ZoneTexte 17">
-            <a:extLst>
-              <a:ext uri="{FF2B5EF4-FFF2-40B4-BE49-F238E27FC236}">
-                <a16:creationId xmlns:a16="http://schemas.microsoft.com/office/drawing/2014/main" id="{FA559ACA-0014-F274-BE24-1DAB5A1A1E83}"/>
-              </a:ext>
-            </a:extLst>
-          </p:cNvPr>
-          <p:cNvSpPr txBox="1"/>
-          <p:nvPr/>
-        </p:nvSpPr>
-        <p:spPr>
-          <a:xfrm>
-            <a:off x="10408572" y="4204790"/>
-            <a:ext cx="1294028" cy="461665"/>
-          </a:xfrm>
-          <a:prstGeom prst="rect">
-            <a:avLst/>
-          </a:prstGeom>
-          <a:noFill/>
-        </p:spPr>
-        <p:txBody>
-          <a:bodyPr wrap="square">
-            <a:spAutoFit/>
-          </a:bodyPr>
-          <a:lstStyle/>
-          <a:p>
-            <a:r>
-              <a:rPr lang="fr-FR" sz="1200" b="1" dirty="0">
-                <a:solidFill>
-                  <a:srgbClr val="333333"/>
-                </a:solidFill>
-                <a:latin typeface="Calibri" panose="020F0502020204030204" pitchFamily="34" charset="0"/>
-              </a:rPr>
-              <a:t>Enquête 2025</a:t>
-            </a:r>
-          </a:p>
-          <a:p>
-            <a:r>
-              <a:rPr lang="fr-FR" sz="1200" dirty="0">
-                <a:solidFill>
-                  <a:srgbClr val="333333"/>
-                </a:solidFill>
-                <a:latin typeface="Calibri" panose="020F0502020204030204" pitchFamily="34" charset="0"/>
-              </a:rPr>
-              <a:t>Promo 2024</a:t>
+              <a:t>Salaires bruts / en France</a:t>
             </a:r>
             <a:endParaRPr lang="fr-FR" sz="1200" dirty="0"/>
           </a:p>
@@ -10569,7 +11538,7 @@
           <a:effectLst/>
           <a:extLst>
             <a:ext uri="{AF507438-7753-43e0-B8FC-AC1667EBCBE1}">
-              <a14:hiddenEffects xmlns="" xmlns:a14="http://schemas.microsoft.com/office/drawing/2010/main">
+              <a14:hiddenEffects xmlns:a14="http://schemas.microsoft.com/office/drawing/2010/main" xmlns="">
                 <a:effectLst>
                   <a:outerShdw dist="35921" dir="2700000" algn="ctr" rotWithShape="0">
                     <a:schemeClr val="bg2"/>
@@ -10855,6 +11824,43 @@
           </a:p>
         </p:txBody>
       </p:sp>
+      <p:cxnSp>
+        <p:nvCxnSpPr>
+          <p:cNvPr id="4" name="Connecteur droit 3">
+            <a:extLst>
+              <a:ext uri="{FF2B5EF4-FFF2-40B4-BE49-F238E27FC236}">
+                <a16:creationId xmlns:a16="http://schemas.microsoft.com/office/drawing/2014/main" id="{74D59C6E-6AD8-71D2-D6BE-493FEBD67B51}"/>
+              </a:ext>
+            </a:extLst>
+          </p:cNvPr>
+          <p:cNvCxnSpPr>
+            <a:cxnSpLocks/>
+          </p:cNvCxnSpPr>
+          <p:nvPr/>
+        </p:nvCxnSpPr>
+        <p:spPr bwMode="auto">
+          <a:xfrm>
+            <a:off x="6528048" y="3212976"/>
+            <a:ext cx="0" cy="3321571"/>
+          </a:xfrm>
+          <a:prstGeom prst="line">
+            <a:avLst/>
+          </a:prstGeom>
+          <a:solidFill>
+            <a:schemeClr val="accent1"/>
+          </a:solidFill>
+          <a:ln w="57150" cap="flat" cmpd="sng" algn="ctr">
+            <a:solidFill>
+              <a:srgbClr val="002060"/>
+            </a:solidFill>
+            <a:prstDash val="solid"/>
+            <a:round/>
+            <a:headEnd type="none" w="med" len="med"/>
+            <a:tailEnd type="none" w="med" len="med"/>
+          </a:ln>
+          <a:effectLst/>
+        </p:spPr>
+      </p:cxnSp>
     </p:spTree>
     <p:extLst>
       <p:ext uri="{BB962C8B-B14F-4D97-AF65-F5344CB8AC3E}">
@@ -10952,7 +11958,7 @@
           <a:effectLst/>
           <a:extLst>
             <a:ext uri="{AF507438-7753-43e0-B8FC-AC1667EBCBE1}">
-              <a14:hiddenEffects xmlns:a14="http://schemas.microsoft.com/office/drawing/2010/main" xmlns="">
+              <a14:hiddenEffects xmlns="" xmlns:a14="http://schemas.microsoft.com/office/drawing/2010/main">
                 <a:effectLst>
                   <a:outerShdw dist="35921" dir="2700000" algn="ctr" rotWithShape="0">
                     <a:schemeClr val="bg2"/>
@@ -11188,7 +12194,7 @@
           <a:effectLst/>
           <a:extLst>
             <a:ext uri="{AF507438-7753-43e0-B8FC-AC1667EBCBE1}">
-              <a14:hiddenEffects xmlns="" xmlns:a14="http://schemas.microsoft.com/office/drawing/2010/main">
+              <a14:hiddenEffects xmlns:a14="http://schemas.microsoft.com/office/drawing/2010/main" xmlns="">
                 <a:effectLst>
                   <a:outerShdw dist="35921" dir="2700000" algn="ctr" rotWithShape="0">
                     <a:schemeClr val="bg2"/>
@@ -11525,7 +12531,7 @@
           <a:effectLst/>
           <a:extLst>
             <a:ext uri="{AF507438-7753-43e0-B8FC-AC1667EBCBE1}">
-              <a14:hiddenEffects xmlns:a14="http://schemas.microsoft.com/office/drawing/2010/main" xmlns="">
+              <a14:hiddenEffects xmlns="" xmlns:a14="http://schemas.microsoft.com/office/drawing/2010/main">
                 <a:effectLst>
                   <a:outerShdw dist="35921" dir="2700000" algn="ctr" rotWithShape="0">
                     <a:schemeClr val="bg2"/>
@@ -12295,90 +13301,6 @@
               <a:latin typeface="Arial" charset="0"/>
               <a:ea typeface="MS PGothic" pitchFamily="34" charset="-128"/>
             </a:endParaRPr>
-          </a:p>
-        </p:txBody>
-      </p:sp>
-      <p:sp>
-        <p:nvSpPr>
-          <p:cNvPr id="12" name="Flèche : chevron 11">
-            <a:extLst>
-              <a:ext uri="{FF2B5EF4-FFF2-40B4-BE49-F238E27FC236}">
-                <a16:creationId xmlns:a16="http://schemas.microsoft.com/office/drawing/2014/main" id="{F80DFC1C-A407-4925-C139-C4A3551657D4}"/>
-              </a:ext>
-            </a:extLst>
-          </p:cNvPr>
-          <p:cNvSpPr/>
-          <p:nvPr/>
-        </p:nvSpPr>
-        <p:spPr bwMode="auto">
-          <a:xfrm>
-            <a:off x="5375920" y="5753356"/>
-            <a:ext cx="4536504" cy="307777"/>
-          </a:xfrm>
-          <a:prstGeom prst="chevron">
-            <a:avLst/>
-          </a:prstGeom>
-          <a:solidFill>
-            <a:srgbClr val="FF960A"/>
-          </a:solidFill>
-          <a:ln w="9525" cap="flat" cmpd="sng" algn="ctr">
-            <a:noFill/>
-            <a:prstDash val="solid"/>
-            <a:round/>
-            <a:headEnd type="none" w="med" len="med"/>
-            <a:tailEnd type="none" w="med" len="med"/>
-          </a:ln>
-          <a:effectLst/>
-          <a:extLst>
-            <a:ext uri="{AF507438-7753-43e0-B8FC-AC1667EBCBE1}">
-              <a14:hiddenEffects xmlns:a14="http://schemas.microsoft.com/office/drawing/2010/main" xmlns="">
-                <a:effectLst>
-                  <a:outerShdw dist="35921" dir="2700000" algn="ctr" rotWithShape="0">
-                    <a:schemeClr val="bg2"/>
-                  </a:outerShdw>
-                </a:effectLst>
-              </a14:hiddenEffects>
-            </a:ext>
-          </a:extLst>
-        </p:spPr>
-        <p:txBody>
-          <a:bodyPr vert="horz" wrap="square" lIns="91440" tIns="45720" rIns="91440" bIns="45720" numCol="1" rtlCol="0" anchor="t" anchorCtr="0" compatLnSpc="1">
-            <a:prstTxWarp prst="textNoShape">
-              <a:avLst/>
-            </a:prstTxWarp>
-          </a:bodyPr>
-          <a:lstStyle/>
-          <a:p>
-            <a:pPr marL="0" marR="0" indent="0" algn="ctr" defTabSz="914400" rtl="0" eaLnBrk="0" fontAlgn="base" latinLnBrk="0" hangingPunct="0">
-              <a:lnSpc>
-                <a:spcPct val="100000"/>
-              </a:lnSpc>
-              <a:spcBef>
-                <a:spcPct val="0"/>
-              </a:spcBef>
-              <a:spcAft>
-                <a:spcPct val="0"/>
-              </a:spcAft>
-              <a:buClrTx/>
-              <a:buSzTx/>
-              <a:buFontTx/>
-              <a:buNone/>
-              <a:tabLst/>
-            </a:pPr>
-            <a:r>
-              <a:rPr kumimoji="0" lang="fr-FR" b="1" i="0" u="none" strike="noStrike" cap="none" normalizeH="0" baseline="0" dirty="0">
-                <a:ln>
-                  <a:noFill/>
-                </a:ln>
-                <a:solidFill>
-                  <a:schemeClr val="bg1"/>
-                </a:solidFill>
-                <a:effectLst/>
-                <a:latin typeface="Arial" charset="0"/>
-                <a:ea typeface="ＭＳ Ｐゴシック" pitchFamily="1" charset="-128"/>
-              </a:rPr>
-              <a:t>Revoir l’insertion à l’IOGS / FHP</a:t>
-            </a:r>
           </a:p>
         </p:txBody>
       </p:sp>
@@ -12479,7 +13401,7 @@
           <a:effectLst/>
           <a:extLst>
             <a:ext uri="{AF507438-7753-43e0-B8FC-AC1667EBCBE1}">
-              <a14:hiddenEffects xmlns="" xmlns:a14="http://schemas.microsoft.com/office/drawing/2010/main">
+              <a14:hiddenEffects xmlns:a14="http://schemas.microsoft.com/office/drawing/2010/main" xmlns="">
                 <a:effectLst>
                   <a:outerShdw dist="35921" dir="2700000" algn="ctr" rotWithShape="0">
                     <a:schemeClr val="bg2"/>

--- a/Presentations/2025_CoFor_CGE_2024_2025.pptx
+++ b/Presentations/2025_CoFor_CGE_2024_2025.pptx
@@ -6,10 +6,10 @@
     <p:sldMasterId id="2147483664" r:id="rId2"/>
   </p:sldMasterIdLst>
   <p:notesMasterIdLst>
-    <p:notesMasterId r:id="rId15"/>
+    <p:notesMasterId r:id="rId13"/>
   </p:notesMasterIdLst>
   <p:handoutMasterIdLst>
-    <p:handoutMasterId r:id="rId16"/>
+    <p:handoutMasterId r:id="rId14"/>
   </p:handoutMasterIdLst>
   <p:sldIdLst>
     <p:sldId id="314" r:id="rId3"/>
@@ -22,8 +22,6 @@
     <p:sldId id="328" r:id="rId10"/>
     <p:sldId id="330" r:id="rId11"/>
     <p:sldId id="335" r:id="rId12"/>
-    <p:sldId id="331" r:id="rId13"/>
-    <p:sldId id="332" r:id="rId14"/>
   </p:sldIdLst>
   <p:sldSz cx="12192000" cy="6858000"/>
   <p:notesSz cx="6797675" cy="9928225"/>
@@ -167,8 +165,6 @@
             <p14:sldId id="328"/>
             <p14:sldId id="330"/>
             <p14:sldId id="335"/>
-            <p14:sldId id="331"/>
-            <p14:sldId id="332"/>
           </p14:sldIdLst>
         </p14:section>
       </p14:sectionLst>
@@ -489,7 +485,7 @@
             <a:fld id="{9202EF97-A5BF-E644-B5D7-99A720C3808E}" type="datetimeFigureOut">
               <a:rPr lang="fr-FR"/>
               <a:pPr/>
-              <a:t>26/06/2025</a:t>
+              <a:t>13/11/2025</a:t>
             </a:fld>
             <a:endParaRPr lang="fr-FR"/>
           </a:p>
@@ -531,7 +527,7 @@
               </a14:hiddenFill>
             </a:ext>
             <a:ext uri="{FAA26D3D-D897-4be2-8F04-BA451C77F1D7}">
-              <ma14:placeholderFlag xmlns="" xmlns:ma14="http://schemas.microsoft.com/office/mac/drawingml/2011/main" val="1"/>
+              <ma14:placeholderFlag xmlns:ma14="http://schemas.microsoft.com/office/mac/drawingml/2011/main" xmlns="" val="1"/>
             </a:ext>
           </a:extLst>
         </p:spPr>
@@ -785,200 +781,6 @@
     </a:lvl9pPr>
   </p:notesStyle>
 </p:notesMaster>
-</file>
-
-<file path=ppt/notesSlides/notesSlide1.xml><?xml version="1.0" encoding="utf-8"?>
-<p:notes xmlns:a="http://schemas.openxmlformats.org/drawingml/2006/main" xmlns:r="http://schemas.openxmlformats.org/officeDocument/2006/relationships" xmlns:p="http://schemas.openxmlformats.org/presentationml/2006/main">
-  <p:cSld>
-    <p:spTree>
-      <p:nvGrpSpPr>
-        <p:cNvPr id="1" name=""/>
-        <p:cNvGrpSpPr/>
-        <p:nvPr/>
-      </p:nvGrpSpPr>
-      <p:grpSpPr>
-        <a:xfrm>
-          <a:off x="0" y="0"/>
-          <a:ext cx="0" cy="0"/>
-          <a:chOff x="0" y="0"/>
-          <a:chExt cx="0" cy="0"/>
-        </a:xfrm>
-      </p:grpSpPr>
-      <p:sp>
-        <p:nvSpPr>
-          <p:cNvPr id="2" name="Espace réservé de l'image des diapositives 1"/>
-          <p:cNvSpPr>
-            <a:spLocks noGrp="1" noRot="1" noChangeAspect="1"/>
-          </p:cNvSpPr>
-          <p:nvPr>
-            <p:ph type="sldImg"/>
-          </p:nvPr>
-        </p:nvSpPr>
-        <p:spPr/>
-      </p:sp>
-      <p:sp>
-        <p:nvSpPr>
-          <p:cNvPr id="3" name="Espace réservé des notes 2"/>
-          <p:cNvSpPr>
-            <a:spLocks noGrp="1"/>
-          </p:cNvSpPr>
-          <p:nvPr>
-            <p:ph type="body" idx="1"/>
-          </p:nvPr>
-        </p:nvSpPr>
-        <p:spPr/>
-        <p:txBody>
-          <a:bodyPr/>
-          <a:lstStyle/>
-          <a:p>
-            <a:endParaRPr lang="fr-FR" dirty="0"/>
-          </a:p>
-        </p:txBody>
-      </p:sp>
-      <p:sp>
-        <p:nvSpPr>
-          <p:cNvPr id="4" name="Espace réservé du numéro de diapositive 3"/>
-          <p:cNvSpPr>
-            <a:spLocks noGrp="1"/>
-          </p:cNvSpPr>
-          <p:nvPr>
-            <p:ph type="sldNum" sz="quarter" idx="5"/>
-          </p:nvPr>
-        </p:nvSpPr>
-        <p:spPr/>
-        <p:txBody>
-          <a:bodyPr/>
-          <a:lstStyle/>
-          <a:p>
-            <a:fld id="{C5D8CFC6-2EE8-4043-8C44-71F3876B9617}" type="slidenum">
-              <a:rPr lang="fr-FR" smtClean="0"/>
-              <a:pPr/>
-              <a:t>11</a:t>
-            </a:fld>
-            <a:endParaRPr lang="fr-FR"/>
-          </a:p>
-        </p:txBody>
-      </p:sp>
-    </p:spTree>
-    <p:extLst>
-      <p:ext uri="{BB962C8B-B14F-4D97-AF65-F5344CB8AC3E}">
-        <p14:creationId xmlns:p14="http://schemas.microsoft.com/office/powerpoint/2010/main" val="1682285598"/>
-      </p:ext>
-    </p:extLst>
-  </p:cSld>
-  <p:clrMapOvr>
-    <a:masterClrMapping/>
-  </p:clrMapOvr>
-</p:notes>
-</file>
-
-<file path=ppt/notesSlides/notesSlide2.xml><?xml version="1.0" encoding="utf-8"?>
-<p:notes xmlns:a="http://schemas.openxmlformats.org/drawingml/2006/main" xmlns:r="http://schemas.openxmlformats.org/officeDocument/2006/relationships" xmlns:p="http://schemas.openxmlformats.org/presentationml/2006/main">
-  <p:cSld>
-    <p:spTree>
-      <p:nvGrpSpPr>
-        <p:cNvPr id="1" name="">
-          <a:extLst>
-            <a:ext uri="{FF2B5EF4-FFF2-40B4-BE49-F238E27FC236}">
-              <a16:creationId xmlns:a16="http://schemas.microsoft.com/office/drawing/2014/main" id="{B5A3840B-679C-0605-FB4E-2998A44A69D3}"/>
-            </a:ext>
-          </a:extLst>
-        </p:cNvPr>
-        <p:cNvGrpSpPr/>
-        <p:nvPr/>
-      </p:nvGrpSpPr>
-      <p:grpSpPr>
-        <a:xfrm>
-          <a:off x="0" y="0"/>
-          <a:ext cx="0" cy="0"/>
-          <a:chOff x="0" y="0"/>
-          <a:chExt cx="0" cy="0"/>
-        </a:xfrm>
-      </p:grpSpPr>
-      <p:sp>
-        <p:nvSpPr>
-          <p:cNvPr id="2" name="Espace réservé de l'image des diapositives 1">
-            <a:extLst>
-              <a:ext uri="{FF2B5EF4-FFF2-40B4-BE49-F238E27FC236}">
-                <a16:creationId xmlns:a16="http://schemas.microsoft.com/office/drawing/2014/main" id="{EE80FB96-CA4F-8CA2-7404-FFC8491F1098}"/>
-              </a:ext>
-            </a:extLst>
-          </p:cNvPr>
-          <p:cNvSpPr>
-            <a:spLocks noGrp="1" noRot="1" noChangeAspect="1"/>
-          </p:cNvSpPr>
-          <p:nvPr>
-            <p:ph type="sldImg"/>
-          </p:nvPr>
-        </p:nvSpPr>
-        <p:spPr/>
-      </p:sp>
-      <p:sp>
-        <p:nvSpPr>
-          <p:cNvPr id="3" name="Espace réservé des notes 2">
-            <a:extLst>
-              <a:ext uri="{FF2B5EF4-FFF2-40B4-BE49-F238E27FC236}">
-                <a16:creationId xmlns:a16="http://schemas.microsoft.com/office/drawing/2014/main" id="{FC974624-5123-B336-4C9D-93A49018BEDF}"/>
-              </a:ext>
-            </a:extLst>
-          </p:cNvPr>
-          <p:cNvSpPr>
-            <a:spLocks noGrp="1"/>
-          </p:cNvSpPr>
-          <p:nvPr>
-            <p:ph type="body" idx="1"/>
-          </p:nvPr>
-        </p:nvSpPr>
-        <p:spPr/>
-        <p:txBody>
-          <a:bodyPr/>
-          <a:lstStyle/>
-          <a:p>
-            <a:endParaRPr lang="fr-FR" dirty="0"/>
-          </a:p>
-        </p:txBody>
-      </p:sp>
-      <p:sp>
-        <p:nvSpPr>
-          <p:cNvPr id="4" name="Espace réservé du numéro de diapositive 3">
-            <a:extLst>
-              <a:ext uri="{FF2B5EF4-FFF2-40B4-BE49-F238E27FC236}">
-                <a16:creationId xmlns:a16="http://schemas.microsoft.com/office/drawing/2014/main" id="{D2CA2201-D367-6EC4-8957-03E06DC3F20B}"/>
-              </a:ext>
-            </a:extLst>
-          </p:cNvPr>
-          <p:cNvSpPr>
-            <a:spLocks noGrp="1"/>
-          </p:cNvSpPr>
-          <p:nvPr>
-            <p:ph type="sldNum" sz="quarter" idx="5"/>
-          </p:nvPr>
-        </p:nvSpPr>
-        <p:spPr/>
-        <p:txBody>
-          <a:bodyPr/>
-          <a:lstStyle/>
-          <a:p>
-            <a:fld id="{C5D8CFC6-2EE8-4043-8C44-71F3876B9617}" type="slidenum">
-              <a:rPr lang="fr-FR" smtClean="0"/>
-              <a:pPr/>
-              <a:t>12</a:t>
-            </a:fld>
-            <a:endParaRPr lang="fr-FR"/>
-          </a:p>
-        </p:txBody>
-      </p:sp>
-    </p:spTree>
-    <p:extLst>
-      <p:ext uri="{BB962C8B-B14F-4D97-AF65-F5344CB8AC3E}">
-        <p14:creationId xmlns:p14="http://schemas.microsoft.com/office/powerpoint/2010/main" val="308968454"/>
-      </p:ext>
-    </p:extLst>
-  </p:cSld>
-  <p:clrMapOvr>
-    <a:masterClrMapping/>
-  </p:clrMapOvr>
-</p:notes>
 </file>
 
 <file path=ppt/slideLayouts/slideLayout1.xml><?xml version="1.0" encoding="utf-8"?>
@@ -6311,6 +6113,42 @@
           </a:extLst>
         </p:spPr>
       </p:pic>
+      <p:pic>
+        <p:nvPicPr>
+          <p:cNvPr id="8" name="Image 7" descr="Une image contenant texte, Police, Graphique, logo&#10;&#10;Le contenu généré par l’IA peut être incorrect.">
+            <a:extLst>
+              <a:ext uri="{FF2B5EF4-FFF2-40B4-BE49-F238E27FC236}">
+                <a16:creationId xmlns:a16="http://schemas.microsoft.com/office/drawing/2014/main" id="{88FCAEB8-6E3D-3A5A-DC02-0193743BEBDC}"/>
+              </a:ext>
+            </a:extLst>
+          </p:cNvPr>
+          <p:cNvPicPr>
+            <a:picLocks noChangeAspect="1"/>
+          </p:cNvPicPr>
+          <p:nvPr/>
+        </p:nvPicPr>
+        <p:blipFill>
+          <a:blip r:embed="rId3">
+            <a:extLst>
+              <a:ext uri="{28A0092B-C50C-407E-A947-70E740481C1C}">
+                <a14:useLocalDpi xmlns:a14="http://schemas.microsoft.com/office/drawing/2010/main" val="0"/>
+              </a:ext>
+            </a:extLst>
+          </a:blip>
+          <a:stretch>
+            <a:fillRect/>
+          </a:stretch>
+        </p:blipFill>
+        <p:spPr>
+          <a:xfrm>
+            <a:off x="407368" y="54449"/>
+            <a:ext cx="4343400" cy="1524762"/>
+          </a:xfrm>
+          <a:prstGeom prst="rect">
+            <a:avLst/>
+          </a:prstGeom>
+        </p:spPr>
+      </p:pic>
     </p:spTree>
     <p:extLst>
       <p:ext uri="{BB962C8B-B14F-4D97-AF65-F5344CB8AC3E}">
@@ -6408,7 +6246,7 @@
           <a:effectLst/>
           <a:extLst>
             <a:ext uri="{AF507438-7753-43e0-B8FC-AC1667EBCBE1}">
-              <a14:hiddenEffects xmlns:a14="http://schemas.microsoft.com/office/drawing/2010/main" xmlns="">
+              <a14:hiddenEffects xmlns="" xmlns:a14="http://schemas.microsoft.com/office/drawing/2010/main">
                 <a:effectLst>
                   <a:outerShdw dist="35921" dir="2700000" algn="ctr" rotWithShape="0">
                     <a:schemeClr val="bg2"/>
@@ -7205,677 +7043,6 @@
         <p:spPr bwMode="auto">
           <a:xfrm>
             <a:off x="767406" y="4797152"/>
-            <a:ext cx="3312369" cy="307777"/>
-          </a:xfrm>
-          <a:prstGeom prst="chevron">
-            <a:avLst/>
-          </a:prstGeom>
-          <a:solidFill>
-            <a:srgbClr val="00305E"/>
-          </a:solidFill>
-          <a:ln w="9525" cap="flat" cmpd="sng" algn="ctr">
-            <a:noFill/>
-            <a:prstDash val="solid"/>
-            <a:round/>
-            <a:headEnd type="none" w="med" len="med"/>
-            <a:tailEnd type="none" w="med" len="med"/>
-          </a:ln>
-          <a:effectLst/>
-          <a:extLst>
-            <a:ext uri="{AF507438-7753-43e0-B8FC-AC1667EBCBE1}">
-              <a14:hiddenEffects xmlns="" xmlns:a14="http://schemas.microsoft.com/office/drawing/2010/main">
-                <a:effectLst>
-                  <a:outerShdw dist="35921" dir="2700000" algn="ctr" rotWithShape="0">
-                    <a:schemeClr val="bg2"/>
-                  </a:outerShdw>
-                </a:effectLst>
-              </a14:hiddenEffects>
-            </a:ext>
-          </a:extLst>
-        </p:spPr>
-        <p:txBody>
-          <a:bodyPr vert="horz" wrap="square" lIns="91440" tIns="45720" rIns="91440" bIns="45720" numCol="1" rtlCol="0" anchor="t" anchorCtr="0" compatLnSpc="1">
-            <a:prstTxWarp prst="textNoShape">
-              <a:avLst/>
-            </a:prstTxWarp>
-          </a:bodyPr>
-          <a:lstStyle/>
-          <a:p>
-            <a:pPr marL="0" marR="0" indent="0" algn="ctr" defTabSz="914400" rtl="0" eaLnBrk="0" fontAlgn="base" latinLnBrk="0" hangingPunct="0">
-              <a:lnSpc>
-                <a:spcPct val="100000"/>
-              </a:lnSpc>
-              <a:spcBef>
-                <a:spcPct val="0"/>
-              </a:spcBef>
-              <a:spcAft>
-                <a:spcPct val="0"/>
-              </a:spcAft>
-              <a:buClrTx/>
-              <a:buSzTx/>
-              <a:buFontTx/>
-              <a:buNone/>
-              <a:tabLst/>
-            </a:pPr>
-            <a:r>
-              <a:rPr kumimoji="0" lang="fr-FR" b="1" i="0" u="none" strike="noStrike" cap="none" normalizeH="0" baseline="0" dirty="0">
-                <a:ln>
-                  <a:noFill/>
-                </a:ln>
-                <a:solidFill>
-                  <a:schemeClr val="bg1"/>
-                </a:solidFill>
-                <a:effectLst/>
-                <a:latin typeface="Arial" charset="0"/>
-                <a:ea typeface="ＭＳ Ｐゴシック" pitchFamily="1" charset="-128"/>
-              </a:rPr>
-              <a:t>Thèses</a:t>
-            </a:r>
-          </a:p>
-        </p:txBody>
-      </p:sp>
-      <p:sp>
-        <p:nvSpPr>
-          <p:cNvPr id="24" name="ZoneTexte 23">
-            <a:extLst>
-              <a:ext uri="{FF2B5EF4-FFF2-40B4-BE49-F238E27FC236}">
-                <a16:creationId xmlns:a16="http://schemas.microsoft.com/office/drawing/2014/main" id="{45394560-3665-1B94-E47C-65C98D57F842}"/>
-              </a:ext>
-            </a:extLst>
-          </p:cNvPr>
-          <p:cNvSpPr txBox="1"/>
-          <p:nvPr/>
-        </p:nvSpPr>
-        <p:spPr>
-          <a:xfrm>
-            <a:off x="4566151" y="1686406"/>
-            <a:ext cx="3096344" cy="307777"/>
-          </a:xfrm>
-          <a:prstGeom prst="rect">
-            <a:avLst/>
-          </a:prstGeom>
-          <a:noFill/>
-        </p:spPr>
-        <p:txBody>
-          <a:bodyPr wrap="square">
-            <a:spAutoFit/>
-          </a:bodyPr>
-          <a:lstStyle/>
-          <a:p>
-            <a:r>
-              <a:rPr lang="fr-FR" sz="1400" dirty="0">
-                <a:solidFill>
-                  <a:srgbClr val="333333"/>
-                </a:solidFill>
-                <a:latin typeface="Calibri" panose="020F0502020204030204" pitchFamily="34" charset="0"/>
-              </a:rPr>
-              <a:t>100% en France (thèses et activité prof.)</a:t>
-            </a:r>
-            <a:endParaRPr lang="fr-FR" sz="1400" dirty="0"/>
-          </a:p>
-        </p:txBody>
-      </p:sp>
-      <p:sp>
-        <p:nvSpPr>
-          <p:cNvPr id="25" name="ZoneTexte 24">
-            <a:extLst>
-              <a:ext uri="{FF2B5EF4-FFF2-40B4-BE49-F238E27FC236}">
-                <a16:creationId xmlns:a16="http://schemas.microsoft.com/office/drawing/2014/main" id="{37DD2768-28F1-E5D6-23B4-60934FC70C50}"/>
-              </a:ext>
-            </a:extLst>
-          </p:cNvPr>
-          <p:cNvSpPr txBox="1"/>
-          <p:nvPr/>
-        </p:nvSpPr>
-        <p:spPr>
-          <a:xfrm>
-            <a:off x="1559494" y="5949280"/>
-            <a:ext cx="8136906" cy="338554"/>
-          </a:xfrm>
-          <a:prstGeom prst="rect">
-            <a:avLst/>
-          </a:prstGeom>
-          <a:noFill/>
-        </p:spPr>
-        <p:txBody>
-          <a:bodyPr wrap="square">
-            <a:spAutoFit/>
-          </a:bodyPr>
-          <a:lstStyle/>
-          <a:p>
-            <a:r>
-              <a:rPr lang="fr-FR" dirty="0">
-                <a:solidFill>
-                  <a:srgbClr val="333333"/>
-                </a:solidFill>
-                <a:latin typeface="Calibri" panose="020F0502020204030204" pitchFamily="34" charset="0"/>
-              </a:rPr>
-              <a:t>3 / 30 	à l’</a:t>
-            </a:r>
-            <a:r>
-              <a:rPr lang="fr-FR" b="1" dirty="0">
-                <a:solidFill>
-                  <a:srgbClr val="333333"/>
-                </a:solidFill>
-                <a:latin typeface="Calibri" panose="020F0502020204030204" pitchFamily="34" charset="0"/>
-              </a:rPr>
-              <a:t>étranger</a:t>
-            </a:r>
-            <a:r>
-              <a:rPr lang="fr-FR" dirty="0">
-                <a:solidFill>
-                  <a:srgbClr val="333333"/>
-                </a:solidFill>
-                <a:latin typeface="Calibri" panose="020F0502020204030204" pitchFamily="34" charset="0"/>
-              </a:rPr>
-              <a:t>   (2x Japon, 1x Danemark)		</a:t>
-            </a:r>
-            <a:r>
-              <a:rPr lang="fr-FR" b="1" dirty="0">
-                <a:solidFill>
-                  <a:schemeClr val="bg1"/>
-                </a:solidFill>
-                <a:highlight>
-                  <a:srgbClr val="222268"/>
-                </a:highlight>
-                <a:latin typeface="Calibri" panose="020F0502020204030204" pitchFamily="34" charset="0"/>
-              </a:rPr>
-              <a:t> 14,7 %     CGE 2025 </a:t>
-            </a:r>
-            <a:r>
-              <a:rPr lang="fr-FR" dirty="0">
-                <a:solidFill>
-                  <a:srgbClr val="333333"/>
-                </a:solidFill>
-                <a:latin typeface="Calibri" panose="020F0502020204030204" pitchFamily="34" charset="0"/>
-              </a:rPr>
-              <a:t>	</a:t>
-            </a:r>
-            <a:endParaRPr lang="fr-FR" dirty="0"/>
-          </a:p>
-        </p:txBody>
-      </p:sp>
-      <p:sp>
-        <p:nvSpPr>
-          <p:cNvPr id="26" name="ZoneTexte 25">
-            <a:extLst>
-              <a:ext uri="{FF2B5EF4-FFF2-40B4-BE49-F238E27FC236}">
-                <a16:creationId xmlns:a16="http://schemas.microsoft.com/office/drawing/2014/main" id="{223D78A2-4F52-C17D-D565-C4A7389ED652}"/>
-              </a:ext>
-            </a:extLst>
-          </p:cNvPr>
-          <p:cNvSpPr txBox="1"/>
-          <p:nvPr/>
-        </p:nvSpPr>
-        <p:spPr>
-          <a:xfrm>
-            <a:off x="1559494" y="6258798"/>
-            <a:ext cx="4752530" cy="338554"/>
-          </a:xfrm>
-          <a:prstGeom prst="rect">
-            <a:avLst/>
-          </a:prstGeom>
-          <a:noFill/>
-        </p:spPr>
-        <p:txBody>
-          <a:bodyPr wrap="square">
-            <a:spAutoFit/>
-          </a:bodyPr>
-          <a:lstStyle/>
-          <a:p>
-            <a:r>
-              <a:rPr lang="fr-FR" dirty="0">
-                <a:solidFill>
-                  <a:srgbClr val="333333"/>
-                </a:solidFill>
-                <a:latin typeface="Calibri" panose="020F0502020204030204" pitchFamily="34" charset="0"/>
-              </a:rPr>
-              <a:t>2 LCF, 1 LHC, 1 LP2N</a:t>
-            </a:r>
-            <a:endParaRPr lang="fr-FR" dirty="0"/>
-          </a:p>
-        </p:txBody>
-      </p:sp>
-      <p:sp>
-        <p:nvSpPr>
-          <p:cNvPr id="27" name="ZoneTexte 26">
-            <a:extLst>
-              <a:ext uri="{FF2B5EF4-FFF2-40B4-BE49-F238E27FC236}">
-                <a16:creationId xmlns:a16="http://schemas.microsoft.com/office/drawing/2014/main" id="{0B430199-A170-B95D-8909-0409B7FE0347}"/>
-              </a:ext>
-            </a:extLst>
-          </p:cNvPr>
-          <p:cNvSpPr txBox="1"/>
-          <p:nvPr/>
-        </p:nvSpPr>
-        <p:spPr>
-          <a:xfrm>
-            <a:off x="1559494" y="5217122"/>
-            <a:ext cx="4752530" cy="338554"/>
-          </a:xfrm>
-          <a:prstGeom prst="rect">
-            <a:avLst/>
-          </a:prstGeom>
-          <a:noFill/>
-        </p:spPr>
-        <p:txBody>
-          <a:bodyPr wrap="square">
-            <a:spAutoFit/>
-          </a:bodyPr>
-          <a:lstStyle/>
-          <a:p>
-            <a:r>
-              <a:rPr lang="fr-FR" dirty="0">
-                <a:solidFill>
-                  <a:srgbClr val="333333"/>
-                </a:solidFill>
-                <a:latin typeface="Calibri" panose="020F0502020204030204" pitchFamily="34" charset="0"/>
-              </a:rPr>
-              <a:t>30 / 84 	</a:t>
-            </a:r>
-            <a:r>
-              <a:rPr lang="fr-FR" b="1" dirty="0">
-                <a:solidFill>
-                  <a:srgbClr val="333333"/>
-                </a:solidFill>
-                <a:latin typeface="Calibri" panose="020F0502020204030204" pitchFamily="34" charset="0"/>
-              </a:rPr>
-              <a:t>36 %              	 </a:t>
-            </a:r>
-            <a:r>
-              <a:rPr lang="fr-FR" b="1" dirty="0">
-                <a:solidFill>
-                  <a:schemeClr val="bg1"/>
-                </a:solidFill>
-                <a:highlight>
-                  <a:srgbClr val="222268"/>
-                </a:highlight>
-                <a:latin typeface="Calibri" panose="020F0502020204030204" pitchFamily="34" charset="0"/>
-              </a:rPr>
-              <a:t> 5,6 %     CGE 2025</a:t>
-            </a:r>
-            <a:endParaRPr lang="fr-FR" b="1" dirty="0">
-              <a:solidFill>
-                <a:schemeClr val="bg1"/>
-              </a:solidFill>
-              <a:highlight>
-                <a:srgbClr val="222268"/>
-              </a:highlight>
-            </a:endParaRPr>
-          </a:p>
-        </p:txBody>
-      </p:sp>
-    </p:spTree>
-    <p:extLst>
-      <p:ext uri="{BB962C8B-B14F-4D97-AF65-F5344CB8AC3E}">
-        <p14:creationId xmlns:p14="http://schemas.microsoft.com/office/powerpoint/2010/main" val="880639409"/>
-      </p:ext>
-    </p:extLst>
-  </p:cSld>
-  <p:clrMapOvr>
-    <a:masterClrMapping/>
-  </p:clrMapOvr>
-</p:sld>
-</file>
-
-<file path=ppt/slides/slide11.xml><?xml version="1.0" encoding="utf-8"?>
-<p:sld xmlns:a="http://schemas.openxmlformats.org/drawingml/2006/main" xmlns:r="http://schemas.openxmlformats.org/officeDocument/2006/relationships" xmlns:p="http://schemas.openxmlformats.org/presentationml/2006/main">
-  <p:cSld>
-    <p:spTree>
-      <p:nvGrpSpPr>
-        <p:cNvPr id="1" name="">
-          <a:extLst>
-            <a:ext uri="{FF2B5EF4-FFF2-40B4-BE49-F238E27FC236}">
-              <a16:creationId xmlns:a16="http://schemas.microsoft.com/office/drawing/2014/main" id="{B99C7A6B-25F1-8A81-A738-5B913CD7B6C3}"/>
-            </a:ext>
-          </a:extLst>
-        </p:cNvPr>
-        <p:cNvGrpSpPr/>
-        <p:nvPr/>
-      </p:nvGrpSpPr>
-      <p:grpSpPr>
-        <a:xfrm>
-          <a:off x="0" y="0"/>
-          <a:ext cx="0" cy="0"/>
-          <a:chOff x="0" y="0"/>
-          <a:chExt cx="0" cy="0"/>
-        </a:xfrm>
-      </p:grpSpPr>
-      <p:sp>
-        <p:nvSpPr>
-          <p:cNvPr id="2" name="Titre 1">
-            <a:extLst>
-              <a:ext uri="{FF2B5EF4-FFF2-40B4-BE49-F238E27FC236}">
-                <a16:creationId xmlns:a16="http://schemas.microsoft.com/office/drawing/2014/main" id="{4EA00DEE-C22F-33FE-F07B-4EE96DE2C194}"/>
-              </a:ext>
-            </a:extLst>
-          </p:cNvPr>
-          <p:cNvSpPr>
-            <a:spLocks noGrp="1"/>
-          </p:cNvSpPr>
-          <p:nvPr>
-            <p:ph type="title"/>
-          </p:nvPr>
-        </p:nvSpPr>
-        <p:spPr/>
-        <p:txBody>
-          <a:bodyPr/>
-          <a:lstStyle/>
-          <a:p>
-            <a:r>
-              <a:rPr lang="fr-FR" dirty="0"/>
-              <a:t>Enquête CGE / Chiffres clefs</a:t>
-            </a:r>
-          </a:p>
-        </p:txBody>
-      </p:sp>
-      <p:sp>
-        <p:nvSpPr>
-          <p:cNvPr id="7" name="Flèche : chevron 6">
-            <a:extLst>
-              <a:ext uri="{FF2B5EF4-FFF2-40B4-BE49-F238E27FC236}">
-                <a16:creationId xmlns:a16="http://schemas.microsoft.com/office/drawing/2014/main" id="{780EF0C3-7563-428D-D529-FF58B0110316}"/>
-              </a:ext>
-            </a:extLst>
-          </p:cNvPr>
-          <p:cNvSpPr/>
-          <p:nvPr/>
-        </p:nvSpPr>
-        <p:spPr bwMode="auto">
-          <a:xfrm>
-            <a:off x="767407" y="1720181"/>
-            <a:ext cx="3312369" cy="307777"/>
-          </a:xfrm>
-          <a:prstGeom prst="chevron">
-            <a:avLst/>
-          </a:prstGeom>
-          <a:solidFill>
-            <a:srgbClr val="00305E"/>
-          </a:solidFill>
-          <a:ln w="9525" cap="flat" cmpd="sng" algn="ctr">
-            <a:noFill/>
-            <a:prstDash val="solid"/>
-            <a:round/>
-            <a:headEnd type="none" w="med" len="med"/>
-            <a:tailEnd type="none" w="med" len="med"/>
-          </a:ln>
-          <a:effectLst/>
-          <a:extLst>
-            <a:ext uri="{AF507438-7753-43e0-B8FC-AC1667EBCBE1}">
-              <a14:hiddenEffects xmlns="" xmlns:a14="http://schemas.microsoft.com/office/drawing/2010/main">
-                <a:effectLst>
-                  <a:outerShdw dist="35921" dir="2700000" algn="ctr" rotWithShape="0">
-                    <a:schemeClr val="bg2"/>
-                  </a:outerShdw>
-                </a:effectLst>
-              </a14:hiddenEffects>
-            </a:ext>
-          </a:extLst>
-        </p:spPr>
-        <p:txBody>
-          <a:bodyPr vert="horz" wrap="square" lIns="91440" tIns="45720" rIns="91440" bIns="45720" numCol="1" rtlCol="0" anchor="t" anchorCtr="0" compatLnSpc="1">
-            <a:prstTxWarp prst="textNoShape">
-              <a:avLst/>
-            </a:prstTxWarp>
-          </a:bodyPr>
-          <a:lstStyle/>
-          <a:p>
-            <a:pPr marL="0" marR="0" indent="0" algn="ctr" defTabSz="914400" rtl="0" eaLnBrk="0" fontAlgn="base" latinLnBrk="0" hangingPunct="0">
-              <a:lnSpc>
-                <a:spcPct val="100000"/>
-              </a:lnSpc>
-              <a:spcBef>
-                <a:spcPct val="0"/>
-              </a:spcBef>
-              <a:spcAft>
-                <a:spcPct val="0"/>
-              </a:spcAft>
-              <a:buClrTx/>
-              <a:buSzTx/>
-              <a:buFontTx/>
-              <a:buNone/>
-              <a:tabLst/>
-            </a:pPr>
-            <a:r>
-              <a:rPr kumimoji="0" lang="fr-FR" b="1" i="0" u="none" strike="noStrike" cap="none" normalizeH="0" baseline="0" dirty="0">
-                <a:ln>
-                  <a:noFill/>
-                </a:ln>
-                <a:solidFill>
-                  <a:schemeClr val="bg1"/>
-                </a:solidFill>
-                <a:effectLst/>
-                <a:latin typeface="Arial" charset="0"/>
-                <a:ea typeface="ＭＳ Ｐゴシック" pitchFamily="1" charset="-128"/>
-              </a:rPr>
-              <a:t>RSE</a:t>
-            </a:r>
-          </a:p>
-        </p:txBody>
-      </p:sp>
-      <p:sp>
-        <p:nvSpPr>
-          <p:cNvPr id="17" name="Rectangle : coins arrondis 16">
-            <a:extLst>
-              <a:ext uri="{FF2B5EF4-FFF2-40B4-BE49-F238E27FC236}">
-                <a16:creationId xmlns:a16="http://schemas.microsoft.com/office/drawing/2014/main" id="{2BFBCB5B-C8BA-8032-F9B5-B47991EFD838}"/>
-              </a:ext>
-            </a:extLst>
-          </p:cNvPr>
-          <p:cNvSpPr/>
-          <p:nvPr/>
-        </p:nvSpPr>
-        <p:spPr bwMode="auto">
-          <a:xfrm>
-            <a:off x="9048328" y="1585795"/>
-            <a:ext cx="2214377" cy="461665"/>
-          </a:xfrm>
-          <a:prstGeom prst="roundRect">
-            <a:avLst/>
-          </a:prstGeom>
-          <a:solidFill>
-            <a:srgbClr val="FF960A"/>
-          </a:solidFill>
-          <a:ln w="9525" cap="flat" cmpd="sng" algn="ctr">
-            <a:noFill/>
-            <a:prstDash val="solid"/>
-            <a:round/>
-            <a:headEnd type="none" w="med" len="med"/>
-            <a:tailEnd type="none" w="med" len="med"/>
-          </a:ln>
-          <a:effectLst/>
-        </p:spPr>
-        <p:txBody>
-          <a:bodyPr vert="horz" wrap="square" lIns="91440" tIns="45720" rIns="91440" bIns="45720" numCol="1" rtlCol="0" anchor="ctr" anchorCtr="0" compatLnSpc="1">
-            <a:prstTxWarp prst="textNoShape">
-              <a:avLst/>
-            </a:prstTxWarp>
-          </a:bodyPr>
-          <a:lstStyle/>
-          <a:p>
-            <a:pPr marL="0" marR="0" indent="0" algn="ctr" defTabSz="914400" rtl="0" eaLnBrk="0" fontAlgn="base" latinLnBrk="0" hangingPunct="0">
-              <a:lnSpc>
-                <a:spcPct val="100000"/>
-              </a:lnSpc>
-              <a:spcBef>
-                <a:spcPct val="0"/>
-              </a:spcBef>
-              <a:spcAft>
-                <a:spcPct val="0"/>
-              </a:spcAft>
-              <a:buClrTx/>
-              <a:buSzTx/>
-              <a:buFontTx/>
-              <a:buNone/>
-              <a:tabLst/>
-            </a:pPr>
-            <a:r>
-              <a:rPr kumimoji="0" lang="fr-FR" sz="1800" b="0" i="0" u="none" strike="noStrike" cap="none" normalizeH="0" baseline="0" dirty="0">
-                <a:ln>
-                  <a:noFill/>
-                </a:ln>
-                <a:solidFill>
-                  <a:srgbClr val="FFFFFF"/>
-                </a:solidFill>
-                <a:effectLst/>
-                <a:latin typeface="Calibri" panose="020F0502020204030204" pitchFamily="34" charset="0"/>
-                <a:ea typeface="MS PGothic" pitchFamily="34" charset="-128"/>
-              </a:rPr>
-              <a:t>Rapport CGE 2025</a:t>
-            </a:r>
-            <a:endParaRPr kumimoji="0" lang="fr-FR" sz="1800" b="0" i="0" u="none" strike="noStrike" cap="none" normalizeH="0" baseline="0" dirty="0">
-              <a:ln>
-                <a:noFill/>
-              </a:ln>
-              <a:solidFill>
-                <a:srgbClr val="FFFFFF"/>
-              </a:solidFill>
-              <a:effectLst/>
-              <a:latin typeface="Arial" charset="0"/>
-              <a:ea typeface="MS PGothic" pitchFamily="34" charset="-128"/>
-            </a:endParaRPr>
-          </a:p>
-        </p:txBody>
-      </p:sp>
-      <p:pic>
-        <p:nvPicPr>
-          <p:cNvPr id="4" name="Image 3">
-            <a:extLst>
-              <a:ext uri="{FF2B5EF4-FFF2-40B4-BE49-F238E27FC236}">
-                <a16:creationId xmlns:a16="http://schemas.microsoft.com/office/drawing/2014/main" id="{06913197-25A0-F59D-9AC3-940E4E7B584C}"/>
-              </a:ext>
-            </a:extLst>
-          </p:cNvPr>
-          <p:cNvPicPr>
-            <a:picLocks noChangeAspect="1"/>
-          </p:cNvPicPr>
-          <p:nvPr/>
-        </p:nvPicPr>
-        <p:blipFill>
-          <a:blip r:embed="rId3"/>
-          <a:stretch>
-            <a:fillRect/>
-          </a:stretch>
-        </p:blipFill>
-        <p:spPr>
-          <a:xfrm>
-            <a:off x="671562" y="2348880"/>
-            <a:ext cx="3289524" cy="3312368"/>
-          </a:xfrm>
-          <a:prstGeom prst="rect">
-            <a:avLst/>
-          </a:prstGeom>
-        </p:spPr>
-      </p:pic>
-      <p:pic>
-        <p:nvPicPr>
-          <p:cNvPr id="6" name="Image 5">
-            <a:extLst>
-              <a:ext uri="{FF2B5EF4-FFF2-40B4-BE49-F238E27FC236}">
-                <a16:creationId xmlns:a16="http://schemas.microsoft.com/office/drawing/2014/main" id="{EA235823-1BA4-D3FF-64B1-B32795D35DF5}"/>
-              </a:ext>
-            </a:extLst>
-          </p:cNvPr>
-          <p:cNvPicPr>
-            <a:picLocks noChangeAspect="1"/>
-          </p:cNvPicPr>
-          <p:nvPr/>
-        </p:nvPicPr>
-        <p:blipFill>
-          <a:blip r:embed="rId4"/>
-          <a:stretch>
-            <a:fillRect/>
-          </a:stretch>
-        </p:blipFill>
-        <p:spPr>
-          <a:xfrm>
-            <a:off x="4035678" y="5157192"/>
-            <a:ext cx="8070874" cy="1599443"/>
-          </a:xfrm>
-          <a:prstGeom prst="rect">
-            <a:avLst/>
-          </a:prstGeom>
-        </p:spPr>
-      </p:pic>
-    </p:spTree>
-    <p:extLst>
-      <p:ext uri="{BB962C8B-B14F-4D97-AF65-F5344CB8AC3E}">
-        <p14:creationId xmlns:p14="http://schemas.microsoft.com/office/powerpoint/2010/main" val="3723600018"/>
-      </p:ext>
-    </p:extLst>
-  </p:cSld>
-  <p:clrMapOvr>
-    <a:masterClrMapping/>
-  </p:clrMapOvr>
-</p:sld>
-</file>
-
-<file path=ppt/slides/slide12.xml><?xml version="1.0" encoding="utf-8"?>
-<p:sld xmlns:a="http://schemas.openxmlformats.org/drawingml/2006/main" xmlns:r="http://schemas.openxmlformats.org/officeDocument/2006/relationships" xmlns:p="http://schemas.openxmlformats.org/presentationml/2006/main">
-  <p:cSld>
-    <p:spTree>
-      <p:nvGrpSpPr>
-        <p:cNvPr id="1" name="">
-          <a:extLst>
-            <a:ext uri="{FF2B5EF4-FFF2-40B4-BE49-F238E27FC236}">
-              <a16:creationId xmlns:a16="http://schemas.microsoft.com/office/drawing/2014/main" id="{8B71A789-F895-7374-6FEF-FDD3C8C2711A}"/>
-            </a:ext>
-          </a:extLst>
-        </p:cNvPr>
-        <p:cNvGrpSpPr/>
-        <p:nvPr/>
-      </p:nvGrpSpPr>
-      <p:grpSpPr>
-        <a:xfrm>
-          <a:off x="0" y="0"/>
-          <a:ext cx="0" cy="0"/>
-          <a:chOff x="0" y="0"/>
-          <a:chExt cx="0" cy="0"/>
-        </a:xfrm>
-      </p:grpSpPr>
-      <p:sp>
-        <p:nvSpPr>
-          <p:cNvPr id="2" name="Titre 1">
-            <a:extLst>
-              <a:ext uri="{FF2B5EF4-FFF2-40B4-BE49-F238E27FC236}">
-                <a16:creationId xmlns:a16="http://schemas.microsoft.com/office/drawing/2014/main" id="{49617C61-ED79-BEF0-47BF-BC472729381F}"/>
-              </a:ext>
-            </a:extLst>
-          </p:cNvPr>
-          <p:cNvSpPr>
-            <a:spLocks noGrp="1"/>
-          </p:cNvSpPr>
-          <p:nvPr>
-            <p:ph type="title"/>
-          </p:nvPr>
-        </p:nvSpPr>
-        <p:spPr/>
-        <p:txBody>
-          <a:bodyPr/>
-          <a:lstStyle/>
-          <a:p>
-            <a:r>
-              <a:rPr lang="fr-FR" dirty="0"/>
-              <a:t>Enquête CGE / Chiffres clefs</a:t>
-            </a:r>
-          </a:p>
-        </p:txBody>
-      </p:sp>
-      <p:sp>
-        <p:nvSpPr>
-          <p:cNvPr id="7" name="Flèche : chevron 6">
-            <a:extLst>
-              <a:ext uri="{FF2B5EF4-FFF2-40B4-BE49-F238E27FC236}">
-                <a16:creationId xmlns:a16="http://schemas.microsoft.com/office/drawing/2014/main" id="{426CC690-2A28-27EA-E69D-EE9CA16760B2}"/>
-              </a:ext>
-            </a:extLst>
-          </p:cNvPr>
-          <p:cNvSpPr/>
-          <p:nvPr/>
-        </p:nvSpPr>
-        <p:spPr bwMode="auto">
-          <a:xfrm>
-            <a:off x="767407" y="1720181"/>
             <a:ext cx="3312369" cy="307777"/>
           </a:xfrm>
           <a:prstGeom prst="chevron">
@@ -7940,101 +7107,248 @@
                 <a:latin typeface="Arial" charset="0"/>
                 <a:ea typeface="ＭＳ Ｐゴシック" pitchFamily="1" charset="-128"/>
               </a:rPr>
-              <a:t>IA Générative</a:t>
-            </a:r>
-          </a:p>
-        </p:txBody>
-      </p:sp>
-      <p:sp>
-        <p:nvSpPr>
-          <p:cNvPr id="17" name="Rectangle : coins arrondis 16">
-            <a:extLst>
-              <a:ext uri="{FF2B5EF4-FFF2-40B4-BE49-F238E27FC236}">
-                <a16:creationId xmlns:a16="http://schemas.microsoft.com/office/drawing/2014/main" id="{5EE7E0AA-0860-F1AB-C2B3-C4F7E9E709FD}"/>
-              </a:ext>
-            </a:extLst>
-          </p:cNvPr>
-          <p:cNvSpPr/>
+              <a:t>Thèses</a:t>
+            </a:r>
+          </a:p>
+        </p:txBody>
+      </p:sp>
+      <p:sp>
+        <p:nvSpPr>
+          <p:cNvPr id="24" name="ZoneTexte 23">
+            <a:extLst>
+              <a:ext uri="{FF2B5EF4-FFF2-40B4-BE49-F238E27FC236}">
+                <a16:creationId xmlns:a16="http://schemas.microsoft.com/office/drawing/2014/main" id="{45394560-3665-1B94-E47C-65C98D57F842}"/>
+              </a:ext>
+            </a:extLst>
+          </p:cNvPr>
+          <p:cNvSpPr txBox="1"/>
           <p:nvPr/>
         </p:nvSpPr>
-        <p:spPr bwMode="auto">
-          <a:xfrm>
-            <a:off x="9048328" y="1585795"/>
-            <a:ext cx="2214377" cy="461665"/>
-          </a:xfrm>
-          <a:prstGeom prst="roundRect">
-            <a:avLst/>
-          </a:prstGeom>
-          <a:solidFill>
-            <a:srgbClr val="FF960A"/>
-          </a:solidFill>
-          <a:ln w="9525" cap="flat" cmpd="sng" algn="ctr">
-            <a:noFill/>
-            <a:prstDash val="solid"/>
-            <a:round/>
-            <a:headEnd type="none" w="med" len="med"/>
-            <a:tailEnd type="none" w="med" len="med"/>
-          </a:ln>
-          <a:effectLst/>
-        </p:spPr>
-        <p:txBody>
-          <a:bodyPr vert="horz" wrap="square" lIns="91440" tIns="45720" rIns="91440" bIns="45720" numCol="1" rtlCol="0" anchor="ctr" anchorCtr="0" compatLnSpc="1">
-            <a:prstTxWarp prst="textNoShape">
-              <a:avLst/>
-            </a:prstTxWarp>
+        <p:spPr>
+          <a:xfrm>
+            <a:off x="4566151" y="1686406"/>
+            <a:ext cx="3096344" cy="307777"/>
+          </a:xfrm>
+          <a:prstGeom prst="rect">
+            <a:avLst/>
+          </a:prstGeom>
+          <a:noFill/>
+        </p:spPr>
+        <p:txBody>
+          <a:bodyPr wrap="square">
+            <a:spAutoFit/>
           </a:bodyPr>
           <a:lstStyle/>
           <a:p>
-            <a:pPr marL="0" marR="0" indent="0" algn="ctr" defTabSz="914400" rtl="0" eaLnBrk="0" fontAlgn="base" latinLnBrk="0" hangingPunct="0">
-              <a:lnSpc>
-                <a:spcPct val="100000"/>
-              </a:lnSpc>
-              <a:spcBef>
-                <a:spcPct val="0"/>
-              </a:spcBef>
-              <a:spcAft>
-                <a:spcPct val="0"/>
-              </a:spcAft>
-              <a:buClrTx/>
-              <a:buSzTx/>
-              <a:buFontTx/>
-              <a:buNone/>
-              <a:tabLst/>
-            </a:pPr>
-            <a:r>
-              <a:rPr kumimoji="0" lang="fr-FR" sz="1800" b="0" i="0" u="none" strike="noStrike" cap="none" normalizeH="0" baseline="0" dirty="0">
-                <a:ln>
-                  <a:noFill/>
-                </a:ln>
+            <a:r>
+              <a:rPr lang="fr-FR" sz="1400" dirty="0">
                 <a:solidFill>
-                  <a:srgbClr val="FFFFFF"/>
+                  <a:srgbClr val="333333"/>
                 </a:solidFill>
-                <a:effectLst/>
                 <a:latin typeface="Calibri" panose="020F0502020204030204" pitchFamily="34" charset="0"/>
-                <a:ea typeface="MS PGothic" pitchFamily="34" charset="-128"/>
               </a:rPr>
-              <a:t>Rapport CGE 2025</a:t>
-            </a:r>
-            <a:endParaRPr kumimoji="0" lang="fr-FR" sz="1800" b="0" i="0" u="none" strike="noStrike" cap="none" normalizeH="0" baseline="0" dirty="0">
-              <a:ln>
-                <a:noFill/>
-              </a:ln>
+              <a:t>100% en France (thèses et activité prof.)</a:t>
+            </a:r>
+            <a:endParaRPr lang="fr-FR" sz="1400" dirty="0"/>
+          </a:p>
+        </p:txBody>
+      </p:sp>
+      <p:sp>
+        <p:nvSpPr>
+          <p:cNvPr id="25" name="ZoneTexte 24">
+            <a:extLst>
+              <a:ext uri="{FF2B5EF4-FFF2-40B4-BE49-F238E27FC236}">
+                <a16:creationId xmlns:a16="http://schemas.microsoft.com/office/drawing/2014/main" id="{37DD2768-28F1-E5D6-23B4-60934FC70C50}"/>
+              </a:ext>
+            </a:extLst>
+          </p:cNvPr>
+          <p:cNvSpPr txBox="1"/>
+          <p:nvPr/>
+        </p:nvSpPr>
+        <p:spPr>
+          <a:xfrm>
+            <a:off x="1559494" y="5949280"/>
+            <a:ext cx="8136906" cy="338554"/>
+          </a:xfrm>
+          <a:prstGeom prst="rect">
+            <a:avLst/>
+          </a:prstGeom>
+          <a:noFill/>
+        </p:spPr>
+        <p:txBody>
+          <a:bodyPr wrap="square">
+            <a:spAutoFit/>
+          </a:bodyPr>
+          <a:lstStyle/>
+          <a:p>
+            <a:r>
+              <a:rPr lang="fr-FR" dirty="0">
+                <a:solidFill>
+                  <a:srgbClr val="333333"/>
+                </a:solidFill>
+                <a:latin typeface="Calibri" panose="020F0502020204030204" pitchFamily="34" charset="0"/>
+              </a:rPr>
+              <a:t>3 / 30 	à l’</a:t>
+            </a:r>
+            <a:r>
+              <a:rPr lang="fr-FR" b="1" dirty="0">
+                <a:solidFill>
+                  <a:srgbClr val="333333"/>
+                </a:solidFill>
+                <a:latin typeface="Calibri" panose="020F0502020204030204" pitchFamily="34" charset="0"/>
+              </a:rPr>
+              <a:t>étranger</a:t>
+            </a:r>
+            <a:r>
+              <a:rPr lang="fr-FR" dirty="0">
+                <a:solidFill>
+                  <a:srgbClr val="333333"/>
+                </a:solidFill>
+                <a:latin typeface="Calibri" panose="020F0502020204030204" pitchFamily="34" charset="0"/>
+              </a:rPr>
+              <a:t>   (2x Japon, 1x Danemark)		</a:t>
+            </a:r>
+            <a:r>
+              <a:rPr lang="fr-FR" b="1" dirty="0">
+                <a:solidFill>
+                  <a:schemeClr val="bg1"/>
+                </a:solidFill>
+                <a:highlight>
+                  <a:srgbClr val="222268"/>
+                </a:highlight>
+                <a:latin typeface="Calibri" panose="020F0502020204030204" pitchFamily="34" charset="0"/>
+              </a:rPr>
+              <a:t> 14,7 %     CGE 2025 </a:t>
+            </a:r>
+            <a:r>
+              <a:rPr lang="fr-FR" dirty="0">
+                <a:solidFill>
+                  <a:srgbClr val="333333"/>
+                </a:solidFill>
+                <a:latin typeface="Calibri" panose="020F0502020204030204" pitchFamily="34" charset="0"/>
+              </a:rPr>
+              <a:t>	</a:t>
+            </a:r>
+            <a:endParaRPr lang="fr-FR" dirty="0"/>
+          </a:p>
+        </p:txBody>
+      </p:sp>
+      <p:sp>
+        <p:nvSpPr>
+          <p:cNvPr id="26" name="ZoneTexte 25">
+            <a:extLst>
+              <a:ext uri="{FF2B5EF4-FFF2-40B4-BE49-F238E27FC236}">
+                <a16:creationId xmlns:a16="http://schemas.microsoft.com/office/drawing/2014/main" id="{223D78A2-4F52-C17D-D565-C4A7389ED652}"/>
+              </a:ext>
+            </a:extLst>
+          </p:cNvPr>
+          <p:cNvSpPr txBox="1"/>
+          <p:nvPr/>
+        </p:nvSpPr>
+        <p:spPr>
+          <a:xfrm>
+            <a:off x="1559494" y="6258798"/>
+            <a:ext cx="4752530" cy="338554"/>
+          </a:xfrm>
+          <a:prstGeom prst="rect">
+            <a:avLst/>
+          </a:prstGeom>
+          <a:noFill/>
+        </p:spPr>
+        <p:txBody>
+          <a:bodyPr wrap="square">
+            <a:spAutoFit/>
+          </a:bodyPr>
+          <a:lstStyle/>
+          <a:p>
+            <a:r>
+              <a:rPr lang="fr-FR" dirty="0">
+                <a:solidFill>
+                  <a:srgbClr val="333333"/>
+                </a:solidFill>
+                <a:latin typeface="Calibri" panose="020F0502020204030204" pitchFamily="34" charset="0"/>
+              </a:rPr>
+              <a:t>2 LCF, 1 LHC, 1 LP2N</a:t>
+            </a:r>
+            <a:endParaRPr lang="fr-FR" dirty="0"/>
+          </a:p>
+        </p:txBody>
+      </p:sp>
+      <p:sp>
+        <p:nvSpPr>
+          <p:cNvPr id="27" name="ZoneTexte 26">
+            <a:extLst>
+              <a:ext uri="{FF2B5EF4-FFF2-40B4-BE49-F238E27FC236}">
+                <a16:creationId xmlns:a16="http://schemas.microsoft.com/office/drawing/2014/main" id="{0B430199-A170-B95D-8909-0409B7FE0347}"/>
+              </a:ext>
+            </a:extLst>
+          </p:cNvPr>
+          <p:cNvSpPr txBox="1"/>
+          <p:nvPr/>
+        </p:nvSpPr>
+        <p:spPr>
+          <a:xfrm>
+            <a:off x="1559494" y="5217122"/>
+            <a:ext cx="4752530" cy="338554"/>
+          </a:xfrm>
+          <a:prstGeom prst="rect">
+            <a:avLst/>
+          </a:prstGeom>
+          <a:noFill/>
+        </p:spPr>
+        <p:txBody>
+          <a:bodyPr wrap="square">
+            <a:spAutoFit/>
+          </a:bodyPr>
+          <a:lstStyle/>
+          <a:p>
+            <a:r>
+              <a:rPr lang="fr-FR" dirty="0">
+                <a:solidFill>
+                  <a:srgbClr val="333333"/>
+                </a:solidFill>
+                <a:latin typeface="Calibri" panose="020F0502020204030204" pitchFamily="34" charset="0"/>
+              </a:rPr>
+              <a:t>30 / 84 	</a:t>
+            </a:r>
+            <a:r>
+              <a:rPr lang="fr-FR" b="1" dirty="0">
+                <a:solidFill>
+                  <a:srgbClr val="333333"/>
+                </a:solidFill>
+                <a:latin typeface="Calibri" panose="020F0502020204030204" pitchFamily="34" charset="0"/>
+              </a:rPr>
+              <a:t>36 %              	 </a:t>
+            </a:r>
+            <a:r>
+              <a:rPr lang="fr-FR" b="1" dirty="0">
+                <a:solidFill>
+                  <a:schemeClr val="bg1"/>
+                </a:solidFill>
+                <a:highlight>
+                  <a:srgbClr val="222268"/>
+                </a:highlight>
+                <a:latin typeface="Calibri" panose="020F0502020204030204" pitchFamily="34" charset="0"/>
+              </a:rPr>
+              <a:t> 5,6 %     CGE 2025</a:t>
+            </a:r>
+            <a:endParaRPr lang="fr-FR" b="1" dirty="0">
               <a:solidFill>
-                <a:srgbClr val="FFFFFF"/>
+                <a:schemeClr val="bg1"/>
               </a:solidFill>
-              <a:effectLst/>
-              <a:latin typeface="Arial" charset="0"/>
-              <a:ea typeface="MS PGothic" pitchFamily="34" charset="-128"/>
+              <a:highlight>
+                <a:srgbClr val="222268"/>
+              </a:highlight>
             </a:endParaRPr>
           </a:p>
         </p:txBody>
       </p:sp>
       <p:pic>
         <p:nvPicPr>
-          <p:cNvPr id="5" name="Image 4">
-            <a:extLst>
-              <a:ext uri="{FF2B5EF4-FFF2-40B4-BE49-F238E27FC236}">
-                <a16:creationId xmlns:a16="http://schemas.microsoft.com/office/drawing/2014/main" id="{16274D82-1B45-F7BC-A8F3-82CF24E91D06}"/>
+          <p:cNvPr id="3" name="Image 2" descr="Une image contenant texte, Police, Graphique, logo&#10;&#10;Le contenu généré par l’IA peut être incorrect.">
+            <a:extLst>
+              <a:ext uri="{FF2B5EF4-FFF2-40B4-BE49-F238E27FC236}">
+                <a16:creationId xmlns:a16="http://schemas.microsoft.com/office/drawing/2014/main" id="{6DCD0C29-7F1E-2C21-EC2F-F91513608F1D}"/>
               </a:ext>
             </a:extLst>
           </p:cNvPr>
@@ -8044,45 +7358,21 @@
           <p:nvPr/>
         </p:nvPicPr>
         <p:blipFill>
-          <a:blip r:embed="rId3"/>
+          <a:blip r:embed="rId3">
+            <a:extLst>
+              <a:ext uri="{28A0092B-C50C-407E-A947-70E740481C1C}">
+                <a14:useLocalDpi xmlns:a14="http://schemas.microsoft.com/office/drawing/2010/main" val="0"/>
+              </a:ext>
+            </a:extLst>
+          </a:blip>
           <a:stretch>
             <a:fillRect/>
           </a:stretch>
         </p:blipFill>
         <p:spPr>
           <a:xfrm>
-            <a:off x="695400" y="2276872"/>
-            <a:ext cx="3888432" cy="4200546"/>
-          </a:xfrm>
-          <a:prstGeom prst="rect">
-            <a:avLst/>
-          </a:prstGeom>
-        </p:spPr>
-      </p:pic>
-      <p:pic>
-        <p:nvPicPr>
-          <p:cNvPr id="9" name="Image 8">
-            <a:extLst>
-              <a:ext uri="{FF2B5EF4-FFF2-40B4-BE49-F238E27FC236}">
-                <a16:creationId xmlns:a16="http://schemas.microsoft.com/office/drawing/2014/main" id="{AE4D7C86-D1F4-FFA3-8977-0D3287120F89}"/>
-              </a:ext>
-            </a:extLst>
-          </p:cNvPr>
-          <p:cNvPicPr>
-            <a:picLocks noChangeAspect="1"/>
-          </p:cNvPicPr>
-          <p:nvPr/>
-        </p:nvPicPr>
-        <p:blipFill>
-          <a:blip r:embed="rId4"/>
-          <a:stretch>
-            <a:fillRect/>
-          </a:stretch>
-        </p:blipFill>
-        <p:spPr>
-          <a:xfrm>
-            <a:off x="5243680" y="3933056"/>
-            <a:ext cx="4164274" cy="2616370"/>
+            <a:off x="407368" y="54449"/>
+            <a:ext cx="4343400" cy="1524762"/>
           </a:xfrm>
           <a:prstGeom prst="rect">
             <a:avLst/>
@@ -8092,7 +7382,7 @@
     </p:spTree>
     <p:extLst>
       <p:ext uri="{BB962C8B-B14F-4D97-AF65-F5344CB8AC3E}">
-        <p14:creationId xmlns:p14="http://schemas.microsoft.com/office/powerpoint/2010/main" val="2290854562"/>
+        <p14:creationId xmlns:p14="http://schemas.microsoft.com/office/powerpoint/2010/main" val="880639409"/>
       </p:ext>
     </p:extLst>
   </p:cSld>
@@ -8125,6 +7415,42 @@
           <a:chExt cx="0" cy="0"/>
         </a:xfrm>
       </p:grpSpPr>
+      <p:pic>
+        <p:nvPicPr>
+          <p:cNvPr id="9" name="Image 8" descr="Une image contenant texte, Police, Graphique, logo&#10;&#10;Le contenu généré par l’IA peut être incorrect.">
+            <a:extLst>
+              <a:ext uri="{FF2B5EF4-FFF2-40B4-BE49-F238E27FC236}">
+                <a16:creationId xmlns:a16="http://schemas.microsoft.com/office/drawing/2014/main" id="{043D7E92-A0E2-AF25-4889-6F3D7BDE14CE}"/>
+              </a:ext>
+            </a:extLst>
+          </p:cNvPr>
+          <p:cNvPicPr>
+            <a:picLocks noChangeAspect="1"/>
+          </p:cNvPicPr>
+          <p:nvPr/>
+        </p:nvPicPr>
+        <p:blipFill>
+          <a:blip r:embed="rId2">
+            <a:extLst>
+              <a:ext uri="{28A0092B-C50C-407E-A947-70E740481C1C}">
+                <a14:useLocalDpi xmlns:a14="http://schemas.microsoft.com/office/drawing/2010/main" val="0"/>
+              </a:ext>
+            </a:extLst>
+          </a:blip>
+          <a:stretch>
+            <a:fillRect/>
+          </a:stretch>
+        </p:blipFill>
+        <p:spPr>
+          <a:xfrm>
+            <a:off x="407368" y="54449"/>
+            <a:ext cx="4343400" cy="1524762"/>
+          </a:xfrm>
+          <a:prstGeom prst="rect">
+            <a:avLst/>
+          </a:prstGeom>
+        </p:spPr>
+      </p:pic>
       <p:sp>
         <p:nvSpPr>
           <p:cNvPr id="2" name="Titre 1">
@@ -8196,7 +7522,7 @@
           </a:effectLst>
           <a:extLst>
             <a:ext uri="{AF507438-7753-43e0-B8FC-AC1667EBCBE1}">
-              <a14:hiddenEffects xmlns="" xmlns:a14="http://schemas.microsoft.com/office/drawing/2010/main">
+              <a14:hiddenEffects xmlns:a14="http://schemas.microsoft.com/office/drawing/2010/main" xmlns="">
                 <a:effectLst>
                   <a:outerShdw dist="35921" dir="2700000" algn="ctr" rotWithShape="0">
                     <a:schemeClr val="bg2"/>
@@ -8289,7 +7615,7 @@
           </a:effectLst>
           <a:extLst>
             <a:ext uri="{AF507438-7753-43e0-B8FC-AC1667EBCBE1}">
-              <a14:hiddenEffects xmlns="" xmlns:a14="http://schemas.microsoft.com/office/drawing/2010/main">
+              <a14:hiddenEffects xmlns:a14="http://schemas.microsoft.com/office/drawing/2010/main" xmlns="">
                 <a:effectLst>
                   <a:outerShdw dist="35921" dir="2700000" algn="ctr" rotWithShape="0">
                     <a:schemeClr val="bg2"/>
@@ -8380,7 +7706,7 @@
           </a:effectLst>
           <a:extLst>
             <a:ext uri="{AF507438-7753-43e0-B8FC-AC1667EBCBE1}">
-              <a14:hiddenEffects xmlns="" xmlns:a14="http://schemas.microsoft.com/office/drawing/2010/main">
+              <a14:hiddenEffects xmlns:a14="http://schemas.microsoft.com/office/drawing/2010/main" xmlns="">
                 <a:effectLst>
                   <a:outerShdw dist="35921" dir="2700000" algn="ctr" rotWithShape="0">
                     <a:schemeClr val="bg2"/>
@@ -8473,7 +7799,7 @@
           </a:effectLst>
           <a:extLst>
             <a:ext uri="{AF507438-7753-43e0-B8FC-AC1667EBCBE1}">
-              <a14:hiddenEffects xmlns="" xmlns:a14="http://schemas.microsoft.com/office/drawing/2010/main">
+              <a14:hiddenEffects xmlns:a14="http://schemas.microsoft.com/office/drawing/2010/main" xmlns="">
                 <a:effectLst>
                   <a:outerShdw dist="35921" dir="2700000" algn="ctr" rotWithShape="0">
                     <a:schemeClr val="bg2"/>
@@ -8556,7 +7882,7 @@
           <a:effectLst/>
           <a:extLst>
             <a:ext uri="{AF507438-7753-43e0-B8FC-AC1667EBCBE1}">
-              <a14:hiddenEffects xmlns="" xmlns:a14="http://schemas.microsoft.com/office/drawing/2010/main">
+              <a14:hiddenEffects xmlns:a14="http://schemas.microsoft.com/office/drawing/2010/main" xmlns="">
                 <a:effectLst>
                   <a:outerShdw dist="35921" dir="2700000" algn="ctr" rotWithShape="0">
                     <a:schemeClr val="bg2"/>
@@ -8637,7 +7963,7 @@
           <a:effectLst/>
           <a:extLst>
             <a:ext uri="{AF507438-7753-43e0-B8FC-AC1667EBCBE1}">
-              <a14:hiddenEffects xmlns:a14="http://schemas.microsoft.com/office/drawing/2010/main" xmlns="">
+              <a14:hiddenEffects xmlns="" xmlns:a14="http://schemas.microsoft.com/office/drawing/2010/main">
                 <a:effectLst>
                   <a:outerShdw dist="35921" dir="2700000" algn="ctr" rotWithShape="0">
                     <a:schemeClr val="bg2"/>
@@ -8721,7 +8047,7 @@
           <a:effectLst/>
           <a:extLst>
             <a:ext uri="{AF507438-7753-43e0-B8FC-AC1667EBCBE1}">
-              <a14:hiddenEffects xmlns:a14="http://schemas.microsoft.com/office/drawing/2010/main" xmlns="">
+              <a14:hiddenEffects xmlns="" xmlns:a14="http://schemas.microsoft.com/office/drawing/2010/main">
                 <a:effectLst>
                   <a:outerShdw dist="35921" dir="2700000" algn="ctr" rotWithShape="0">
                     <a:schemeClr val="bg2"/>
@@ -8805,7 +8131,7 @@
           <a:effectLst/>
           <a:extLst>
             <a:ext uri="{AF507438-7753-43e0-B8FC-AC1667EBCBE1}">
-              <a14:hiddenEffects xmlns:a14="http://schemas.microsoft.com/office/drawing/2010/main" xmlns="">
+              <a14:hiddenEffects xmlns="" xmlns:a14="http://schemas.microsoft.com/office/drawing/2010/main">
                 <a:effectLst>
                   <a:outerShdw dist="35921" dir="2700000" algn="ctr" rotWithShape="0">
                     <a:schemeClr val="bg2"/>
@@ -8889,7 +8215,7 @@
           <a:effectLst/>
           <a:extLst>
             <a:ext uri="{AF507438-7753-43e0-B8FC-AC1667EBCBE1}">
-              <a14:hiddenEffects xmlns:a14="http://schemas.microsoft.com/office/drawing/2010/main" xmlns="">
+              <a14:hiddenEffects xmlns="" xmlns:a14="http://schemas.microsoft.com/office/drawing/2010/main">
                 <a:effectLst>
                   <a:outerShdw dist="35921" dir="2700000" algn="ctr" rotWithShape="0">
                     <a:schemeClr val="bg2"/>
@@ -8955,7 +8281,7 @@
           <p:nvPr/>
         </p:nvPicPr>
         <p:blipFill>
-          <a:blip r:embed="rId2"/>
+          <a:blip r:embed="rId3"/>
           <a:stretch>
             <a:fillRect/>
           </a:stretch>
@@ -9140,36 +8466,6 @@
             <a:extLst>
               <a:ext uri="{FF2B5EF4-FFF2-40B4-BE49-F238E27FC236}">
                 <a16:creationId xmlns:a16="http://schemas.microsoft.com/office/drawing/2014/main" id="{3EA51758-D6C2-C2B6-A7D8-A741D9B1301C}"/>
-              </a:ext>
-            </a:extLst>
-          </p:cNvPr>
-          <p:cNvPicPr>
-            <a:picLocks noChangeAspect="1"/>
-          </p:cNvPicPr>
-          <p:nvPr/>
-        </p:nvPicPr>
-        <p:blipFill>
-          <a:blip r:embed="rId3"/>
-          <a:stretch>
-            <a:fillRect/>
-          </a:stretch>
-        </p:blipFill>
-        <p:spPr>
-          <a:xfrm>
-            <a:off x="1642066" y="2009654"/>
-            <a:ext cx="335972" cy="292999"/>
-          </a:xfrm>
-          <a:prstGeom prst="rect">
-            <a:avLst/>
-          </a:prstGeom>
-        </p:spPr>
-      </p:pic>
-      <p:pic>
-        <p:nvPicPr>
-          <p:cNvPr id="22" name="Image 21">
-            <a:extLst>
-              <a:ext uri="{FF2B5EF4-FFF2-40B4-BE49-F238E27FC236}">
-                <a16:creationId xmlns:a16="http://schemas.microsoft.com/office/drawing/2014/main" id="{06C1A2E6-13E1-8BDF-F25D-F914CACC2855}"/>
               </a:ext>
             </a:extLst>
           </p:cNvPr>
@@ -9186,8 +8482,8 @@
         </p:blipFill>
         <p:spPr>
           <a:xfrm>
-            <a:off x="4313608" y="1752759"/>
-            <a:ext cx="246371" cy="256359"/>
+            <a:off x="1642066" y="2009654"/>
+            <a:ext cx="335972" cy="292999"/>
           </a:xfrm>
           <a:prstGeom prst="rect">
             <a:avLst/>
@@ -9196,10 +8492,10 @@
       </p:pic>
       <p:pic>
         <p:nvPicPr>
-          <p:cNvPr id="23" name="Image 22">
-            <a:extLst>
-              <a:ext uri="{FF2B5EF4-FFF2-40B4-BE49-F238E27FC236}">
-                <a16:creationId xmlns:a16="http://schemas.microsoft.com/office/drawing/2014/main" id="{904EE84E-E362-1E62-1675-100131B9EA98}"/>
+          <p:cNvPr id="22" name="Image 21">
+            <a:extLst>
+              <a:ext uri="{FF2B5EF4-FFF2-40B4-BE49-F238E27FC236}">
+                <a16:creationId xmlns:a16="http://schemas.microsoft.com/office/drawing/2014/main" id="{06C1A2E6-13E1-8BDF-F25D-F914CACC2855}"/>
               </a:ext>
             </a:extLst>
           </p:cNvPr>
@@ -9216,8 +8512,8 @@
         </p:blipFill>
         <p:spPr>
           <a:xfrm>
-            <a:off x="4227792" y="2046308"/>
-            <a:ext cx="418005" cy="400378"/>
+            <a:off x="4313608" y="1752759"/>
+            <a:ext cx="246371" cy="256359"/>
           </a:xfrm>
           <a:prstGeom prst="rect">
             <a:avLst/>
@@ -9226,10 +8522,10 @@
       </p:pic>
       <p:pic>
         <p:nvPicPr>
-          <p:cNvPr id="28" name="Image 27">
-            <a:extLst>
-              <a:ext uri="{FF2B5EF4-FFF2-40B4-BE49-F238E27FC236}">
-                <a16:creationId xmlns:a16="http://schemas.microsoft.com/office/drawing/2014/main" id="{A28E9D2B-572C-B0BE-1148-22750CA19FD2}"/>
+          <p:cNvPr id="23" name="Image 22">
+            <a:extLst>
+              <a:ext uri="{FF2B5EF4-FFF2-40B4-BE49-F238E27FC236}">
+                <a16:creationId xmlns:a16="http://schemas.microsoft.com/office/drawing/2014/main" id="{904EE84E-E362-1E62-1675-100131B9EA98}"/>
               </a:ext>
             </a:extLst>
           </p:cNvPr>
@@ -9246,8 +8542,8 @@
         </p:blipFill>
         <p:spPr>
           <a:xfrm>
-            <a:off x="6812619" y="1992892"/>
-            <a:ext cx="366550" cy="395965"/>
+            <a:off x="4227792" y="2046308"/>
+            <a:ext cx="418005" cy="400378"/>
           </a:xfrm>
           <a:prstGeom prst="rect">
             <a:avLst/>
@@ -9256,10 +8552,10 @@
       </p:pic>
       <p:pic>
         <p:nvPicPr>
-          <p:cNvPr id="29" name="Image 28">
-            <a:extLst>
-              <a:ext uri="{FF2B5EF4-FFF2-40B4-BE49-F238E27FC236}">
-                <a16:creationId xmlns:a16="http://schemas.microsoft.com/office/drawing/2014/main" id="{DF9C2764-EDB0-A8E6-906D-2ED066B1D23A}"/>
+          <p:cNvPr id="28" name="Image 27">
+            <a:extLst>
+              <a:ext uri="{FF2B5EF4-FFF2-40B4-BE49-F238E27FC236}">
+                <a16:creationId xmlns:a16="http://schemas.microsoft.com/office/drawing/2014/main" id="{A28E9D2B-572C-B0BE-1148-22750CA19FD2}"/>
               </a:ext>
             </a:extLst>
           </p:cNvPr>
@@ -9276,8 +8572,8 @@
         </p:blipFill>
         <p:spPr>
           <a:xfrm>
-            <a:off x="9452799" y="1852056"/>
-            <a:ext cx="369631" cy="371731"/>
+            <a:off x="6812619" y="1992892"/>
+            <a:ext cx="366550" cy="395965"/>
           </a:xfrm>
           <a:prstGeom prst="rect">
             <a:avLst/>
@@ -9286,10 +8582,10 @@
       </p:pic>
       <p:pic>
         <p:nvPicPr>
-          <p:cNvPr id="31" name="Image 30">
-            <a:extLst>
-              <a:ext uri="{FF2B5EF4-FFF2-40B4-BE49-F238E27FC236}">
-                <a16:creationId xmlns:a16="http://schemas.microsoft.com/office/drawing/2014/main" id="{C2DF21A0-D14E-9FB8-F449-B0DB9DF858BE}"/>
+          <p:cNvPr id="29" name="Image 28">
+            <a:extLst>
+              <a:ext uri="{FF2B5EF4-FFF2-40B4-BE49-F238E27FC236}">
+                <a16:creationId xmlns:a16="http://schemas.microsoft.com/office/drawing/2014/main" id="{DF9C2764-EDB0-A8E6-906D-2ED066B1D23A}"/>
               </a:ext>
             </a:extLst>
           </p:cNvPr>
@@ -9306,8 +8602,8 @@
         </p:blipFill>
         <p:spPr>
           <a:xfrm>
-            <a:off x="9782248" y="2208287"/>
-            <a:ext cx="227446" cy="225909"/>
+            <a:off x="9452799" y="1852056"/>
+            <a:ext cx="369631" cy="371731"/>
           </a:xfrm>
           <a:prstGeom prst="rect">
             <a:avLst/>
@@ -9316,10 +8612,10 @@
       </p:pic>
       <p:pic>
         <p:nvPicPr>
-          <p:cNvPr id="32" name="Image 31">
-            <a:extLst>
-              <a:ext uri="{FF2B5EF4-FFF2-40B4-BE49-F238E27FC236}">
-                <a16:creationId xmlns:a16="http://schemas.microsoft.com/office/drawing/2014/main" id="{7CDE13BB-FEA0-C941-0CFC-756834AC92BD}"/>
+          <p:cNvPr id="31" name="Image 30">
+            <a:extLst>
+              <a:ext uri="{FF2B5EF4-FFF2-40B4-BE49-F238E27FC236}">
+                <a16:creationId xmlns:a16="http://schemas.microsoft.com/office/drawing/2014/main" id="{C2DF21A0-D14E-9FB8-F449-B0DB9DF858BE}"/>
               </a:ext>
             </a:extLst>
           </p:cNvPr>
@@ -9336,6 +8632,36 @@
         </p:blipFill>
         <p:spPr>
           <a:xfrm>
+            <a:off x="9782248" y="2208287"/>
+            <a:ext cx="227446" cy="225909"/>
+          </a:xfrm>
+          <a:prstGeom prst="rect">
+            <a:avLst/>
+          </a:prstGeom>
+        </p:spPr>
+      </p:pic>
+      <p:pic>
+        <p:nvPicPr>
+          <p:cNvPr id="32" name="Image 31">
+            <a:extLst>
+              <a:ext uri="{FF2B5EF4-FFF2-40B4-BE49-F238E27FC236}">
+                <a16:creationId xmlns:a16="http://schemas.microsoft.com/office/drawing/2014/main" id="{7CDE13BB-FEA0-C941-0CFC-756834AC92BD}"/>
+              </a:ext>
+            </a:extLst>
+          </p:cNvPr>
+          <p:cNvPicPr>
+            <a:picLocks noChangeAspect="1"/>
+          </p:cNvPicPr>
+          <p:nvPr/>
+        </p:nvPicPr>
+        <p:blipFill>
+          <a:blip r:embed="rId10"/>
+          <a:stretch>
+            <a:fillRect/>
+          </a:stretch>
+        </p:blipFill>
+        <p:spPr>
+          <a:xfrm>
             <a:off x="9388060" y="2276215"/>
             <a:ext cx="236936" cy="206962"/>
           </a:xfrm>
@@ -9359,7 +8685,7 @@
           <p:nvPr/>
         </p:nvPicPr>
         <p:blipFill>
-          <a:blip r:embed="rId10">
+          <a:blip r:embed="rId11">
             <a:extLst>
               <a:ext uri="{28A0092B-C50C-407E-A947-70E740481C1C}">
                 <a14:useLocalDpi xmlns:a14="http://schemas.microsoft.com/office/drawing/2010/main" val="0"/>
@@ -9406,10 +8732,10 @@
           <p:nvPr/>
         </p:nvPicPr>
         <p:blipFill>
-          <a:blip r:embed="rId11">
+          <a:blip r:embed="rId12">
             <a:extLst>
               <a:ext uri="{96DAC541-7B7A-43D3-8B79-37D633B846F1}">
-                <asvg:svgBlip xmlns:asvg="http://schemas.microsoft.com/office/drawing/2016/SVG/main" r:embed="rId12"/>
+                <asvg:svgBlip xmlns:asvg="http://schemas.microsoft.com/office/drawing/2016/SVG/main" r:embed="rId13"/>
               </a:ext>
             </a:extLst>
           </a:blip>
@@ -9442,10 +8768,10 @@
           <p:nvPr/>
         </p:nvPicPr>
         <p:blipFill>
-          <a:blip r:embed="rId13">
+          <a:blip r:embed="rId14">
             <a:extLst>
               <a:ext uri="{96DAC541-7B7A-43D3-8B79-37D633B846F1}">
-                <asvg:svgBlip xmlns:asvg="http://schemas.microsoft.com/office/drawing/2016/SVG/main" r:embed="rId14"/>
+                <asvg:svgBlip xmlns:asvg="http://schemas.microsoft.com/office/drawing/2016/SVG/main" r:embed="rId15"/>
               </a:ext>
             </a:extLst>
           </a:blip>
@@ -9478,7 +8804,7 @@
           <p:nvPr/>
         </p:nvPicPr>
         <p:blipFill>
-          <a:blip r:embed="rId15"/>
+          <a:blip r:embed="rId16"/>
           <a:stretch>
             <a:fillRect/>
           </a:stretch>
@@ -9653,7 +8979,7 @@
           <a:effectLst/>
           <a:extLst>
             <a:ext uri="{AF507438-7753-43e0-B8FC-AC1667EBCBE1}">
-              <a14:hiddenEffects xmlns="" xmlns:a14="http://schemas.microsoft.com/office/drawing/2010/main">
+              <a14:hiddenEffects xmlns:a14="http://schemas.microsoft.com/office/drawing/2010/main" xmlns="">
                 <a:effectLst>
                   <a:outerShdw dist="35921" dir="2700000" algn="ctr" rotWithShape="0">
                     <a:schemeClr val="bg2"/>
@@ -9701,7 +9027,7 @@
           <a:effectLst/>
           <a:extLst>
             <a:ext uri="{AF507438-7753-43e0-B8FC-AC1667EBCBE1}">
-              <a14:hiddenEffects xmlns="" xmlns:a14="http://schemas.microsoft.com/office/drawing/2010/main">
+              <a14:hiddenEffects xmlns:a14="http://schemas.microsoft.com/office/drawing/2010/main" xmlns="">
                 <a:effectLst>
                   <a:outerShdw dist="35921" dir="2700000" algn="ctr" rotWithShape="0">
                     <a:schemeClr val="bg2"/>
@@ -10172,7 +9498,7 @@
           <p:nvPr/>
         </p:nvPicPr>
         <p:blipFill>
-          <a:blip r:embed="rId16"/>
+          <a:blip r:embed="rId17"/>
           <a:stretch>
             <a:fillRect/>
           </a:stretch>
@@ -10202,7 +9528,7 @@
           <p:nvPr/>
         </p:nvPicPr>
         <p:blipFill>
-          <a:blip r:embed="rId16"/>
+          <a:blip r:embed="rId17"/>
           <a:stretch>
             <a:fillRect/>
           </a:stretch>
@@ -10995,6 +10321,42 @@
           </a:prstGeom>
         </p:spPr>
       </p:pic>
+      <p:pic>
+        <p:nvPicPr>
+          <p:cNvPr id="3" name="Image 2" descr="Une image contenant texte, Police, Graphique, logo&#10;&#10;Le contenu généré par l’IA peut être incorrect.">
+            <a:extLst>
+              <a:ext uri="{FF2B5EF4-FFF2-40B4-BE49-F238E27FC236}">
+                <a16:creationId xmlns:a16="http://schemas.microsoft.com/office/drawing/2014/main" id="{409C09E0-367F-D8AF-8783-8911C07B424F}"/>
+              </a:ext>
+            </a:extLst>
+          </p:cNvPr>
+          <p:cNvPicPr>
+            <a:picLocks noChangeAspect="1"/>
+          </p:cNvPicPr>
+          <p:nvPr/>
+        </p:nvPicPr>
+        <p:blipFill>
+          <a:blip r:embed="rId9">
+            <a:extLst>
+              <a:ext uri="{28A0092B-C50C-407E-A947-70E740481C1C}">
+                <a14:useLocalDpi xmlns:a14="http://schemas.microsoft.com/office/drawing/2010/main" val="0"/>
+              </a:ext>
+            </a:extLst>
+          </a:blip>
+          <a:stretch>
+            <a:fillRect/>
+          </a:stretch>
+        </p:blipFill>
+        <p:spPr>
+          <a:xfrm>
+            <a:off x="407368" y="54449"/>
+            <a:ext cx="4343400" cy="1524762"/>
+          </a:xfrm>
+          <a:prstGeom prst="rect">
+            <a:avLst/>
+          </a:prstGeom>
+        </p:spPr>
+      </p:pic>
     </p:spTree>
     <p:extLst>
       <p:ext uri="{BB962C8B-B14F-4D97-AF65-F5344CB8AC3E}">
@@ -11155,7 +10517,7 @@
           <a:effectLst/>
           <a:extLst>
             <a:ext uri="{AF507438-7753-43e0-B8FC-AC1667EBCBE1}">
-              <a14:hiddenEffects xmlns="" xmlns:a14="http://schemas.microsoft.com/office/drawing/2010/main">
+              <a14:hiddenEffects xmlns:a14="http://schemas.microsoft.com/office/drawing/2010/main" xmlns="">
                 <a:effectLst>
                   <a:outerShdw dist="35921" dir="2700000" algn="ctr" rotWithShape="0">
                     <a:schemeClr val="bg2"/>
@@ -11441,6 +10803,42 @@
           </a:p>
         </p:txBody>
       </p:sp>
+      <p:pic>
+        <p:nvPicPr>
+          <p:cNvPr id="3" name="Image 2" descr="Une image contenant texte, Police, Graphique, logo&#10;&#10;Le contenu généré par l’IA peut être incorrect.">
+            <a:extLst>
+              <a:ext uri="{FF2B5EF4-FFF2-40B4-BE49-F238E27FC236}">
+                <a16:creationId xmlns:a16="http://schemas.microsoft.com/office/drawing/2014/main" id="{92ADCC00-9D69-E5BF-FD12-3D3470F2DC3A}"/>
+              </a:ext>
+            </a:extLst>
+          </p:cNvPr>
+          <p:cNvPicPr>
+            <a:picLocks noChangeAspect="1"/>
+          </p:cNvPicPr>
+          <p:nvPr/>
+        </p:nvPicPr>
+        <p:blipFill>
+          <a:blip r:embed="rId5">
+            <a:extLst>
+              <a:ext uri="{28A0092B-C50C-407E-A947-70E740481C1C}">
+                <a14:useLocalDpi xmlns:a14="http://schemas.microsoft.com/office/drawing/2010/main" val="0"/>
+              </a:ext>
+            </a:extLst>
+          </a:blip>
+          <a:stretch>
+            <a:fillRect/>
+          </a:stretch>
+        </p:blipFill>
+        <p:spPr>
+          <a:xfrm>
+            <a:off x="407368" y="54449"/>
+            <a:ext cx="4343400" cy="1524762"/>
+          </a:xfrm>
+          <a:prstGeom prst="rect">
+            <a:avLst/>
+          </a:prstGeom>
+        </p:spPr>
+      </p:pic>
     </p:spTree>
     <p:extLst>
       <p:ext uri="{BB962C8B-B14F-4D97-AF65-F5344CB8AC3E}">
@@ -11538,7 +10936,7 @@
           <a:effectLst/>
           <a:extLst>
             <a:ext uri="{AF507438-7753-43e0-B8FC-AC1667EBCBE1}">
-              <a14:hiddenEffects xmlns:a14="http://schemas.microsoft.com/office/drawing/2010/main" xmlns="">
+              <a14:hiddenEffects xmlns="" xmlns:a14="http://schemas.microsoft.com/office/drawing/2010/main">
                 <a:effectLst>
                   <a:outerShdw dist="35921" dir="2700000" algn="ctr" rotWithShape="0">
                     <a:schemeClr val="bg2"/>
@@ -11861,6 +11259,42 @@
           <a:effectLst/>
         </p:spPr>
       </p:cxnSp>
+      <p:pic>
+        <p:nvPicPr>
+          <p:cNvPr id="3" name="Image 2" descr="Une image contenant texte, Police, Graphique, logo&#10;&#10;Le contenu généré par l’IA peut être incorrect.">
+            <a:extLst>
+              <a:ext uri="{FF2B5EF4-FFF2-40B4-BE49-F238E27FC236}">
+                <a16:creationId xmlns:a16="http://schemas.microsoft.com/office/drawing/2014/main" id="{524164A6-C64F-2759-FD4D-C66B5FCBFE17}"/>
+              </a:ext>
+            </a:extLst>
+          </p:cNvPr>
+          <p:cNvPicPr>
+            <a:picLocks noChangeAspect="1"/>
+          </p:cNvPicPr>
+          <p:nvPr/>
+        </p:nvPicPr>
+        <p:blipFill>
+          <a:blip r:embed="rId5">
+            <a:extLst>
+              <a:ext uri="{28A0092B-C50C-407E-A947-70E740481C1C}">
+                <a14:useLocalDpi xmlns:a14="http://schemas.microsoft.com/office/drawing/2010/main" val="0"/>
+              </a:ext>
+            </a:extLst>
+          </a:blip>
+          <a:stretch>
+            <a:fillRect/>
+          </a:stretch>
+        </p:blipFill>
+        <p:spPr>
+          <a:xfrm>
+            <a:off x="407368" y="54449"/>
+            <a:ext cx="4343400" cy="1524762"/>
+          </a:xfrm>
+          <a:prstGeom prst="rect">
+            <a:avLst/>
+          </a:prstGeom>
+        </p:spPr>
+      </p:pic>
     </p:spTree>
     <p:extLst>
       <p:ext uri="{BB962C8B-B14F-4D97-AF65-F5344CB8AC3E}">
@@ -11958,7 +11392,7 @@
           <a:effectLst/>
           <a:extLst>
             <a:ext uri="{AF507438-7753-43e0-B8FC-AC1667EBCBE1}">
-              <a14:hiddenEffects xmlns="" xmlns:a14="http://schemas.microsoft.com/office/drawing/2010/main">
+              <a14:hiddenEffects xmlns:a14="http://schemas.microsoft.com/office/drawing/2010/main" xmlns="">
                 <a:effectLst>
                   <a:outerShdw dist="35921" dir="2700000" algn="ctr" rotWithShape="0">
                     <a:schemeClr val="bg2"/>
@@ -12095,6 +11529,42 @@
               </a14:hiddenFill>
             </a:ext>
           </a:extLst>
+        </p:spPr>
+      </p:pic>
+      <p:pic>
+        <p:nvPicPr>
+          <p:cNvPr id="3" name="Image 2" descr="Une image contenant texte, Police, Graphique, logo&#10;&#10;Le contenu généré par l’IA peut être incorrect.">
+            <a:extLst>
+              <a:ext uri="{FF2B5EF4-FFF2-40B4-BE49-F238E27FC236}">
+                <a16:creationId xmlns:a16="http://schemas.microsoft.com/office/drawing/2014/main" id="{E4658502-28DC-4CBA-BED2-3C22A76AE427}"/>
+              </a:ext>
+            </a:extLst>
+          </p:cNvPr>
+          <p:cNvPicPr>
+            <a:picLocks noChangeAspect="1"/>
+          </p:cNvPicPr>
+          <p:nvPr/>
+        </p:nvPicPr>
+        <p:blipFill>
+          <a:blip r:embed="rId3">
+            <a:extLst>
+              <a:ext uri="{28A0092B-C50C-407E-A947-70E740481C1C}">
+                <a14:useLocalDpi xmlns:a14="http://schemas.microsoft.com/office/drawing/2010/main" val="0"/>
+              </a:ext>
+            </a:extLst>
+          </a:blip>
+          <a:stretch>
+            <a:fillRect/>
+          </a:stretch>
+        </p:blipFill>
+        <p:spPr>
+          <a:xfrm>
+            <a:off x="407368" y="54449"/>
+            <a:ext cx="4343400" cy="1524762"/>
+          </a:xfrm>
+          <a:prstGeom prst="rect">
+            <a:avLst/>
+          </a:prstGeom>
         </p:spPr>
       </p:pic>
     </p:spTree>
@@ -12194,7 +11664,7 @@
           <a:effectLst/>
           <a:extLst>
             <a:ext uri="{AF507438-7753-43e0-B8FC-AC1667EBCBE1}">
-              <a14:hiddenEffects xmlns:a14="http://schemas.microsoft.com/office/drawing/2010/main" xmlns="">
+              <a14:hiddenEffects xmlns="" xmlns:a14="http://schemas.microsoft.com/office/drawing/2010/main">
                 <a:effectLst>
                   <a:outerShdw dist="35921" dir="2700000" algn="ctr" rotWithShape="0">
                     <a:schemeClr val="bg2"/>
@@ -12387,6 +11857,42 @@
           </a:p>
         </p:txBody>
       </p:sp>
+      <p:pic>
+        <p:nvPicPr>
+          <p:cNvPr id="3" name="Image 2" descr="Une image contenant texte, Police, Graphique, logo&#10;&#10;Le contenu généré par l’IA peut être incorrect.">
+            <a:extLst>
+              <a:ext uri="{FF2B5EF4-FFF2-40B4-BE49-F238E27FC236}">
+                <a16:creationId xmlns:a16="http://schemas.microsoft.com/office/drawing/2014/main" id="{767B376B-A9BD-BDA6-79EC-D8CB36F5784B}"/>
+              </a:ext>
+            </a:extLst>
+          </p:cNvPr>
+          <p:cNvPicPr>
+            <a:picLocks noChangeAspect="1"/>
+          </p:cNvPicPr>
+          <p:nvPr/>
+        </p:nvPicPr>
+        <p:blipFill>
+          <a:blip r:embed="rId4">
+            <a:extLst>
+              <a:ext uri="{28A0092B-C50C-407E-A947-70E740481C1C}">
+                <a14:useLocalDpi xmlns:a14="http://schemas.microsoft.com/office/drawing/2010/main" val="0"/>
+              </a:ext>
+            </a:extLst>
+          </a:blip>
+          <a:stretch>
+            <a:fillRect/>
+          </a:stretch>
+        </p:blipFill>
+        <p:spPr>
+          <a:xfrm>
+            <a:off x="407368" y="54449"/>
+            <a:ext cx="4343400" cy="1524762"/>
+          </a:xfrm>
+          <a:prstGeom prst="rect">
+            <a:avLst/>
+          </a:prstGeom>
+        </p:spPr>
+      </p:pic>
     </p:spTree>
     <p:extLst>
       <p:ext uri="{BB962C8B-B14F-4D97-AF65-F5344CB8AC3E}">
@@ -12531,7 +12037,7 @@
           <a:effectLst/>
           <a:extLst>
             <a:ext uri="{AF507438-7753-43e0-B8FC-AC1667EBCBE1}">
-              <a14:hiddenEffects xmlns="" xmlns:a14="http://schemas.microsoft.com/office/drawing/2010/main">
+              <a14:hiddenEffects xmlns:a14="http://schemas.microsoft.com/office/drawing/2010/main" xmlns="">
                 <a:effectLst>
                   <a:outerShdw dist="35921" dir="2700000" algn="ctr" rotWithShape="0">
                     <a:schemeClr val="bg2"/>
@@ -13304,6 +12810,42 @@
           </a:p>
         </p:txBody>
       </p:sp>
+      <p:pic>
+        <p:nvPicPr>
+          <p:cNvPr id="5" name="Image 4" descr="Une image contenant texte, Police, Graphique, logo&#10;&#10;Le contenu généré par l’IA peut être incorrect.">
+            <a:extLst>
+              <a:ext uri="{FF2B5EF4-FFF2-40B4-BE49-F238E27FC236}">
+                <a16:creationId xmlns:a16="http://schemas.microsoft.com/office/drawing/2014/main" id="{526263A2-C403-DF7A-FB17-3289BD419625}"/>
+              </a:ext>
+            </a:extLst>
+          </p:cNvPr>
+          <p:cNvPicPr>
+            <a:picLocks noChangeAspect="1"/>
+          </p:cNvPicPr>
+          <p:nvPr/>
+        </p:nvPicPr>
+        <p:blipFill>
+          <a:blip r:embed="rId3">
+            <a:extLst>
+              <a:ext uri="{28A0092B-C50C-407E-A947-70E740481C1C}">
+                <a14:useLocalDpi xmlns:a14="http://schemas.microsoft.com/office/drawing/2010/main" val="0"/>
+              </a:ext>
+            </a:extLst>
+          </a:blip>
+          <a:stretch>
+            <a:fillRect/>
+          </a:stretch>
+        </p:blipFill>
+        <p:spPr>
+          <a:xfrm>
+            <a:off x="407368" y="54449"/>
+            <a:ext cx="4343400" cy="1524762"/>
+          </a:xfrm>
+          <a:prstGeom prst="rect">
+            <a:avLst/>
+          </a:prstGeom>
+        </p:spPr>
+      </p:pic>
     </p:spTree>
     <p:extLst>
       <p:ext uri="{BB962C8B-B14F-4D97-AF65-F5344CB8AC3E}">
@@ -13401,7 +12943,7 @@
           <a:effectLst/>
           <a:extLst>
             <a:ext uri="{AF507438-7753-43e0-B8FC-AC1667EBCBE1}">
-              <a14:hiddenEffects xmlns:a14="http://schemas.microsoft.com/office/drawing/2010/main" xmlns="">
+              <a14:hiddenEffects xmlns="" xmlns:a14="http://schemas.microsoft.com/office/drawing/2010/main">
                 <a:effectLst>
                   <a:outerShdw dist="35921" dir="2700000" algn="ctr" rotWithShape="0">
                     <a:schemeClr val="bg2"/>
@@ -13620,6 +13162,42 @@
           <a:xfrm>
             <a:off x="623392" y="3919100"/>
             <a:ext cx="3600400" cy="2747969"/>
+          </a:xfrm>
+          <a:prstGeom prst="rect">
+            <a:avLst/>
+          </a:prstGeom>
+        </p:spPr>
+      </p:pic>
+      <p:pic>
+        <p:nvPicPr>
+          <p:cNvPr id="3" name="Image 2" descr="Une image contenant texte, Police, Graphique, logo&#10;&#10;Le contenu généré par l’IA peut être incorrect.">
+            <a:extLst>
+              <a:ext uri="{FF2B5EF4-FFF2-40B4-BE49-F238E27FC236}">
+                <a16:creationId xmlns:a16="http://schemas.microsoft.com/office/drawing/2014/main" id="{3A0E8A7B-B5A7-CDF6-71B9-E73D504CE4AA}"/>
+              </a:ext>
+            </a:extLst>
+          </p:cNvPr>
+          <p:cNvPicPr>
+            <a:picLocks noChangeAspect="1"/>
+          </p:cNvPicPr>
+          <p:nvPr/>
+        </p:nvPicPr>
+        <p:blipFill>
+          <a:blip r:embed="rId5">
+            <a:extLst>
+              <a:ext uri="{28A0092B-C50C-407E-A947-70E740481C1C}">
+                <a14:useLocalDpi xmlns:a14="http://schemas.microsoft.com/office/drawing/2010/main" val="0"/>
+              </a:ext>
+            </a:extLst>
+          </a:blip>
+          <a:stretch>
+            <a:fillRect/>
+          </a:stretch>
+        </p:blipFill>
+        <p:spPr>
+          <a:xfrm>
+            <a:off x="407368" y="54449"/>
+            <a:ext cx="4343400" cy="1524762"/>
           </a:xfrm>
           <a:prstGeom prst="rect">
             <a:avLst/>
